--- a/git-beginner.pptx
+++ b/git-beginner.pptx
@@ -233,7 +233,7 @@
           <a:p>
             <a:fld id="{5F24E84A-02C5-45A6-8C43-1C1C9F930287}" type="datetimeFigureOut">
               <a:rPr lang="en-US" smtClean="0"/>
-              <a:t>03/10/12</a:t>
+              <a:t>04/10/12</a:t>
             </a:fld>
             <a:endParaRPr lang="en-US"/>
           </a:p>
@@ -766,7 +766,7 @@
           <a:p>
             <a:fld id="{05E59C73-1A45-482C-83A3-0D30780A159E}" type="datetimeFigureOut">
               <a:rPr lang="en-US" smtClean="0"/>
-              <a:t>03/10/12</a:t>
+              <a:t>04/10/12</a:t>
             </a:fld>
             <a:endParaRPr lang="en-US"/>
           </a:p>
@@ -948,7 +948,7 @@
           <a:p>
             <a:fld id="{05E59C73-1A45-482C-83A3-0D30780A159E}" type="datetimeFigureOut">
               <a:rPr lang="en-US" smtClean="0"/>
-              <a:t>03/10/12</a:t>
+              <a:t>04/10/12</a:t>
             </a:fld>
             <a:endParaRPr lang="en-US"/>
           </a:p>
@@ -1140,7 +1140,7 @@
           <a:p>
             <a:fld id="{05E59C73-1A45-482C-83A3-0D30780A159E}" type="datetimeFigureOut">
               <a:rPr lang="en-US" smtClean="0"/>
-              <a:t>03/10/12</a:t>
+              <a:t>04/10/12</a:t>
             </a:fld>
             <a:endParaRPr lang="en-US"/>
           </a:p>
@@ -1322,7 +1322,7 @@
           <a:p>
             <a:fld id="{05E59C73-1A45-482C-83A3-0D30780A159E}" type="datetimeFigureOut">
               <a:rPr lang="en-US" smtClean="0"/>
-              <a:t>03/10/12</a:t>
+              <a:t>04/10/12</a:t>
             </a:fld>
             <a:endParaRPr lang="en-US"/>
           </a:p>
@@ -1580,7 +1580,7 @@
           <a:p>
             <a:fld id="{05E59C73-1A45-482C-83A3-0D30780A159E}" type="datetimeFigureOut">
               <a:rPr lang="en-US" smtClean="0"/>
-              <a:t>03/10/12</a:t>
+              <a:t>04/10/12</a:t>
             </a:fld>
             <a:endParaRPr lang="en-US"/>
           </a:p>
@@ -1880,7 +1880,7 @@
           <a:p>
             <a:fld id="{05E59C73-1A45-482C-83A3-0D30780A159E}" type="datetimeFigureOut">
               <a:rPr lang="en-US" smtClean="0"/>
-              <a:t>03/10/12</a:t>
+              <a:t>04/10/12</a:t>
             </a:fld>
             <a:endParaRPr lang="en-US"/>
           </a:p>
@@ -2314,7 +2314,7 @@
           <a:p>
             <a:fld id="{05E59C73-1A45-482C-83A3-0D30780A159E}" type="datetimeFigureOut">
               <a:rPr lang="en-US" smtClean="0"/>
-              <a:t>03/10/12</a:t>
+              <a:t>04/10/12</a:t>
             </a:fld>
             <a:endParaRPr lang="en-US"/>
           </a:p>
@@ -2444,7 +2444,7 @@
           <a:p>
             <a:fld id="{05E59C73-1A45-482C-83A3-0D30780A159E}" type="datetimeFigureOut">
               <a:rPr lang="en-US" smtClean="0"/>
-              <a:t>03/10/12</a:t>
+              <a:t>04/10/12</a:t>
             </a:fld>
             <a:endParaRPr lang="en-US"/>
           </a:p>
@@ -2551,7 +2551,7 @@
           <a:p>
             <a:fld id="{05E59C73-1A45-482C-83A3-0D30780A159E}" type="datetimeFigureOut">
               <a:rPr lang="en-US" smtClean="0"/>
-              <a:t>03/10/12</a:t>
+              <a:t>04/10/12</a:t>
             </a:fld>
             <a:endParaRPr lang="en-US"/>
           </a:p>
@@ -2840,7 +2840,7 @@
           <a:p>
             <a:fld id="{05E59C73-1A45-482C-83A3-0D30780A159E}" type="datetimeFigureOut">
               <a:rPr lang="en-US" smtClean="0"/>
-              <a:t>03/10/12</a:t>
+              <a:t>04/10/12</a:t>
             </a:fld>
             <a:endParaRPr lang="en-US"/>
           </a:p>
@@ -3105,7 +3105,7 @@
           <a:p>
             <a:fld id="{05E59C73-1A45-482C-83A3-0D30780A159E}" type="datetimeFigureOut">
               <a:rPr lang="en-US" smtClean="0"/>
-              <a:t>03/10/12</a:t>
+              <a:t>04/10/12</a:t>
             </a:fld>
             <a:endParaRPr lang="en-US"/>
           </a:p>
@@ -3330,7 +3330,7 @@
           <a:p>
             <a:fld id="{05E59C73-1A45-482C-83A3-0D30780A159E}" type="datetimeFigureOut">
               <a:rPr lang="en-US" smtClean="0"/>
-              <a:t>03/10/12</a:t>
+              <a:t>04/10/12</a:t>
             </a:fld>
             <a:endParaRPr lang="en-US"/>
           </a:p>
@@ -3911,15 +3911,7 @@
             </a:pPr>
             <a:r>
               <a:rPr lang="en-US" sz="1600" dirty="0" smtClean="0"/>
-              <a:t>Say, you </a:t>
-            </a:r>
-            <a:r>
-              <a:rPr lang="en-US" sz="1600" dirty="0" smtClean="0"/>
-              <a:t>already hard </a:t>
-            </a:r>
-            <a:r>
-              <a:rPr lang="en-US" sz="1600" dirty="0" smtClean="0"/>
-              <a:t>another file in your repository, named, </a:t>
+              <a:t>Say, you already hard another file in your repository, named, </a:t>
             </a:r>
             <a:r>
               <a:rPr lang="en-US" sz="1600" dirty="0" err="1" smtClean="0">
@@ -4853,15 +4845,7 @@
             </a:pPr>
             <a:r>
               <a:rPr lang="en-US" sz="2000" dirty="0" smtClean="0"/>
-              <a:t>… but </a:t>
-            </a:r>
-            <a:r>
-              <a:rPr lang="en-US" sz="2000" dirty="0" smtClean="0"/>
-              <a:t>in </a:t>
-            </a:r>
-            <a:r>
-              <a:rPr lang="en-US" sz="2000" dirty="0" smtClean="0"/>
-              <a:t>come cases, you just want to add </a:t>
+              <a:t>… but in come cases, you just want to add </a:t>
             </a:r>
             <a:r>
               <a:rPr lang="en-US" sz="2000" i="1" dirty="0" smtClean="0"/>
@@ -5413,11 +5397,7 @@
             </a:r>
             <a:r>
               <a:rPr lang="en-US" dirty="0" smtClean="0"/>
-              <a:t>–-</a:t>
-            </a:r>
-            <a:r>
-              <a:rPr lang="en-US" dirty="0" smtClean="0"/>
-              <a:t>before indexing (staging)</a:t>
+              <a:t>–-before indexing (staging)</a:t>
             </a:r>
             <a:endParaRPr lang="en-US" dirty="0"/>
           </a:p>
@@ -5857,15 +5837,7 @@
             </a:r>
             <a:r>
               <a:rPr lang="en-US" dirty="0" smtClean="0"/>
-              <a:t>--after </a:t>
-            </a:r>
-            <a:r>
-              <a:rPr lang="en-US" dirty="0" smtClean="0"/>
-              <a:t>indexing (staging</a:t>
-            </a:r>
-            <a:r>
-              <a:rPr lang="en-US" dirty="0" smtClean="0"/>
-              <a:t>)</a:t>
+              <a:t>--after indexing (staging)</a:t>
             </a:r>
             <a:endParaRPr lang="en-US" dirty="0"/>
           </a:p>
@@ -6334,11 +6306,7 @@
             </a:r>
             <a:r>
               <a:rPr lang="en-US" dirty="0" smtClean="0"/>
-              <a:t> the short/clean </a:t>
-            </a:r>
-            <a:r>
-              <a:rPr lang="en-US" dirty="0" smtClean="0"/>
-              <a:t>way</a:t>
+              <a:t> the short/clean way</a:t>
             </a:r>
             <a:endParaRPr lang="en-US" sz="1600" dirty="0"/>
           </a:p>
@@ -8835,17 +8803,8 @@
             </a:pPr>
             <a:r>
               <a:rPr lang="en-US" dirty="0" smtClean="0"/>
-              <a:t>Fill </a:t>
-            </a:r>
-            <a:r>
-              <a:rPr lang="en-US" dirty="0" smtClean="0"/>
-              <a:t>in </a:t>
-            </a:r>
-            <a:r>
-              <a:rPr lang="en-US" dirty="0" smtClean="0"/>
-              <a:t>information.</a:t>
-            </a:r>
-            <a:endParaRPr lang="en-US" dirty="0" smtClean="0"/>
+              <a:t>Fill in information.</a:t>
+            </a:r>
           </a:p>
           <a:p>
             <a:pPr marL="342900" indent="-342900">
@@ -8915,15 +8874,7 @@
             </a:pPr>
             <a:r>
               <a:rPr lang="en-US" dirty="0" smtClean="0"/>
-              <a:t>In your </a:t>
-            </a:r>
-            <a:r>
-              <a:rPr lang="en-US" dirty="0" smtClean="0"/>
-              <a:t>terminal/command prompt/whatever</a:t>
-            </a:r>
-            <a:r>
-              <a:rPr lang="en-US" dirty="0" smtClean="0"/>
-              <a:t>. Type in, with</a:t>
+              <a:t>In your terminal/command prompt/whatever. Type in, with</a:t>
             </a:r>
             <a:r>
               <a:rPr lang="en-US" dirty="0" smtClean="0">
@@ -8957,11 +8908,7 @@
             </a:pPr>
             <a:r>
               <a:rPr lang="en-US" dirty="0" smtClean="0"/>
-              <a:t>Let me </a:t>
-            </a:r>
-            <a:r>
-              <a:rPr lang="en-US" dirty="0" smtClean="0"/>
-              <a:t>check</a:t>
+              <a:t>Let me check</a:t>
             </a:r>
           </a:p>
           <a:p>
@@ -9973,11 +9920,7 @@
             </a:r>
             <a:r>
               <a:rPr lang="en-US" dirty="0" smtClean="0"/>
-              <a:t>t’s </a:t>
-            </a:r>
-            <a:r>
-              <a:rPr lang="en-US" dirty="0" smtClean="0"/>
-              <a:t>recommended to run </a:t>
+              <a:t>t’s recommended to run </a:t>
             </a:r>
             <a:r>
               <a:rPr lang="en-US" dirty="0" err="1" smtClean="0">
@@ -10715,11 +10658,7 @@
             </a:r>
             <a:r>
               <a:rPr lang="en-US" sz="1400" dirty="0" smtClean="0"/>
-              <a:t>n </a:t>
-            </a:r>
-            <a:r>
-              <a:rPr lang="en-US" sz="1400" dirty="0" smtClean="0"/>
-              <a:t>order to check and see more information for what we have done in recent activities. You can run this:</a:t>
+              <a:t>n order to check and see more information for what we have done in recent activities. You can run this:</a:t>
             </a:r>
             <a:endParaRPr lang="en-US" sz="1400" dirty="0"/>
           </a:p>
@@ -11093,11 +11032,7 @@
             </a:r>
             <a:r>
               <a:rPr lang="en-US" sz="1200" dirty="0" smtClean="0"/>
-              <a:t> </a:t>
-            </a:r>
-            <a:r>
-              <a:rPr lang="en-US" sz="1200" dirty="0" smtClean="0"/>
-              <a:t>command.</a:t>
+              <a:t> command.</a:t>
             </a:r>
           </a:p>
           <a:p>
@@ -11107,11 +11042,7 @@
             </a:pPr>
             <a:r>
               <a:rPr lang="en-US" sz="1200" dirty="0" smtClean="0"/>
-              <a:t>What </a:t>
-            </a:r>
-            <a:r>
-              <a:rPr lang="en-US" sz="1200" dirty="0" smtClean="0"/>
-              <a:t>does </a:t>
+              <a:t>What does </a:t>
             </a:r>
             <a:r>
               <a:rPr lang="en-US" sz="1200" dirty="0" smtClean="0">
@@ -11121,15 +11052,7 @@
             </a:r>
             <a:r>
               <a:rPr lang="en-US" sz="1200" dirty="0" smtClean="0"/>
-              <a:t> mean, it’s simply your current branch/ last </a:t>
-            </a:r>
-            <a:r>
-              <a:rPr lang="en-US" sz="1200" dirty="0" smtClean="0"/>
-              <a:t>committed </a:t>
-            </a:r>
-            <a:r>
-              <a:rPr lang="en-US" sz="1200" dirty="0" smtClean="0"/>
-              <a:t>stage. (Don’t confuse with </a:t>
+              <a:t> mean, it’s simply your current branch/ last committed stage. (Don’t confuse with </a:t>
             </a:r>
             <a:r>
               <a:rPr lang="en-US" sz="1200" dirty="0" smtClean="0">
@@ -11202,15 +11125,7 @@
             </a:pPr>
             <a:r>
               <a:rPr lang="en-US" sz="1200" dirty="0" smtClean="0"/>
-              <a:t>Now you have </a:t>
-            </a:r>
-            <a:r>
-              <a:rPr lang="en-US" sz="1200" dirty="0" smtClean="0"/>
-              <a:t>information </a:t>
-            </a:r>
-            <a:r>
-              <a:rPr lang="en-US" sz="1200" dirty="0" smtClean="0"/>
-              <a:t>about your </a:t>
+              <a:t>Now you have information about your </a:t>
             </a:r>
             <a:r>
               <a:rPr lang="en-US" sz="1200" dirty="0" smtClean="0">
@@ -13351,25 +13266,7 @@
                 </a:solidFill>
                 <a:latin typeface="Source Code Pro" pitchFamily="49" charset="0"/>
               </a:rPr>
-              <a:t># </a:t>
-            </a:r>
-            <a:r>
-              <a:rPr lang="en-US" sz="1550" b="1" dirty="0" smtClean="0">
-                <a:solidFill>
-                  <a:srgbClr val="53777A"/>
-                </a:solidFill>
-                <a:latin typeface="Source Code Pro" pitchFamily="49" charset="0"/>
-              </a:rPr>
-              <a:t>BASIC COMMAND </a:t>
-            </a:r>
-            <a:r>
-              <a:rPr lang="en-US" sz="1550" b="1" dirty="0" smtClean="0">
-                <a:solidFill>
-                  <a:srgbClr val="53777A"/>
-                </a:solidFill>
-                <a:latin typeface="Source Code Pro" pitchFamily="49" charset="0"/>
-              </a:rPr>
-              <a:t>…</a:t>
+              <a:t># BASIC COMMAND …</a:t>
             </a:r>
           </a:p>
           <a:p>
@@ -13645,25 +13542,7 @@
                 </a:solidFill>
                 <a:latin typeface="Source Code Pro" pitchFamily="49" charset="0"/>
               </a:rPr>
-              <a:t># show file added to staging </a:t>
-            </a:r>
-            <a:r>
-              <a:rPr lang="en-US" sz="1550" b="1" dirty="0" smtClean="0">
-                <a:solidFill>
-                  <a:srgbClr val="53777A"/>
-                </a:solidFill>
-                <a:latin typeface="Source Code Pro" pitchFamily="49" charset="0"/>
-              </a:rPr>
-              <a:t>area, </a:t>
-            </a:r>
-            <a:r>
-              <a:rPr lang="en-US" sz="1550" b="1" dirty="0" smtClean="0">
-                <a:solidFill>
-                  <a:srgbClr val="53777A"/>
-                </a:solidFill>
-                <a:latin typeface="Source Code Pro" pitchFamily="49" charset="0"/>
-              </a:rPr>
-              <a:t>files with changes, untracked files</a:t>
+              <a:t># show file added to staging area, files with changes, untracked files</a:t>
             </a:r>
           </a:p>
           <a:p>
@@ -14548,8 +14427,13 @@
                 </a:solidFill>
                 <a:latin typeface="Source Code Pro" pitchFamily="49" charset="0"/>
               </a:rPr>
-              <a:t># </a:t>
-            </a:r>
+              <a:t># EVEN MORE COMMAND …</a:t>
+            </a:r>
+          </a:p>
+          <a:p>
+            <a:pPr marL="0" indent="0">
+              <a:buNone/>
+            </a:pPr>
             <a:r>
               <a:rPr lang="en-US" sz="1600" b="1" dirty="0" smtClean="0">
                 <a:solidFill>
@@ -14557,7 +14441,16 @@
                 </a:solidFill>
                 <a:latin typeface="Source Code Pro" pitchFamily="49" charset="0"/>
               </a:rPr>
-              <a:t>EVEN </a:t>
+              <a:t>## </a:t>
+            </a:r>
+            <a:r>
+              <a:rPr lang="en-US" sz="1600" b="1" dirty="0">
+                <a:solidFill>
+                  <a:srgbClr val="53777A"/>
+                </a:solidFill>
+                <a:latin typeface="Source Code Pro" pitchFamily="49" charset="0"/>
+              </a:rPr>
+              <a:t>note: HEAD === </a:t>
             </a:r>
             <a:r>
               <a:rPr lang="en-US" sz="1600" b="1" dirty="0" smtClean="0">
@@ -14566,66 +14459,7 @@
                 </a:solidFill>
                 <a:latin typeface="Source Code Pro" pitchFamily="49" charset="0"/>
               </a:rPr>
-              <a:t>MORE </a:t>
-            </a:r>
-            <a:r>
-              <a:rPr lang="en-US" sz="1600" b="1" dirty="0" smtClean="0">
-                <a:solidFill>
-                  <a:srgbClr val="53777A"/>
-                </a:solidFill>
-                <a:latin typeface="Source Code Pro" pitchFamily="49" charset="0"/>
-              </a:rPr>
-              <a:t>COMMAND </a:t>
-            </a:r>
-            <a:r>
-              <a:rPr lang="en-US" sz="1600" b="1" dirty="0" smtClean="0">
-                <a:solidFill>
-                  <a:srgbClr val="53777A"/>
-                </a:solidFill>
-                <a:latin typeface="Source Code Pro" pitchFamily="49" charset="0"/>
-              </a:rPr>
-              <a:t>…</a:t>
-            </a:r>
-          </a:p>
-          <a:p>
-            <a:pPr marL="0" indent="0">
-              <a:buNone/>
-            </a:pPr>
-            <a:r>
-              <a:rPr lang="en-US" sz="1600" b="1" dirty="0" smtClean="0">
-                <a:solidFill>
-                  <a:srgbClr val="53777A"/>
-                </a:solidFill>
-                <a:latin typeface="Source Code Pro" pitchFamily="49" charset="0"/>
-              </a:rPr>
-              <a:t>## </a:t>
-            </a:r>
-            <a:r>
-              <a:rPr lang="en-US" sz="1600" b="1" dirty="0">
-                <a:solidFill>
-                  <a:srgbClr val="53777A"/>
-                </a:solidFill>
-                <a:latin typeface="Source Code Pro" pitchFamily="49" charset="0"/>
-              </a:rPr>
-              <a:t>note: HEAD === </a:t>
-            </a:r>
-            <a:r>
-              <a:rPr lang="en-US" sz="1600" b="1" dirty="0" smtClean="0">
-                <a:solidFill>
-                  <a:srgbClr val="53777A"/>
-                </a:solidFill>
-                <a:latin typeface="Source Code Pro" pitchFamily="49" charset="0"/>
-              </a:rPr>
-              <a:t>most recent </a:t>
-            </a:r>
-            <a:r>
-              <a:rPr lang="en-US" sz="1600" b="1" dirty="0" smtClean="0">
-                <a:solidFill>
-                  <a:srgbClr val="53777A"/>
-                </a:solidFill>
-                <a:latin typeface="Source Code Pro" pitchFamily="49" charset="0"/>
-              </a:rPr>
-              <a:t>commit on your working branch. As I said before, default is master.</a:t>
+              <a:t>most recent commit on your working branch. As I said before, default is master.</a:t>
             </a:r>
             <a:endParaRPr lang="en-US" sz="1600" b="1" dirty="0">
               <a:solidFill>
@@ -15057,23 +14891,8 @@
                 </a:solidFill>
                 <a:latin typeface="Source Code Pro" pitchFamily="49" charset="0"/>
               </a:rPr>
-              <a:t>### </a:t>
-            </a:r>
-            <a:r>
-              <a:rPr lang="en-US" sz="1600" b="1" dirty="0" smtClean="0">
-                <a:solidFill>
-                  <a:srgbClr val="53777A"/>
-                </a:solidFill>
-                <a:latin typeface="Source Code Pro" pitchFamily="49" charset="0"/>
-              </a:rPr>
-              <a:t>branching</a:t>
-            </a:r>
-            <a:endParaRPr lang="en-US" sz="1600" b="1" dirty="0" smtClean="0">
-              <a:solidFill>
-                <a:srgbClr val="53777A"/>
-              </a:solidFill>
-              <a:latin typeface="Source Code Pro" pitchFamily="49" charset="0"/>
-            </a:endParaRPr>
+              <a:t>### branching</a:t>
+            </a:r>
           </a:p>
           <a:p>
             <a:pPr marL="0" indent="0">
@@ -18399,7 +18218,7 @@
         <p:spPr/>
         <p:txBody>
           <a:bodyPr>
-            <a:normAutofit/>
+            <a:noAutofit/>
           </a:bodyPr>
           <a:lstStyle/>
           <a:p>
@@ -18407,71 +18226,249 @@
               <a:buNone/>
             </a:pPr>
             <a:r>
-              <a:rPr lang="en-US" sz="3200" smtClean="0"/>
-              <a:t>Installing git in your dev machine</a:t>
+              <a:rPr lang="en-US" sz="1800" dirty="0" smtClean="0"/>
+              <a:t>Installing </a:t>
+            </a:r>
+            <a:r>
+              <a:rPr lang="en-US" sz="1800" dirty="0" err="1" smtClean="0"/>
+              <a:t>git</a:t>
+            </a:r>
+            <a:r>
+              <a:rPr lang="en-US" sz="1800" dirty="0" smtClean="0"/>
+              <a:t> in your </a:t>
+            </a:r>
+            <a:r>
+              <a:rPr lang="en-US" sz="1800" dirty="0" smtClean="0"/>
+              <a:t>development </a:t>
+            </a:r>
+            <a:r>
+              <a:rPr lang="en-US" sz="1800" dirty="0" smtClean="0"/>
+              <a:t>machine</a:t>
             </a:r>
           </a:p>
           <a:p>
             <a:pPr marL="400050" lvl="1" indent="0">
               <a:buNone/>
             </a:pPr>
-            <a:endParaRPr lang="en-US" sz="3200" smtClean="0"/>
+            <a:r>
+              <a:rPr lang="en-US" sz="2000" dirty="0" smtClean="0">
+                <a:latin typeface="+mj-lt"/>
+              </a:rPr>
+              <a:t>MAC</a:t>
+            </a:r>
+            <a:r>
+              <a:rPr lang="en-US" sz="2000" dirty="0" smtClean="0"/>
+              <a:t>: </a:t>
+            </a:r>
+            <a:endParaRPr lang="en-US" sz="2000" dirty="0" smtClean="0"/>
+          </a:p>
+          <a:p>
+            <a:pPr lvl="1" indent="-342900"/>
+            <a:r>
+              <a:rPr lang="en-US" sz="1600" dirty="0" smtClean="0">
+                <a:hlinkClick r:id="rId2"/>
+              </a:rPr>
+              <a:t>http://</a:t>
+            </a:r>
+            <a:r>
+              <a:rPr lang="en-US" sz="1600" dirty="0" err="1" smtClean="0">
+                <a:hlinkClick r:id="rId2"/>
+              </a:rPr>
+              <a:t>code.google.com</a:t>
+            </a:r>
+            <a:r>
+              <a:rPr lang="en-US" sz="1600" dirty="0" smtClean="0">
+                <a:hlinkClick r:id="rId2"/>
+              </a:rPr>
+              <a:t>/p/</a:t>
+            </a:r>
+            <a:r>
+              <a:rPr lang="en-US" sz="1600" dirty="0" err="1" smtClean="0">
+                <a:hlinkClick r:id="rId2"/>
+              </a:rPr>
+              <a:t>git</a:t>
+            </a:r>
+            <a:r>
+              <a:rPr lang="en-US" sz="1600" dirty="0" smtClean="0">
+                <a:hlinkClick r:id="rId2"/>
+              </a:rPr>
+              <a:t>-</a:t>
+            </a:r>
+            <a:r>
+              <a:rPr lang="en-US" sz="1600" dirty="0" err="1" smtClean="0">
+                <a:hlinkClick r:id="rId2"/>
+              </a:rPr>
+              <a:t>osx</a:t>
+            </a:r>
+            <a:r>
+              <a:rPr lang="en-US" sz="1600" dirty="0" smtClean="0">
+                <a:hlinkClick r:id="rId2"/>
+              </a:rPr>
+              <a:t>-installer</a:t>
+            </a:r>
+            <a:endParaRPr lang="en-US" sz="1600" dirty="0" smtClean="0"/>
+          </a:p>
+          <a:p>
+            <a:pPr lvl="1" indent="-342900"/>
+            <a:r>
+              <a:rPr lang="en-US" sz="1600" dirty="0"/>
+              <a:t>http://</a:t>
+            </a:r>
+            <a:r>
+              <a:rPr lang="en-US" sz="1600" dirty="0" err="1"/>
+              <a:t>mac.github.com</a:t>
+            </a:r>
+            <a:r>
+              <a:rPr lang="en-US" sz="1600" dirty="0" smtClean="0"/>
+              <a:t>/</a:t>
+            </a:r>
+            <a:endParaRPr lang="en-US" sz="1600" dirty="0"/>
           </a:p>
           <a:p>
             <a:pPr marL="400050" lvl="1" indent="0">
               <a:buNone/>
             </a:pPr>
             <a:r>
-              <a:rPr lang="en-US" sz="3200" smtClean="0">
+              <a:rPr lang="en-US" sz="2000" dirty="0" smtClean="0">
                 <a:latin typeface="+mj-lt"/>
               </a:rPr>
-              <a:t>MAC</a:t>
-            </a:r>
-            <a:r>
-              <a:rPr lang="en-US" sz="3200" smtClean="0"/>
+              <a:t>Windows</a:t>
+            </a:r>
+            <a:r>
+              <a:rPr lang="en-US" sz="1600" dirty="0" smtClean="0"/>
               <a:t>: </a:t>
             </a:r>
-            <a:r>
-              <a:rPr lang="en-US" sz="2400" smtClean="0">
-                <a:hlinkClick r:id="rId2"/>
-              </a:rPr>
-              <a:t>http://code.google.com/p/git-osx-installer</a:t>
-            </a:r>
-            <a:endParaRPr lang="en-US" sz="2400" smtClean="0"/>
+            <a:endParaRPr lang="en-US" sz="1600" dirty="0" smtClean="0"/>
+          </a:p>
+          <a:p>
+            <a:pPr lvl="1" indent="-342900"/>
+            <a:r>
+              <a:rPr lang="en-US" sz="1600" dirty="0" smtClean="0">
+                <a:hlinkClick r:id="rId3"/>
+              </a:rPr>
+              <a:t>http</a:t>
+            </a:r>
+            <a:r>
+              <a:rPr lang="en-US" sz="1600" dirty="0" smtClean="0">
+                <a:hlinkClick r:id="rId3"/>
+              </a:rPr>
+              <a:t>://</a:t>
+            </a:r>
+            <a:r>
+              <a:rPr lang="en-US" sz="1600" dirty="0" err="1" smtClean="0">
+                <a:hlinkClick r:id="rId3"/>
+              </a:rPr>
+              <a:t>code.google.com</a:t>
+            </a:r>
+            <a:r>
+              <a:rPr lang="en-US" sz="1600" dirty="0" smtClean="0">
+                <a:hlinkClick r:id="rId3"/>
+              </a:rPr>
+              <a:t>/p/</a:t>
+            </a:r>
+            <a:r>
+              <a:rPr lang="en-US" sz="1600" dirty="0" err="1" smtClean="0">
+                <a:hlinkClick r:id="rId3"/>
+              </a:rPr>
+              <a:t>msysgit</a:t>
+            </a:r>
+            <a:endParaRPr lang="en-US" sz="1600" dirty="0" smtClean="0"/>
+          </a:p>
+          <a:p>
+            <a:pPr lvl="1" indent="-342900"/>
+            <a:r>
+              <a:rPr lang="en-US" sz="1600" dirty="0" smtClean="0">
+                <a:hlinkClick r:id="rId4"/>
+              </a:rPr>
+              <a:t>http</a:t>
+            </a:r>
+            <a:r>
+              <a:rPr lang="en-US" sz="1600" dirty="0">
+                <a:hlinkClick r:id="rId4"/>
+              </a:rPr>
+              <a:t>://</a:t>
+            </a:r>
+            <a:r>
+              <a:rPr lang="en-US" sz="1600" dirty="0" err="1">
+                <a:hlinkClick r:id="rId4"/>
+              </a:rPr>
+              <a:t>windows.github.com</a:t>
+            </a:r>
+            <a:r>
+              <a:rPr lang="en-US" sz="1600" dirty="0" smtClean="0">
+                <a:hlinkClick r:id="rId4"/>
+              </a:rPr>
+              <a:t>/</a:t>
+            </a:r>
+            <a:r>
+              <a:rPr lang="en-US" sz="1600" dirty="0" smtClean="0"/>
+              <a:t> </a:t>
+            </a:r>
+            <a:r>
+              <a:rPr lang="en-US" sz="1600" smtClean="0"/>
+              <a:t>&lt;- highly recommended!</a:t>
+            </a:r>
+            <a:endParaRPr lang="en-US" sz="1600" dirty="0" smtClean="0"/>
           </a:p>
           <a:p>
             <a:pPr marL="400050" lvl="1" indent="0">
               <a:buNone/>
             </a:pPr>
-            <a:endParaRPr lang="en-US" sz="2400"/>
+            <a:r>
+              <a:rPr lang="en-US" sz="1600" dirty="0" smtClean="0">
+                <a:latin typeface="+mj-lt"/>
+              </a:rPr>
+              <a:t>Eclipse plugins:</a:t>
+            </a:r>
+          </a:p>
+          <a:p>
+            <a:pPr marL="685800" lvl="1"/>
+            <a:r>
+              <a:rPr lang="en-US" sz="1600" dirty="0">
+                <a:hlinkClick r:id="rId5"/>
+              </a:rPr>
+              <a:t>http://</a:t>
+            </a:r>
+            <a:r>
+              <a:rPr lang="en-US" sz="1600" dirty="0" err="1">
+                <a:hlinkClick r:id="rId5"/>
+              </a:rPr>
+              <a:t>eclipse.github.com</a:t>
+            </a:r>
+            <a:r>
+              <a:rPr lang="en-US" sz="1600" dirty="0" smtClean="0">
+                <a:hlinkClick r:id="rId5"/>
+              </a:rPr>
+              <a:t>/</a:t>
+            </a:r>
+            <a:endParaRPr lang="en-US" sz="1600" dirty="0" smtClean="0"/>
           </a:p>
           <a:p>
             <a:pPr marL="400050" lvl="1" indent="0">
               <a:buNone/>
             </a:pPr>
             <a:r>
-              <a:rPr lang="en-US" sz="3200" smtClean="0">
+              <a:rPr lang="en-US" sz="1600" dirty="0" smtClean="0">
                 <a:latin typeface="+mj-lt"/>
               </a:rPr>
-              <a:t>Windows</a:t>
-            </a:r>
-            <a:r>
-              <a:rPr lang="en-US" sz="2400" smtClean="0"/>
-              <a:t>: </a:t>
-            </a:r>
-            <a:r>
-              <a:rPr lang="en-US" sz="2400" smtClean="0">
-                <a:hlinkClick r:id="rId3"/>
-              </a:rPr>
-              <a:t>http://code.google.com/p/msysgit</a:t>
-            </a:r>
-            <a:endParaRPr lang="en-US" sz="2400" smtClean="0"/>
-          </a:p>
-          <a:p>
-            <a:pPr marL="400050" lvl="1" indent="0">
-              <a:buNone/>
-            </a:pPr>
-            <a:endParaRPr lang="en-US" sz="2400"/>
+              <a:t>Mobile:</a:t>
+            </a:r>
+          </a:p>
+          <a:p>
+            <a:pPr marL="685800" lvl="1"/>
+            <a:r>
+              <a:rPr lang="en-US" sz="1600" dirty="0"/>
+              <a:t>http://</a:t>
+            </a:r>
+            <a:r>
+              <a:rPr lang="en-US" sz="1600" dirty="0" err="1"/>
+              <a:t>mobile.github.com</a:t>
+            </a:r>
+            <a:r>
+              <a:rPr lang="en-US" sz="1600" dirty="0" smtClean="0"/>
+              <a:t>/</a:t>
+            </a:r>
+            <a:endParaRPr lang="en-US" sz="1600" dirty="0" smtClean="0"/>
           </a:p>
         </p:txBody>
       </p:sp>
@@ -18763,13 +18760,7 @@
               <a:rPr lang="en-US" sz="3200" smtClean="0">
                 <a:latin typeface="+mj-lt"/>
               </a:rPr>
-              <a:t>Well</a:t>
-            </a:r>
-            <a:r>
-              <a:rPr lang="en-US" sz="3200" smtClean="0">
-                <a:latin typeface="+mj-lt"/>
-              </a:rPr>
-              <a:t>, that’s it! </a:t>
+              <a:t>Well, that’s it! </a:t>
             </a:r>
           </a:p>
           <a:p>

--- a/git-beginner.pptx
+++ b/git-beginner.pptx
@@ -5818,7 +5818,7 @@
         </p:spPr>
         <p:txBody>
           <a:bodyPr>
-            <a:normAutofit fontScale="92500" lnSpcReduction="20000"/>
+            <a:normAutofit fontScale="92500" lnSpcReduction="10000"/>
           </a:bodyPr>
           <a:lstStyle/>
           <a:p>
@@ -11583,68 +11583,85 @@
           <a:lstStyle/>
           <a:p>
             <a:r>
-              <a:rPr lang="en-US" smtClean="0"/>
+              <a:rPr lang="en-US" dirty="0" smtClean="0"/>
               <a:t>Noticed that in your </a:t>
             </a:r>
             <a:r>
-              <a:rPr lang="en-US" smtClean="0">
+              <a:rPr lang="en-US" dirty="0" smtClean="0">
                 <a:latin typeface="+mj-lt"/>
               </a:rPr>
               <a:t>log</a:t>
             </a:r>
             <a:r>
-              <a:rPr lang="en-US" smtClean="0"/>
-              <a:t>, we have 2 commits up to now, represent by the first </a:t>
-            </a:r>
-            <a:r>
-              <a:rPr lang="en-US" smtClean="0">
+              <a:rPr lang="en-US" dirty="0" smtClean="0"/>
+              <a:t>, we have 2 commits up to now, </a:t>
+            </a:r>
+            <a:r>
+              <a:rPr lang="en-US" dirty="0" smtClean="0"/>
+              <a:t>represented </a:t>
+            </a:r>
+            <a:r>
+              <a:rPr lang="en-US" dirty="0" smtClean="0"/>
+              <a:t>by the first </a:t>
+            </a:r>
+            <a:r>
+              <a:rPr lang="en-US" dirty="0" smtClean="0">
                 <a:latin typeface="+mj-lt"/>
               </a:rPr>
               <a:t>7</a:t>
             </a:r>
             <a:r>
-              <a:rPr lang="en-US" smtClean="0"/>
+              <a:rPr lang="en-US" dirty="0" smtClean="0"/>
               <a:t> characters of </a:t>
             </a:r>
             <a:r>
-              <a:rPr lang="en-US" smtClean="0">
+              <a:rPr lang="en-US" dirty="0" err="1" smtClean="0">
                 <a:latin typeface="+mj-lt"/>
               </a:rPr>
               <a:t>SHA</a:t>
             </a:r>
             <a:r>
-              <a:rPr lang="en-US" smtClean="0"/>
+              <a:rPr lang="en-US" dirty="0" smtClean="0"/>
               <a:t> (</a:t>
             </a:r>
             <a:r>
-              <a:rPr lang="en-US"/>
+              <a:rPr lang="en-US" dirty="0"/>
               <a:t>Secure Hash </a:t>
             </a:r>
             <a:r>
-              <a:rPr lang="en-US" smtClean="0"/>
+              <a:rPr lang="en-US" dirty="0" smtClean="0"/>
               <a:t>Algorithm).</a:t>
             </a:r>
           </a:p>
           <a:p>
             <a:r>
-              <a:rPr lang="en-US" sz="1400" b="1" smtClean="0">
+              <a:rPr lang="en-US" sz="1400" b="1" dirty="0" err="1" smtClean="0">
                 <a:solidFill>
                   <a:srgbClr val="FFC000"/>
                 </a:solidFill>
                 <a:latin typeface="Source Code Pro" pitchFamily="49" charset="0"/>
               </a:rPr>
-              <a:t>56230b1 </a:t>
-            </a:r>
-            <a:r>
-              <a:rPr lang="en-US" sz="1400" b="1">
+              <a:t>56230b1</a:t>
+            </a:r>
+            <a:r>
+              <a:rPr lang="en-US" sz="1400" b="1" dirty="0" smtClean="0">
                 <a:solidFill>
                   <a:srgbClr val="FFC000"/>
                 </a:solidFill>
                 <a:latin typeface="Source Code Pro" pitchFamily="49" charset="0"/>
               </a:rPr>
+              <a:t> </a:t>
+            </a:r>
+            <a:r>
+              <a:rPr lang="en-US" sz="1400" b="1" dirty="0" err="1">
+                <a:solidFill>
+                  <a:srgbClr val="FFC000"/>
+                </a:solidFill>
+                <a:latin typeface="Source Code Pro" pitchFamily="49" charset="0"/>
+              </a:rPr>
               <a:t>8d018aa</a:t>
             </a:r>
-            <a:endParaRPr lang="en-US" sz="1400" b="1" smtClean="0">
+            <a:endParaRPr lang="en-US" sz="1400" b="1" dirty="0" smtClean="0">
               <a:solidFill>
                 <a:srgbClr val="FFC000"/>
               </a:solidFill>
@@ -11653,23 +11670,29 @@
           </a:p>
           <a:p>
             <a:r>
-              <a:rPr lang="en-US" smtClean="0"/>
+              <a:rPr lang="en-US" dirty="0" smtClean="0"/>
               <a:t>And surprisingly, but not quite, in your </a:t>
             </a:r>
             <a:r>
-              <a:rPr lang="en-US" smtClean="0">
+              <a:rPr lang="en-US" dirty="0" err="1" smtClean="0">
                 <a:latin typeface="+mj-lt"/>
               </a:rPr>
-              <a:t>git cat-file –p HEAD </a:t>
-            </a:r>
-            <a:r>
-              <a:rPr lang="en-US" smtClean="0"/>
+              <a:t>git</a:t>
+            </a:r>
+            <a:r>
+              <a:rPr lang="en-US" dirty="0" smtClean="0">
+                <a:latin typeface="+mj-lt"/>
+              </a:rPr>
+              <a:t> cat-file –p HEAD </a:t>
+            </a:r>
+            <a:r>
+              <a:rPr lang="en-US" dirty="0" smtClean="0"/>
               <a:t>command, we now see them again. What the fuzz?</a:t>
             </a:r>
           </a:p>
           <a:p>
             <a:r>
-              <a:rPr lang="en-US" sz="1100">
+              <a:rPr lang="en-US" sz="1100" dirty="0">
                 <a:solidFill>
                   <a:srgbClr val="53777A"/>
                 </a:solidFill>
@@ -11678,7 +11701,7 @@
               <a:t>tree </a:t>
             </a:r>
             <a:r>
-              <a:rPr lang="en-US" sz="1600" b="1" smtClean="0">
+              <a:rPr lang="en-US" sz="1600" b="1" dirty="0" err="1" smtClean="0">
                 <a:solidFill>
                   <a:srgbClr val="FFC000"/>
                 </a:solidFill>
@@ -11687,7 +11710,7 @@
               <a:t>56230b1</a:t>
             </a:r>
             <a:r>
-              <a:rPr lang="en-US" sz="1100">
+              <a:rPr lang="en-US" sz="1100" dirty="0" err="1">
                 <a:solidFill>
                   <a:srgbClr val="53777A"/>
                 </a:solidFill>
@@ -11695,60 +11718,7 @@
               </a:rPr>
               <a:t>6f2e04c1a385008f78ad761152fdf0480</a:t>
             </a:r>
-          </a:p>
-          <a:p>
-            <a:r>
-              <a:rPr lang="en-US" sz="1100">
-                <a:solidFill>
-                  <a:srgbClr val="53777A"/>
-                </a:solidFill>
-                <a:latin typeface="Source Code Pro" pitchFamily="49" charset="0"/>
-              </a:rPr>
-              <a:t>parent </a:t>
-            </a:r>
-            <a:r>
-              <a:rPr lang="en-US" sz="1600" b="1" smtClean="0">
-                <a:solidFill>
-                  <a:srgbClr val="FFC000"/>
-                </a:solidFill>
-                <a:latin typeface="Source Code Pro" pitchFamily="49" charset="0"/>
-              </a:rPr>
-              <a:t>8d018aa</a:t>
-            </a:r>
-            <a:r>
-              <a:rPr lang="en-US" sz="1100">
-                <a:solidFill>
-                  <a:srgbClr val="53777A"/>
-                </a:solidFill>
-                <a:latin typeface="Source Code Pro" pitchFamily="49" charset="0"/>
-              </a:rPr>
-              <a:t>81664cf7caad20a3ab7bcd6d03354a18b</a:t>
-            </a:r>
-          </a:p>
-          <a:p>
-            <a:r>
-              <a:rPr lang="en-US" sz="1100">
-                <a:solidFill>
-                  <a:srgbClr val="53777A"/>
-                </a:solidFill>
-                <a:latin typeface="Source Code Pro" pitchFamily="49" charset="0"/>
-              </a:rPr>
-              <a:t>author Vinh Nguyen &lt;name@mail.com&gt; 1349065326 +0100</a:t>
-            </a:r>
-          </a:p>
-          <a:p>
-            <a:r>
-              <a:rPr lang="en-US" sz="1100">
-                <a:solidFill>
-                  <a:srgbClr val="53777A"/>
-                </a:solidFill>
-                <a:latin typeface="Source Code Pro" pitchFamily="49" charset="0"/>
-              </a:rPr>
-              <a:t>committer Vinh Nguyen &lt;name@mail.com&gt; 1349065326 +0100</a:t>
-            </a:r>
-          </a:p>
-          <a:p>
-            <a:endParaRPr lang="en-US" sz="1100">
+            <a:endParaRPr lang="en-US" sz="1100" dirty="0">
               <a:solidFill>
                 <a:srgbClr val="53777A"/>
               </a:solidFill>
@@ -11757,43 +11727,251 @@
           </a:p>
           <a:p>
             <a:r>
-              <a:rPr lang="en-US" sz="1100">
+              <a:rPr lang="en-US" sz="1100" dirty="0">
                 <a:solidFill>
                   <a:srgbClr val="53777A"/>
                 </a:solidFill>
                 <a:latin typeface="Source Code Pro" pitchFamily="49" charset="0"/>
               </a:rPr>
-              <a:t>updated hai.txt</a:t>
-            </a:r>
-          </a:p>
-          <a:p>
-            <a:r>
-              <a:rPr lang="en-US" smtClean="0">
+              <a:t>parent </a:t>
+            </a:r>
+            <a:r>
+              <a:rPr lang="en-US" sz="1600" b="1" dirty="0" err="1" smtClean="0">
+                <a:solidFill>
+                  <a:srgbClr val="FFC000"/>
+                </a:solidFill>
+                <a:latin typeface="Source Code Pro" pitchFamily="49" charset="0"/>
+              </a:rPr>
+              <a:t>8d018aa</a:t>
+            </a:r>
+            <a:r>
+              <a:rPr lang="en-US" sz="1100" dirty="0" err="1">
+                <a:solidFill>
+                  <a:srgbClr val="53777A"/>
+                </a:solidFill>
+                <a:latin typeface="Source Code Pro" pitchFamily="49" charset="0"/>
+              </a:rPr>
+              <a:t>81664cf7caad20a3ab7bcd6d03354a18b</a:t>
+            </a:r>
+            <a:endParaRPr lang="en-US" sz="1100" dirty="0">
+              <a:solidFill>
+                <a:srgbClr val="53777A"/>
+              </a:solidFill>
+              <a:latin typeface="Source Code Pro" pitchFamily="49" charset="0"/>
+            </a:endParaRPr>
+          </a:p>
+          <a:p>
+            <a:r>
+              <a:rPr lang="en-US" sz="1100" dirty="0">
+                <a:solidFill>
+                  <a:srgbClr val="53777A"/>
+                </a:solidFill>
+                <a:latin typeface="Source Code Pro" pitchFamily="49" charset="0"/>
+              </a:rPr>
+              <a:t>author </a:t>
+            </a:r>
+            <a:r>
+              <a:rPr lang="en-US" sz="1100" dirty="0" err="1">
+                <a:solidFill>
+                  <a:srgbClr val="53777A"/>
+                </a:solidFill>
+                <a:latin typeface="Source Code Pro" pitchFamily="49" charset="0"/>
+              </a:rPr>
+              <a:t>Vinh</a:t>
+            </a:r>
+            <a:r>
+              <a:rPr lang="en-US" sz="1100" dirty="0">
+                <a:solidFill>
+                  <a:srgbClr val="53777A"/>
+                </a:solidFill>
+                <a:latin typeface="Source Code Pro" pitchFamily="49" charset="0"/>
+              </a:rPr>
+              <a:t> Nguyen &lt;</a:t>
+            </a:r>
+            <a:r>
+              <a:rPr lang="en-US" sz="1100" dirty="0" err="1">
+                <a:solidFill>
+                  <a:srgbClr val="53777A"/>
+                </a:solidFill>
+                <a:latin typeface="Source Code Pro" pitchFamily="49" charset="0"/>
+              </a:rPr>
+              <a:t>name@mail.com</a:t>
+            </a:r>
+            <a:r>
+              <a:rPr lang="en-US" sz="1100" dirty="0">
+                <a:solidFill>
+                  <a:srgbClr val="53777A"/>
+                </a:solidFill>
+                <a:latin typeface="Source Code Pro" pitchFamily="49" charset="0"/>
+              </a:rPr>
+              <a:t>&gt; 1349065326 +0100</a:t>
+            </a:r>
+          </a:p>
+          <a:p>
+            <a:r>
+              <a:rPr lang="en-US" sz="1100" dirty="0">
+                <a:solidFill>
+                  <a:srgbClr val="53777A"/>
+                </a:solidFill>
+                <a:latin typeface="Source Code Pro" pitchFamily="49" charset="0"/>
+              </a:rPr>
+              <a:t>committer </a:t>
+            </a:r>
+            <a:r>
+              <a:rPr lang="en-US" sz="1100" dirty="0" err="1">
+                <a:solidFill>
+                  <a:srgbClr val="53777A"/>
+                </a:solidFill>
+                <a:latin typeface="Source Code Pro" pitchFamily="49" charset="0"/>
+              </a:rPr>
+              <a:t>Vinh</a:t>
+            </a:r>
+            <a:r>
+              <a:rPr lang="en-US" sz="1100" dirty="0">
+                <a:solidFill>
+                  <a:srgbClr val="53777A"/>
+                </a:solidFill>
+                <a:latin typeface="Source Code Pro" pitchFamily="49" charset="0"/>
+              </a:rPr>
+              <a:t> Nguyen &lt;</a:t>
+            </a:r>
+            <a:r>
+              <a:rPr lang="en-US" sz="1100" dirty="0" err="1">
+                <a:solidFill>
+                  <a:srgbClr val="53777A"/>
+                </a:solidFill>
+                <a:latin typeface="Source Code Pro" pitchFamily="49" charset="0"/>
+              </a:rPr>
+              <a:t>name@mail.com</a:t>
+            </a:r>
+            <a:r>
+              <a:rPr lang="en-US" sz="1100" dirty="0">
+                <a:solidFill>
+                  <a:srgbClr val="53777A"/>
+                </a:solidFill>
+                <a:latin typeface="Source Code Pro" pitchFamily="49" charset="0"/>
+              </a:rPr>
+              <a:t>&gt; 1349065326 +0100</a:t>
+            </a:r>
+          </a:p>
+          <a:p>
+            <a:endParaRPr lang="en-US" sz="1100" dirty="0">
+              <a:solidFill>
+                <a:srgbClr val="53777A"/>
+              </a:solidFill>
+              <a:latin typeface="Source Code Pro" pitchFamily="49" charset="0"/>
+            </a:endParaRPr>
+          </a:p>
+          <a:p>
+            <a:r>
+              <a:rPr lang="en-US" sz="1100" dirty="0">
+                <a:solidFill>
+                  <a:srgbClr val="53777A"/>
+                </a:solidFill>
+                <a:latin typeface="Source Code Pro" pitchFamily="49" charset="0"/>
+              </a:rPr>
+              <a:t>updated </a:t>
+            </a:r>
+            <a:r>
+              <a:rPr lang="en-US" sz="1100" dirty="0" err="1">
+                <a:solidFill>
+                  <a:srgbClr val="53777A"/>
+                </a:solidFill>
+                <a:latin typeface="Source Code Pro" pitchFamily="49" charset="0"/>
+              </a:rPr>
+              <a:t>hai.txt</a:t>
+            </a:r>
+            <a:endParaRPr lang="en-US" sz="1100" dirty="0">
+              <a:solidFill>
+                <a:srgbClr val="53777A"/>
+              </a:solidFill>
+              <a:latin typeface="Source Code Pro" pitchFamily="49" charset="0"/>
+            </a:endParaRPr>
+          </a:p>
+          <a:p>
+            <a:r>
+              <a:rPr lang="en-US" dirty="0" err="1" smtClean="0">
                 <a:solidFill>
                   <a:srgbClr val="EFECAB"/>
                 </a:solidFill>
               </a:rPr>
-              <a:t>Git is just connection of dots. Think of it as a graphical base, a dot/node represent as a  branch in a tree, dot will be our working </a:t>
-            </a:r>
-            <a:r>
-              <a:rPr lang="en-US" smtClean="0">
+              <a:t>Git</a:t>
+            </a:r>
+            <a:r>
+              <a:rPr lang="en-US" dirty="0" smtClean="0">
                 <a:solidFill>
                   <a:srgbClr val="EFECAB"/>
                 </a:solidFill>
+              </a:rPr>
+              <a:t> is just connection of dots. Think of it as a graphical base, a dot/node </a:t>
+            </a:r>
+            <a:r>
+              <a:rPr lang="en-US" dirty="0" smtClean="0">
+                <a:solidFill>
+                  <a:srgbClr val="EFECAB"/>
+                </a:solidFill>
+              </a:rPr>
+              <a:t>represented by </a:t>
+            </a:r>
+            <a:r>
+              <a:rPr lang="en-US" dirty="0" smtClean="0">
+                <a:solidFill>
+                  <a:srgbClr val="EFECAB"/>
+                </a:solidFill>
+              </a:rPr>
+              <a:t>a  branch in a tree, </a:t>
+            </a:r>
+            <a:r>
+              <a:rPr lang="en-US" dirty="0" smtClean="0">
+                <a:solidFill>
+                  <a:srgbClr val="EFECAB"/>
+                </a:solidFill>
+              </a:rPr>
+              <a:t>dot </a:t>
+            </a:r>
+            <a:r>
+              <a:rPr lang="en-US" dirty="0" smtClean="0">
+                <a:solidFill>
+                  <a:srgbClr val="EFECAB"/>
+                </a:solidFill>
+              </a:rPr>
+              <a:t>will be our working </a:t>
+            </a:r>
+            <a:r>
+              <a:rPr lang="en-US" dirty="0" smtClean="0">
+                <a:solidFill>
+                  <a:srgbClr val="EFECAB"/>
+                </a:solidFill>
                 <a:latin typeface="+mj-lt"/>
               </a:rPr>
               <a:t>HEAD</a:t>
             </a:r>
             <a:r>
-              <a:rPr lang="en-US" smtClean="0">
+              <a:rPr lang="en-US" dirty="0" smtClean="0">
                 <a:solidFill>
                   <a:srgbClr val="EFECAB"/>
                 </a:solidFill>
               </a:rPr>
-              <a:t>. Tree with SHA </a:t>
-            </a:r>
-            <a:r>
-              <a:rPr lang="en-US" b="1" smtClean="0">
+              <a:t>. Tree with </a:t>
+            </a:r>
+            <a:r>
+              <a:rPr lang="en-US" dirty="0" err="1" smtClean="0">
+                <a:solidFill>
+                  <a:srgbClr val="EFECAB"/>
+                </a:solidFill>
+              </a:rPr>
+              <a:t>SHA</a:t>
+            </a:r>
+            <a:r>
+              <a:rPr lang="en-US" dirty="0" smtClean="0">
+                <a:solidFill>
+                  <a:srgbClr val="EFECAB"/>
+                </a:solidFill>
+              </a:rPr>
+              <a:t> </a:t>
+            </a:r>
+            <a:r>
+              <a:rPr lang="en-US" b="1" dirty="0" err="1" smtClean="0">
                 <a:solidFill>
                   <a:srgbClr val="FFC000"/>
                 </a:solidFill>
@@ -11802,7 +11980,7 @@
               <a:t>56230b1</a:t>
             </a:r>
             <a:r>
-              <a:rPr lang="en-US" b="1" smtClean="0">
+              <a:rPr lang="en-US" b="1" dirty="0" smtClean="0">
                 <a:solidFill>
                   <a:srgbClr val="EFECAB"/>
                 </a:solidFill>
@@ -11810,15 +11988,31 @@
               <a:t> </a:t>
             </a:r>
             <a:r>
-              <a:rPr lang="en-US" smtClean="0">
+              <a:rPr lang="en-US" dirty="0" smtClean="0">
                 <a:solidFill>
                   <a:srgbClr val="EFECAB"/>
                 </a:solidFill>
               </a:rPr>
-              <a:t>is a child of its parent as SHA </a:t>
-            </a:r>
-            <a:r>
-              <a:rPr lang="en-US" b="1" smtClean="0">
+              <a:t>is a child of its parent as </a:t>
+            </a:r>
+            <a:r>
+              <a:rPr lang="en-US" dirty="0" err="1" smtClean="0">
+                <a:solidFill>
+                  <a:srgbClr val="EFECAB"/>
+                </a:solidFill>
+              </a:rPr>
+              <a:t>SHA</a:t>
+            </a:r>
+            <a:r>
+              <a:rPr lang="en-US" dirty="0" smtClean="0">
+                <a:solidFill>
+                  <a:srgbClr val="EFECAB"/>
+                </a:solidFill>
+              </a:rPr>
+              <a:t> </a:t>
+            </a:r>
+            <a:r>
+              <a:rPr lang="en-US" b="1" dirty="0" err="1" smtClean="0">
                 <a:solidFill>
                   <a:srgbClr val="FFC000"/>
                 </a:solidFill>
@@ -11827,7 +12021,7 @@
               <a:t>8d018aa</a:t>
             </a:r>
             <a:r>
-              <a:rPr lang="en-US" smtClean="0">
+              <a:rPr lang="en-US" dirty="0" smtClean="0">
                 <a:solidFill>
                   <a:srgbClr val="EFECAB"/>
                 </a:solidFill>
@@ -11836,7 +12030,7 @@
             </a:r>
           </a:p>
           <a:p>
-            <a:endParaRPr lang="en-US" smtClean="0">
+            <a:endParaRPr lang="en-US" dirty="0" smtClean="0">
               <a:solidFill>
                 <a:srgbClr val="EFECAB"/>
               </a:solidFill>
@@ -11844,7 +12038,7 @@
           </a:p>
           <a:p>
             <a:r>
-              <a:rPr lang="en-US" smtClean="0">
+              <a:rPr lang="en-US" dirty="0" smtClean="0">
                 <a:solidFill>
                   <a:srgbClr val="EFECAB"/>
                 </a:solidFill>
@@ -11852,22 +12046,36 @@
               <a:t>Read again, we may notice </a:t>
             </a:r>
             <a:r>
-              <a:rPr lang="en-US">
+              <a:rPr lang="en-US" dirty="0" err="1">
                 <a:latin typeface="+mj-lt"/>
               </a:rPr>
-              <a:t>git cat-file –p </a:t>
-            </a:r>
-            <a:r>
-              <a:rPr lang="en-US" smtClean="0">
+              <a:t>git</a:t>
+            </a:r>
+            <a:r>
+              <a:rPr lang="en-US" dirty="0">
                 <a:latin typeface="+mj-lt"/>
               </a:rPr>
+              <a:t> cat-file –p </a:t>
+            </a:r>
+            <a:r>
+              <a:rPr lang="en-US" dirty="0" smtClean="0">
+                <a:latin typeface="+mj-lt"/>
+              </a:rPr>
               <a:t>HEAD, </a:t>
             </a:r>
             <a:r>
-              <a:rPr lang="en-US" smtClean="0"/>
-              <a:t>we now have more information like: author of last commit, name of commiter, time when commit occurred, and the message of last commit…</a:t>
-            </a:r>
-            <a:endParaRPr lang="en-US" smtClean="0">
+              <a:rPr lang="en-US" dirty="0" smtClean="0"/>
+              <a:t>we now have more information like: author of last commit, name of </a:t>
+            </a:r>
+            <a:r>
+              <a:rPr lang="en-US" dirty="0" smtClean="0"/>
+              <a:t>committer</a:t>
+            </a:r>
+            <a:r>
+              <a:rPr lang="en-US" dirty="0" smtClean="0"/>
+              <a:t>, time when commit occurred, and the message of last commit…</a:t>
+            </a:r>
+            <a:endParaRPr lang="en-US" dirty="0" smtClean="0">
               <a:solidFill>
                 <a:srgbClr val="EFECAB"/>
               </a:solidFill>
@@ -14871,35 +15079,44 @@
             <a:r>
               <a:rPr lang="en-US" sz="1600" b="1" dirty="0" smtClean="0">
                 <a:solidFill>
+                  <a:srgbClr val="53777A"/>
+                </a:solidFill>
+                <a:latin typeface="Source Code Pro" pitchFamily="49" charset="0"/>
+              </a:rPr>
+              <a:t># remove specified file from next commit</a:t>
+            </a:r>
+          </a:p>
+          <a:p>
+            <a:pPr marL="0" indent="0">
+              <a:buNone/>
+            </a:pPr>
+            <a:r>
+              <a:rPr lang="en-US" sz="1600" b="1" dirty="0" smtClean="0">
+                <a:solidFill>
+                  <a:srgbClr val="53777A"/>
+                </a:solidFill>
+                <a:latin typeface="Source Code Pro" pitchFamily="49" charset="0"/>
+              </a:rPr>
+              <a:t>### branching</a:t>
+            </a:r>
+          </a:p>
+          <a:p>
+            <a:pPr marL="0" indent="0">
+              <a:buNone/>
+            </a:pPr>
+            <a:r>
+              <a:rPr lang="en-US" sz="1600" b="1" dirty="0">
+                <a:solidFill>
                   <a:schemeClr val="bg2">
                     <a:lumMod val="90000"/>
                   </a:schemeClr>
                 </a:solidFill>
                 <a:latin typeface="Source Code Pro" pitchFamily="49" charset="0"/>
               </a:rPr>
-              <a:t># remove specified file from next commit</a:t>
-            </a:r>
-          </a:p>
-          <a:p>
-            <a:pPr marL="0" indent="0">
-              <a:buNone/>
-            </a:pPr>
-            <a:r>
-              <a:rPr lang="en-US" sz="1600" b="1" dirty="0" smtClean="0">
-                <a:solidFill>
-                  <a:srgbClr val="53777A"/>
-                </a:solidFill>
-                <a:latin typeface="Source Code Pro" pitchFamily="49" charset="0"/>
-              </a:rPr>
-              <a:t>### branching</a:t>
-            </a:r>
-          </a:p>
-          <a:p>
-            <a:pPr marL="0" indent="0">
-              <a:buNone/>
-            </a:pPr>
-            <a:r>
-              <a:rPr lang="en-US" sz="1600" b="1" dirty="0">
+              <a:t>→ </a:t>
+            </a:r>
+            <a:r>
+              <a:rPr lang="en-US" sz="1600" b="1" dirty="0" err="1">
                 <a:solidFill>
                   <a:schemeClr val="bg2">
                     <a:lumMod val="90000"/>
@@ -14907,10 +15124,10 @@
                 </a:solidFill>
                 <a:latin typeface="Source Code Pro" pitchFamily="49" charset="0"/>
               </a:rPr>
-              <a:t>→ </a:t>
-            </a:r>
-            <a:r>
-              <a:rPr lang="en-US" sz="1600" b="1" dirty="0" err="1">
+              <a:t>git</a:t>
+            </a:r>
+            <a:r>
+              <a:rPr lang="en-US" sz="1600" b="1" dirty="0">
                 <a:solidFill>
                   <a:schemeClr val="bg2">
                     <a:lumMod val="90000"/>
@@ -14918,10 +15135,10 @@
                 </a:solidFill>
                 <a:latin typeface="Source Code Pro" pitchFamily="49" charset="0"/>
               </a:rPr>
-              <a:t>git</a:t>
-            </a:r>
-            <a:r>
-              <a:rPr lang="en-US" sz="1600" b="1" dirty="0">
+              <a:t> </a:t>
+            </a:r>
+            <a:r>
+              <a:rPr lang="en-US" sz="1600" b="1" dirty="0" smtClean="0">
                 <a:solidFill>
                   <a:schemeClr val="bg2">
                     <a:lumMod val="90000"/>
@@ -14929,10 +15146,10 @@
                 </a:solidFill>
                 <a:latin typeface="Source Code Pro" pitchFamily="49" charset="0"/>
               </a:rPr>
-              <a:t> </a:t>
-            </a:r>
-            <a:r>
-              <a:rPr lang="en-US" sz="1600" b="1" dirty="0" smtClean="0">
+              <a:t>checkout –b </a:t>
+            </a:r>
+            <a:r>
+              <a:rPr lang="en-US" sz="1600" b="1" i="1" dirty="0" smtClean="0">
                 <a:solidFill>
                   <a:schemeClr val="bg2">
                     <a:lumMod val="90000"/>
@@ -14940,10 +15157,10 @@
                 </a:solidFill>
                 <a:latin typeface="Source Code Pro" pitchFamily="49" charset="0"/>
               </a:rPr>
-              <a:t>checkout –b </a:t>
-            </a:r>
-            <a:r>
-              <a:rPr lang="en-US" sz="1600" b="1" i="1" dirty="0" smtClean="0">
+              <a:t>[</a:t>
+            </a:r>
+            <a:r>
+              <a:rPr lang="en-US" sz="1600" b="1" i="1" dirty="0" err="1" smtClean="0">
                 <a:solidFill>
                   <a:schemeClr val="bg2">
                     <a:lumMod val="90000"/>
@@ -14951,10 +15168,10 @@
                 </a:solidFill>
                 <a:latin typeface="Source Code Pro" pitchFamily="49" charset="0"/>
               </a:rPr>
-              <a:t>[</a:t>
-            </a:r>
-            <a:r>
-              <a:rPr lang="en-US" sz="1600" b="1" i="1" dirty="0" err="1" smtClean="0">
+              <a:t>branch.name</a:t>
+            </a:r>
+            <a:r>
+              <a:rPr lang="en-US" sz="1600" b="1" i="1" dirty="0" smtClean="0">
                 <a:solidFill>
                   <a:schemeClr val="bg2">
                     <a:lumMod val="90000"/>
@@ -14962,10 +15179,24 @@
                 </a:solidFill>
                 <a:latin typeface="Source Code Pro" pitchFamily="49" charset="0"/>
               </a:rPr>
-              <a:t>branch.name</a:t>
-            </a:r>
-            <a:r>
-              <a:rPr lang="en-US" sz="1600" b="1" i="1" dirty="0" smtClean="0">
+              <a:t>] </a:t>
+            </a:r>
+            <a:r>
+              <a:rPr lang="en-US" sz="1600" b="1" dirty="0" smtClean="0">
+                <a:solidFill>
+                  <a:srgbClr val="53777A"/>
+                </a:solidFill>
+                <a:latin typeface="Source Code Pro" pitchFamily="49" charset="0"/>
+              </a:rPr>
+              <a:t># create a new branch and switch to it</a:t>
+            </a:r>
+          </a:p>
+          <a:p>
+            <a:pPr marL="0" indent="0">
+              <a:buNone/>
+            </a:pPr>
+            <a:r>
+              <a:rPr lang="en-US" sz="1600" b="1" dirty="0">
                 <a:solidFill>
                   <a:schemeClr val="bg2">
                     <a:lumMod val="90000"/>
@@ -14973,24 +15204,10 @@
                 </a:solidFill>
                 <a:latin typeface="Source Code Pro" pitchFamily="49" charset="0"/>
               </a:rPr>
-              <a:t>] </a:t>
-            </a:r>
-            <a:r>
-              <a:rPr lang="en-US" sz="1600" b="1" dirty="0" smtClean="0">
-                <a:solidFill>
-                  <a:srgbClr val="53777A"/>
-                </a:solidFill>
-                <a:latin typeface="Source Code Pro" pitchFamily="49" charset="0"/>
-              </a:rPr>
-              <a:t># create a new branch and switch to it</a:t>
-            </a:r>
-          </a:p>
-          <a:p>
-            <a:pPr marL="0" indent="0">
-              <a:buNone/>
-            </a:pPr>
-            <a:r>
-              <a:rPr lang="en-US" sz="1600" b="1" dirty="0">
+              <a:t>→ </a:t>
+            </a:r>
+            <a:r>
+              <a:rPr lang="en-US" sz="1600" b="1" dirty="0" err="1">
                 <a:solidFill>
                   <a:schemeClr val="bg2">
                     <a:lumMod val="90000"/>
@@ -14998,10 +15215,10 @@
                 </a:solidFill>
                 <a:latin typeface="Source Code Pro" pitchFamily="49" charset="0"/>
               </a:rPr>
-              <a:t>→ </a:t>
-            </a:r>
-            <a:r>
-              <a:rPr lang="en-US" sz="1600" b="1" dirty="0" err="1">
+              <a:t>git</a:t>
+            </a:r>
+            <a:r>
+              <a:rPr lang="en-US" sz="1600" b="1" dirty="0">
                 <a:solidFill>
                   <a:schemeClr val="bg2">
                     <a:lumMod val="90000"/>
@@ -15009,10 +15226,10 @@
                 </a:solidFill>
                 <a:latin typeface="Source Code Pro" pitchFamily="49" charset="0"/>
               </a:rPr>
-              <a:t>git</a:t>
-            </a:r>
-            <a:r>
-              <a:rPr lang="en-US" sz="1600" b="1" dirty="0">
+              <a:t> </a:t>
+            </a:r>
+            <a:r>
+              <a:rPr lang="en-US" sz="1600" b="1" dirty="0" smtClean="0">
                 <a:solidFill>
                   <a:schemeClr val="bg2">
                     <a:lumMod val="90000"/>
@@ -15020,10 +15237,10 @@
                 </a:solidFill>
                 <a:latin typeface="Source Code Pro" pitchFamily="49" charset="0"/>
               </a:rPr>
-              <a:t> </a:t>
-            </a:r>
-            <a:r>
-              <a:rPr lang="en-US" sz="1600" b="1" dirty="0" smtClean="0">
+              <a:t>branch –d </a:t>
+            </a:r>
+            <a:r>
+              <a:rPr lang="en-US" sz="1600" b="1" i="1" dirty="0" smtClean="0">
                 <a:solidFill>
                   <a:schemeClr val="bg2">
                     <a:lumMod val="90000"/>
@@ -15031,10 +15248,10 @@
                 </a:solidFill>
                 <a:latin typeface="Source Code Pro" pitchFamily="49" charset="0"/>
               </a:rPr>
-              <a:t>branch –d </a:t>
-            </a:r>
-            <a:r>
-              <a:rPr lang="en-US" sz="1600" b="1" i="1" dirty="0" smtClean="0">
+              <a:t>[</a:t>
+            </a:r>
+            <a:r>
+              <a:rPr lang="en-US" sz="1600" b="1" i="1" dirty="0" err="1" smtClean="0">
                 <a:solidFill>
                   <a:schemeClr val="bg2">
                     <a:lumMod val="90000"/>
@@ -15042,10 +15259,10 @@
                 </a:solidFill>
                 <a:latin typeface="Source Code Pro" pitchFamily="49" charset="0"/>
               </a:rPr>
-              <a:t>[</a:t>
-            </a:r>
-            <a:r>
-              <a:rPr lang="en-US" sz="1600" b="1" i="1" dirty="0" err="1" smtClean="0">
+              <a:t>branch.name</a:t>
+            </a:r>
+            <a:r>
+              <a:rPr lang="en-US" sz="1600" b="1" i="1" dirty="0" smtClean="0">
                 <a:solidFill>
                   <a:schemeClr val="bg2">
                     <a:lumMod val="90000"/>
@@ -15053,17 +15270,6 @@
                 </a:solidFill>
                 <a:latin typeface="Source Code Pro" pitchFamily="49" charset="0"/>
               </a:rPr>
-              <a:t>branch.name</a:t>
-            </a:r>
-            <a:r>
-              <a:rPr lang="en-US" sz="1600" b="1" i="1" dirty="0" smtClean="0">
-                <a:solidFill>
-                  <a:schemeClr val="bg2">
-                    <a:lumMod val="90000"/>
-                  </a:schemeClr>
-                </a:solidFill>
-                <a:latin typeface="Source Code Pro" pitchFamily="49" charset="0"/>
-              </a:rPr>
               <a:t>] </a:t>
             </a:r>
             <a:r>
@@ -15073,10 +15279,33 @@
                 </a:solidFill>
                 <a:latin typeface="Source Code Pro" pitchFamily="49" charset="0"/>
               </a:rPr>
-              <a:t># delete a branch</a:t>
-            </a:r>
-            <a:r>
-              <a:rPr lang="en-US" sz="1600" b="1" dirty="0" smtClean="0">
+              <a:t># delete </a:t>
+            </a:r>
+            <a:r>
+              <a:rPr lang="en-US" sz="1600" b="1" smtClean="0">
+                <a:solidFill>
+                  <a:srgbClr val="53777A"/>
+                </a:solidFill>
+                <a:latin typeface="Source Code Pro" pitchFamily="49" charset="0"/>
+              </a:rPr>
+              <a:t>a </a:t>
+            </a:r>
+            <a:r>
+              <a:rPr lang="en-US" sz="1600" b="1" smtClean="0">
+                <a:solidFill>
+                  <a:srgbClr val="53777A"/>
+                </a:solidFill>
+                <a:latin typeface="Source Code Pro" pitchFamily="49" charset="0"/>
+              </a:rPr>
+              <a:t>branch</a:t>
+            </a:r>
+          </a:p>
+          <a:p>
+            <a:pPr marL="0" indent="0">
+              <a:buNone/>
+            </a:pPr>
+            <a:r>
+              <a:rPr lang="en-US" sz="1600" b="1" smtClean="0">
                 <a:solidFill>
                   <a:schemeClr val="bg2">
                     <a:lumMod val="90000"/>
@@ -18235,15 +18464,7 @@
             </a:r>
             <a:r>
               <a:rPr lang="en-US" sz="1800" dirty="0" smtClean="0"/>
-              <a:t> in your </a:t>
-            </a:r>
-            <a:r>
-              <a:rPr lang="en-US" sz="1800" dirty="0" smtClean="0"/>
-              <a:t>development </a:t>
-            </a:r>
-            <a:r>
-              <a:rPr lang="en-US" sz="1800" dirty="0" smtClean="0"/>
-              <a:t>machine</a:t>
+              <a:t> in your development machine</a:t>
             </a:r>
           </a:p>
           <a:p>
@@ -18260,7 +18481,6 @@
               <a:rPr lang="en-US" sz="2000" dirty="0" smtClean="0"/>
               <a:t>: </a:t>
             </a:r>
-            <a:endParaRPr lang="en-US" sz="2000" dirty="0" smtClean="0"/>
           </a:p>
           <a:p>
             <a:pPr lvl="1" indent="-342900"/>
@@ -18338,7 +18558,6 @@
               <a:rPr lang="en-US" sz="1600" dirty="0" smtClean="0"/>
               <a:t>: </a:t>
             </a:r>
-            <a:endParaRPr lang="en-US" sz="1600" dirty="0" smtClean="0"/>
           </a:p>
           <a:p>
             <a:pPr lvl="1" indent="-342900"/>
@@ -18346,30 +18565,24 @@
               <a:rPr lang="en-US" sz="1600" dirty="0" smtClean="0">
                 <a:hlinkClick r:id="rId3"/>
               </a:rPr>
-              <a:t>http</a:t>
+              <a:t>http://</a:t>
+            </a:r>
+            <a:r>
+              <a:rPr lang="en-US" sz="1600" dirty="0" err="1" smtClean="0">
+                <a:hlinkClick r:id="rId3"/>
+              </a:rPr>
+              <a:t>code.google.com</a:t>
             </a:r>
             <a:r>
               <a:rPr lang="en-US" sz="1600" dirty="0" smtClean="0">
                 <a:hlinkClick r:id="rId3"/>
               </a:rPr>
-              <a:t>://</a:t>
+              <a:t>/p/</a:t>
             </a:r>
             <a:r>
               <a:rPr lang="en-US" sz="1600" dirty="0" err="1" smtClean="0">
                 <a:hlinkClick r:id="rId3"/>
               </a:rPr>
-              <a:t>code.google.com</a:t>
-            </a:r>
-            <a:r>
-              <a:rPr lang="en-US" sz="1600" dirty="0" smtClean="0">
-                <a:hlinkClick r:id="rId3"/>
-              </a:rPr>
-              <a:t>/p/</a:t>
-            </a:r>
-            <a:r>
-              <a:rPr lang="en-US" sz="1600" dirty="0" err="1" smtClean="0">
-                <a:hlinkClick r:id="rId3"/>
-              </a:rPr>
               <a:t>msysgit</a:t>
             </a:r>
             <a:endParaRPr lang="en-US" sz="1600" dirty="0" smtClean="0"/>
@@ -18468,7 +18681,6 @@
               <a:rPr lang="en-US" sz="1600" dirty="0" smtClean="0"/>
               <a:t>/</a:t>
             </a:r>
-            <a:endParaRPr lang="en-US" sz="1600" dirty="0" smtClean="0"/>
           </a:p>
         </p:txBody>
       </p:sp>

--- a/git-beginner.pptx
+++ b/git-beginner.pptx
@@ -5,7 +5,7 @@
     <p:sldMasterId id="2147483648" r:id="rId1"/>
   </p:sldMasterIdLst>
   <p:notesMasterIdLst>
-    <p:notesMasterId r:id="rId44"/>
+    <p:notesMasterId r:id="rId45"/>
   </p:notesMasterIdLst>
   <p:sldIdLst>
     <p:sldId id="256" r:id="rId2"/>
@@ -32,24 +32,25 @@
     <p:sldId id="272" r:id="rId23"/>
     <p:sldId id="286" r:id="rId24"/>
     <p:sldId id="274" r:id="rId25"/>
-    <p:sldId id="287" r:id="rId26"/>
-    <p:sldId id="276" r:id="rId27"/>
-    <p:sldId id="277" r:id="rId28"/>
-    <p:sldId id="288" r:id="rId29"/>
-    <p:sldId id="275" r:id="rId30"/>
-    <p:sldId id="278" r:id="rId31"/>
-    <p:sldId id="289" r:id="rId32"/>
-    <p:sldId id="290" r:id="rId33"/>
-    <p:sldId id="293" r:id="rId34"/>
-    <p:sldId id="295" r:id="rId35"/>
-    <p:sldId id="296" r:id="rId36"/>
-    <p:sldId id="279" r:id="rId37"/>
-    <p:sldId id="291" r:id="rId38"/>
-    <p:sldId id="297" r:id="rId39"/>
-    <p:sldId id="292" r:id="rId40"/>
-    <p:sldId id="299" r:id="rId41"/>
-    <p:sldId id="298" r:id="rId42"/>
-    <p:sldId id="280" r:id="rId43"/>
+    <p:sldId id="300" r:id="rId26"/>
+    <p:sldId id="287" r:id="rId27"/>
+    <p:sldId id="276" r:id="rId28"/>
+    <p:sldId id="277" r:id="rId29"/>
+    <p:sldId id="288" r:id="rId30"/>
+    <p:sldId id="275" r:id="rId31"/>
+    <p:sldId id="278" r:id="rId32"/>
+    <p:sldId id="289" r:id="rId33"/>
+    <p:sldId id="290" r:id="rId34"/>
+    <p:sldId id="293" r:id="rId35"/>
+    <p:sldId id="295" r:id="rId36"/>
+    <p:sldId id="296" r:id="rId37"/>
+    <p:sldId id="279" r:id="rId38"/>
+    <p:sldId id="291" r:id="rId39"/>
+    <p:sldId id="297" r:id="rId40"/>
+    <p:sldId id="292" r:id="rId41"/>
+    <p:sldId id="299" r:id="rId42"/>
+    <p:sldId id="298" r:id="rId43"/>
+    <p:sldId id="280" r:id="rId44"/>
   </p:sldIdLst>
   <p:sldSz cx="9144000" cy="5143500" type="screen16x9"/>
   <p:notesSz cx="6858000" cy="9144000"/>
@@ -233,7 +234,7 @@
           <a:p>
             <a:fld id="{5F24E84A-02C5-45A6-8C43-1C1C9F930287}" type="datetimeFigureOut">
               <a:rPr lang="en-US" smtClean="0"/>
-              <a:t>04/10/12</a:t>
+              <a:t>06/10/12</a:t>
             </a:fld>
             <a:endParaRPr lang="en-US"/>
           </a:p>
@@ -566,7 +567,7 @@
           <a:p>
             <a:fld id="{8F3469F1-AABC-468E-8598-451DCFFD4F93}" type="slidenum">
               <a:rPr lang="en-US" smtClean="0"/>
-              <a:t>26</a:t>
+              <a:t>27</a:t>
             </a:fld>
             <a:endParaRPr lang="en-US"/>
           </a:p>
@@ -766,7 +767,7 @@
           <a:p>
             <a:fld id="{05E59C73-1A45-482C-83A3-0D30780A159E}" type="datetimeFigureOut">
               <a:rPr lang="en-US" smtClean="0"/>
-              <a:t>04/10/12</a:t>
+              <a:t>06/10/12</a:t>
             </a:fld>
             <a:endParaRPr lang="en-US"/>
           </a:p>
@@ -948,7 +949,7 @@
           <a:p>
             <a:fld id="{05E59C73-1A45-482C-83A3-0D30780A159E}" type="datetimeFigureOut">
               <a:rPr lang="en-US" smtClean="0"/>
-              <a:t>04/10/12</a:t>
+              <a:t>06/10/12</a:t>
             </a:fld>
             <a:endParaRPr lang="en-US"/>
           </a:p>
@@ -1140,7 +1141,7 @@
           <a:p>
             <a:fld id="{05E59C73-1A45-482C-83A3-0D30780A159E}" type="datetimeFigureOut">
               <a:rPr lang="en-US" smtClean="0"/>
-              <a:t>04/10/12</a:t>
+              <a:t>06/10/12</a:t>
             </a:fld>
             <a:endParaRPr lang="en-US"/>
           </a:p>
@@ -1322,7 +1323,7 @@
           <a:p>
             <a:fld id="{05E59C73-1A45-482C-83A3-0D30780A159E}" type="datetimeFigureOut">
               <a:rPr lang="en-US" smtClean="0"/>
-              <a:t>04/10/12</a:t>
+              <a:t>06/10/12</a:t>
             </a:fld>
             <a:endParaRPr lang="en-US"/>
           </a:p>
@@ -1580,7 +1581,7 @@
           <a:p>
             <a:fld id="{05E59C73-1A45-482C-83A3-0D30780A159E}" type="datetimeFigureOut">
               <a:rPr lang="en-US" smtClean="0"/>
-              <a:t>04/10/12</a:t>
+              <a:t>06/10/12</a:t>
             </a:fld>
             <a:endParaRPr lang="en-US"/>
           </a:p>
@@ -1880,7 +1881,7 @@
           <a:p>
             <a:fld id="{05E59C73-1A45-482C-83A3-0D30780A159E}" type="datetimeFigureOut">
               <a:rPr lang="en-US" smtClean="0"/>
-              <a:t>04/10/12</a:t>
+              <a:t>06/10/12</a:t>
             </a:fld>
             <a:endParaRPr lang="en-US"/>
           </a:p>
@@ -2314,7 +2315,7 @@
           <a:p>
             <a:fld id="{05E59C73-1A45-482C-83A3-0D30780A159E}" type="datetimeFigureOut">
               <a:rPr lang="en-US" smtClean="0"/>
-              <a:t>04/10/12</a:t>
+              <a:t>06/10/12</a:t>
             </a:fld>
             <a:endParaRPr lang="en-US"/>
           </a:p>
@@ -2444,7 +2445,7 @@
           <a:p>
             <a:fld id="{05E59C73-1A45-482C-83A3-0D30780A159E}" type="datetimeFigureOut">
               <a:rPr lang="en-US" smtClean="0"/>
-              <a:t>04/10/12</a:t>
+              <a:t>06/10/12</a:t>
             </a:fld>
             <a:endParaRPr lang="en-US"/>
           </a:p>
@@ -2551,7 +2552,7 @@
           <a:p>
             <a:fld id="{05E59C73-1A45-482C-83A3-0D30780A159E}" type="datetimeFigureOut">
               <a:rPr lang="en-US" smtClean="0"/>
-              <a:t>04/10/12</a:t>
+              <a:t>06/10/12</a:t>
             </a:fld>
             <a:endParaRPr lang="en-US"/>
           </a:p>
@@ -2840,7 +2841,7 @@
           <a:p>
             <a:fld id="{05E59C73-1A45-482C-83A3-0D30780A159E}" type="datetimeFigureOut">
               <a:rPr lang="en-US" smtClean="0"/>
-              <a:t>04/10/12</a:t>
+              <a:t>06/10/12</a:t>
             </a:fld>
             <a:endParaRPr lang="en-US"/>
           </a:p>
@@ -3105,7 +3106,7 @@
           <a:p>
             <a:fld id="{05E59C73-1A45-482C-83A3-0D30780A159E}" type="datetimeFigureOut">
               <a:rPr lang="en-US" smtClean="0"/>
-              <a:t>04/10/12</a:t>
+              <a:t>06/10/12</a:t>
             </a:fld>
             <a:endParaRPr lang="en-US"/>
           </a:p>
@@ -3330,7 +3331,7 @@
           <a:p>
             <a:fld id="{05E59C73-1A45-482C-83A3-0D30780A159E}" type="datetimeFigureOut">
               <a:rPr lang="en-US" smtClean="0"/>
-              <a:t>04/10/12</a:t>
+              <a:t>06/10/12</a:t>
             </a:fld>
             <a:endParaRPr lang="en-US"/>
           </a:p>
@@ -3911,7 +3912,15 @@
             </a:pPr>
             <a:r>
               <a:rPr lang="en-US" sz="1600" dirty="0" smtClean="0"/>
-              <a:t>Say, you already hard another file in your repository, named, </a:t>
+              <a:t>Say, you already </a:t>
+            </a:r>
+            <a:r>
+              <a:rPr lang="en-US" sz="1600" dirty="0" smtClean="0"/>
+              <a:t>had </a:t>
+            </a:r>
+            <a:r>
+              <a:rPr lang="en-US" sz="1600" dirty="0" smtClean="0"/>
+              <a:t>another file in your repository, named, </a:t>
             </a:r>
             <a:r>
               <a:rPr lang="en-US" sz="1600" dirty="0" err="1" smtClean="0">
@@ -4592,7 +4601,7 @@
         <p:spPr>
           <a:xfrm>
             <a:off x="443948" y="449782"/>
-            <a:ext cx="7020768" cy="369332"/>
+            <a:ext cx="7368620" cy="369332"/>
           </a:xfrm>
           <a:prstGeom prst="rect">
             <a:avLst/>
@@ -4627,7 +4636,11 @@
             </a:r>
             <a:r>
               <a:rPr lang="en-US" dirty="0" smtClean="0"/>
-              <a:t> that “I want you to index this/these file!”</a:t>
+              <a:t> that “I want you to index this/these </a:t>
+            </a:r>
+            <a:r>
+              <a:rPr lang="en-US" dirty="0" smtClean="0"/>
+              <a:t>file(s)!”</a:t>
             </a:r>
             <a:endParaRPr lang="en-US" dirty="0"/>
           </a:p>
@@ -5826,8 +5839,12 @@
               <a:buNone/>
             </a:pPr>
             <a:r>
+              <a:rPr lang="en-US" dirty="0"/>
+              <a:t>c</a:t>
+            </a:r>
+            <a:r>
               <a:rPr lang="en-US" dirty="0" smtClean="0"/>
-              <a:t>Checking </a:t>
+              <a:t>hecking </a:t>
             </a:r>
             <a:r>
               <a:rPr lang="en-US" dirty="0" smtClean="0">
@@ -8756,7 +8773,7 @@
         <p:spPr>
           <a:xfrm>
             <a:off x="457200" y="1180208"/>
-            <a:ext cx="7958136" cy="3139321"/>
+            <a:ext cx="7958136" cy="2862322"/>
           </a:xfrm>
           <a:prstGeom prst="rect">
             <a:avLst/>
@@ -8858,13 +8875,6 @@
               </a:rPr>
               <a:t>name.git</a:t>
             </a:r>
-            <a:endParaRPr lang="en-US" sz="1050" dirty="0" smtClean="0"/>
-          </a:p>
-          <a:p>
-            <a:pPr marL="342900" indent="-342900">
-              <a:buFont typeface="+mj-lt"/>
-              <a:buAutoNum type="arabicPeriod"/>
-            </a:pPr>
             <a:endParaRPr lang="en-US" dirty="0" smtClean="0"/>
           </a:p>
           <a:p>
@@ -9054,7 +9064,7 @@
         </p:nvSpPr>
         <p:spPr>
           <a:xfrm>
-            <a:off x="460513" y="3151139"/>
+            <a:off x="460513" y="2915483"/>
             <a:ext cx="7958136" cy="392668"/>
           </a:xfrm>
           <a:prstGeom prst="rect">
@@ -9268,7 +9278,7 @@
         </p:nvSpPr>
         <p:spPr>
           <a:xfrm>
-            <a:off x="457199" y="3943350"/>
+            <a:off x="457199" y="3790950"/>
             <a:ext cx="7958137" cy="838200"/>
           </a:xfrm>
           <a:prstGeom prst="rect">
@@ -9550,10 +9560,18 @@
           <a:p>
             <a:pPr algn="l"/>
             <a:r>
-              <a:rPr lang="en-US" smtClean="0"/>
-              <a:t>your first github repo</a:t>
-            </a:r>
-            <a:endParaRPr lang="en-US"/>
+              <a:rPr lang="en-US" dirty="0" smtClean="0"/>
+              <a:t>your first </a:t>
+            </a:r>
+            <a:r>
+              <a:rPr lang="en-US" dirty="0" err="1" smtClean="0"/>
+              <a:t>github</a:t>
+            </a:r>
+            <a:r>
+              <a:rPr lang="en-US" dirty="0" smtClean="0"/>
+              <a:t> repo</a:t>
+            </a:r>
+            <a:endParaRPr lang="en-US" dirty="0"/>
           </a:p>
         </p:txBody>
       </p:sp>
@@ -9901,7 +9919,7 @@
         <p:spPr>
           <a:xfrm>
             <a:off x="430696" y="814685"/>
-            <a:ext cx="8229600" cy="923330"/>
+            <a:ext cx="8229600" cy="1754326"/>
           </a:xfrm>
           <a:prstGeom prst="rect">
             <a:avLst/>
@@ -9936,7 +9954,22 @@
             </a:r>
             <a:r>
               <a:rPr lang="en-US" dirty="0" smtClean="0"/>
-              <a:t> again to check whether if files are staged properly and most importantly, your current working branch [in default, we are all working </a:t>
+              <a:t> again to check whether if files are staged properly and most importantly, your current working branch </a:t>
+            </a:r>
+            <a:endParaRPr lang="en-US" dirty="0" smtClean="0"/>
+          </a:p>
+          <a:p>
+            <a:r>
+              <a:rPr lang="en-US" dirty="0" smtClean="0"/>
+              <a:t>** </a:t>
+            </a:r>
+            <a:r>
+              <a:rPr lang="en-US" dirty="0" smtClean="0"/>
+              <a:t>[</a:t>
+            </a:r>
+            <a:r>
+              <a:rPr lang="en-US" dirty="0" smtClean="0"/>
+              <a:t>in default, we are all working </a:t>
             </a:r>
             <a:r>
               <a:rPr lang="en-US" strike="sngStrike" dirty="0" smtClean="0"/>
@@ -9954,7 +9987,17 @@
             </a:r>
             <a:r>
               <a:rPr lang="en-US" dirty="0" smtClean="0"/>
-              <a:t> branch].</a:t>
+              <a:t> branch</a:t>
+            </a:r>
+            <a:r>
+              <a:rPr lang="en-US" dirty="0" smtClean="0"/>
+              <a:t>].</a:t>
+            </a:r>
+          </a:p>
+          <a:p>
+            <a:r>
+              <a:rPr lang="en-US" dirty="0" smtClean="0"/>
+              <a:t>** a branch is like your feature lab – wherein you can experiment something cool. If “it just works”, merge it to master branch for your final code, else you may forget or abandon it …</a:t>
             </a:r>
             <a:endParaRPr lang="en-US" dirty="0"/>
           </a:p>
@@ -9970,7 +10013,7 @@
         </p:nvSpPr>
         <p:spPr>
           <a:xfrm>
-            <a:off x="473765" y="2110085"/>
+            <a:off x="473765" y="2491085"/>
             <a:ext cx="8229600" cy="1219200"/>
           </a:xfrm>
           <a:prstGeom prst="rect">
@@ -10154,7 +10197,7 @@
               <a:buNone/>
             </a:pPr>
             <a:r>
-              <a:rPr lang="en-US" sz="1800" b="1" smtClean="0">
+              <a:rPr lang="en-US" sz="1800" b="1" dirty="0" smtClean="0">
                 <a:solidFill>
                   <a:schemeClr val="bg2">
                     <a:lumMod val="90000"/>
@@ -10162,7 +10205,29 @@
                 </a:solidFill>
                 <a:latin typeface="Source Code Pro" pitchFamily="49" charset="0"/>
               </a:rPr>
-              <a:t>→ git status</a:t>
+              <a:t>→ </a:t>
+            </a:r>
+            <a:r>
+              <a:rPr lang="en-US" sz="1800" b="1" dirty="0" err="1" smtClean="0">
+                <a:solidFill>
+                  <a:schemeClr val="bg2">
+                    <a:lumMod val="90000"/>
+                  </a:schemeClr>
+                </a:solidFill>
+                <a:latin typeface="Source Code Pro" pitchFamily="49" charset="0"/>
+              </a:rPr>
+              <a:t>git</a:t>
+            </a:r>
+            <a:r>
+              <a:rPr lang="en-US" sz="1800" b="1" dirty="0" smtClean="0">
+                <a:solidFill>
+                  <a:schemeClr val="bg2">
+                    <a:lumMod val="90000"/>
+                  </a:schemeClr>
+                </a:solidFill>
+                <a:latin typeface="Source Code Pro" pitchFamily="49" charset="0"/>
+              </a:rPr>
+              <a:t> status</a:t>
             </a:r>
           </a:p>
           <a:p>
@@ -10170,7 +10235,7 @@
               <a:buNone/>
             </a:pPr>
             <a:r>
-              <a:rPr lang="en-US" sz="1800" smtClean="0">
+              <a:rPr lang="en-US" sz="1800" dirty="0" smtClean="0">
                 <a:solidFill>
                   <a:srgbClr val="53777A"/>
                 </a:solidFill>
@@ -10179,7 +10244,7 @@
               <a:t># On branch </a:t>
             </a:r>
             <a:r>
-              <a:rPr lang="en-US" sz="1800" b="1" smtClean="0">
+              <a:rPr lang="en-US" sz="1800" b="1" dirty="0" smtClean="0">
                 <a:solidFill>
                   <a:schemeClr val="accent5">
                     <a:lumMod val="75000"/>
@@ -10195,7 +10260,7 @@
               <a:buNone/>
             </a:pPr>
             <a:r>
-              <a:rPr lang="en-US" sz="1800" smtClean="0">
+              <a:rPr lang="en-US" sz="1800" dirty="0" smtClean="0">
                 <a:solidFill>
                   <a:srgbClr val="53777A"/>
                 </a:solidFill>
@@ -10203,7 +10268,7 @@
               </a:rPr>
               <a:t>nothing to commit (working directory clean)</a:t>
             </a:r>
-            <a:endParaRPr lang="en-US" sz="1800">
+            <a:endParaRPr lang="en-US" sz="1800" dirty="0">
               <a:solidFill>
                 <a:srgbClr val="53777A"/>
               </a:solidFill>
@@ -10235,26 +10300,34 @@
           <a:lstStyle/>
           <a:p>
             <a:r>
-              <a:rPr lang="en-US" smtClean="0"/>
+              <a:rPr lang="en-US" dirty="0" smtClean="0"/>
               <a:t>Kay, things seem rather good up to now! </a:t>
             </a:r>
             <a:r>
-              <a:rPr lang="en-US" smtClean="0">
+              <a:rPr lang="en-US" dirty="0" smtClean="0">
                 <a:sym typeface="Wingdings" pitchFamily="2" charset="2"/>
               </a:rPr>
               <a:t></a:t>
             </a:r>
             <a:r>
-              <a:rPr lang="en-US" smtClean="0"/>
+              <a:rPr lang="en-US" dirty="0" smtClean="0"/>
               <a:t> </a:t>
             </a:r>
           </a:p>
           <a:p>
             <a:r>
-              <a:rPr lang="en-US" smtClean="0"/>
-              <a:t>Let’s go ahead to next slides…</a:t>
-            </a:r>
-            <a:endParaRPr lang="en-US"/>
+              <a:rPr lang="en-US" dirty="0" smtClean="0"/>
+              <a:t>Press arrow right</a:t>
+            </a:r>
+            <a:r>
+              <a:rPr lang="en-US" dirty="0" smtClean="0"/>
+              <a:t> </a:t>
+            </a:r>
+            <a:r>
+              <a:rPr lang="en-US" dirty="0" smtClean="0"/>
+              <a:t>to next slides…</a:t>
+            </a:r>
+            <a:endParaRPr lang="en-US" dirty="0"/>
           </a:p>
         </p:txBody>
       </p:sp>
@@ -10282,6 +10355,115 @@
 </file>
 
 <file path=ppt/slides/slide25.xml><?xml version="1.0" encoding="utf-8"?>
+<p:sld xmlns:a="http://schemas.openxmlformats.org/drawingml/2006/main" xmlns:r="http://schemas.openxmlformats.org/officeDocument/2006/relationships" xmlns:p="http://schemas.openxmlformats.org/presentationml/2006/main">
+  <p:cSld>
+    <p:bg>
+      <p:bgPr>
+        <a:solidFill>
+          <a:srgbClr val="53777A"/>
+        </a:solidFill>
+        <a:effectLst/>
+      </p:bgPr>
+    </p:bg>
+    <p:spTree>
+      <p:nvGrpSpPr>
+        <p:cNvPr id="1" name=""/>
+        <p:cNvGrpSpPr/>
+        <p:nvPr/>
+      </p:nvGrpSpPr>
+      <p:grpSpPr>
+        <a:xfrm>
+          <a:off x="0" y="0"/>
+          <a:ext cx="0" cy="0"/>
+          <a:chOff x="0" y="0"/>
+          <a:chExt cx="0" cy="0"/>
+        </a:xfrm>
+      </p:grpSpPr>
+      <p:sp>
+        <p:nvSpPr>
+          <p:cNvPr id="5" name="Rectangle 4"/>
+          <p:cNvSpPr/>
+          <p:nvPr/>
+        </p:nvSpPr>
+        <p:spPr>
+          <a:xfrm>
+            <a:off x="-3313" y="0"/>
+            <a:ext cx="9147313" cy="4031873"/>
+          </a:xfrm>
+          <a:prstGeom prst="rect">
+            <a:avLst/>
+          </a:prstGeom>
+        </p:spPr>
+        <p:txBody>
+          <a:bodyPr wrap="square">
+            <a:spAutoFit/>
+          </a:bodyPr>
+          <a:lstStyle/>
+          <a:p>
+            <a:pPr algn="ctr"/>
+            <a:endParaRPr lang="en-US" sz="3200" dirty="0" smtClean="0">
+              <a:latin typeface="+mj-lt"/>
+            </a:endParaRPr>
+          </a:p>
+          <a:p>
+            <a:pPr algn="ctr"/>
+            <a:endParaRPr lang="en-US" sz="3200" dirty="0" smtClean="0">
+              <a:latin typeface="+mj-lt"/>
+            </a:endParaRPr>
+          </a:p>
+          <a:p>
+            <a:pPr algn="ctr"/>
+            <a:r>
+              <a:rPr lang="en-US" sz="9600" dirty="0" smtClean="0">
+                <a:latin typeface="+mj-lt"/>
+              </a:rPr>
+              <a:t>cat </a:t>
+            </a:r>
+            <a:r>
+              <a:rPr lang="en-US" sz="9600" dirty="0" smtClean="0">
+                <a:latin typeface="+mj-lt"/>
+              </a:rPr>
+              <a:t> </a:t>
+            </a:r>
+          </a:p>
+          <a:p>
+            <a:pPr algn="ctr"/>
+            <a:r>
+              <a:rPr lang="en-US" sz="9600" dirty="0" smtClean="0">
+                <a:latin typeface="Ancillary" pitchFamily="50" charset="0"/>
+              </a:rPr>
+              <a:t>:3</a:t>
+            </a:r>
+            <a:endParaRPr lang="en-US" sz="9600" dirty="0" smtClean="0">
+              <a:latin typeface="Ancillary" pitchFamily="50" charset="0"/>
+            </a:endParaRPr>
+          </a:p>
+        </p:txBody>
+      </p:sp>
+    </p:spTree>
+    <p:extLst>
+      <p:ext uri="{BB962C8B-B14F-4D97-AF65-F5344CB8AC3E}">
+        <p14:creationId xmlns:p14="http://schemas.microsoft.com/office/powerpoint/2010/main" val="807079920"/>
+      </p:ext>
+    </p:extLst>
+  </p:cSld>
+  <p:clrMapOvr>
+    <a:masterClrMapping/>
+  </p:clrMapOvr>
+  <p:transition>
+    <p:fade/>
+  </p:transition>
+  <p:timing>
+    <p:tnLst>
+      <p:par>
+        <p:cTn id="1" dur="indefinite" restart="never" nodeType="tmRoot"/>
+      </p:par>
+    </p:tnLst>
+  </p:timing>
+</p:sld>
+</file>
+
+<file path=ppt/slides/slide26.xml><?xml version="1.0" encoding="utf-8"?>
 <p:sld xmlns:a="http://schemas.openxmlformats.org/drawingml/2006/main" xmlns:r="http://schemas.openxmlformats.org/officeDocument/2006/relationships" xmlns:p="http://schemas.openxmlformats.org/presentationml/2006/main">
   <p:cSld>
     <p:bg>
@@ -10605,7 +10787,7 @@
 </p:sld>
 </file>
 
-<file path=ppt/slides/slide26.xml><?xml version="1.0" encoding="utf-8"?>
+<file path=ppt/slides/slide27.xml><?xml version="1.0" encoding="utf-8"?>
 <p:sld xmlns:a="http://schemas.openxmlformats.org/drawingml/2006/main" xmlns:r="http://schemas.openxmlformats.org/officeDocument/2006/relationships" xmlns:p="http://schemas.openxmlformats.org/presentationml/2006/main">
   <p:cSld>
     <p:bg>
@@ -11529,7 +11711,7 @@
 </p:sld>
 </file>
 
-<file path=ppt/slides/slide27.xml><?xml version="1.0" encoding="utf-8"?>
+<file path=ppt/slides/slide28.xml><?xml version="1.0" encoding="utf-8"?>
 <p:sld xmlns:a="http://schemas.openxmlformats.org/drawingml/2006/main" xmlns:r="http://schemas.openxmlformats.org/officeDocument/2006/relationships" xmlns:p="http://schemas.openxmlformats.org/presentationml/2006/main">
   <p:cSld>
     <p:bg>
@@ -11594,15 +11776,7 @@
             </a:r>
             <a:r>
               <a:rPr lang="en-US" dirty="0" smtClean="0"/>
-              <a:t>, we have 2 commits up to now, </a:t>
-            </a:r>
-            <a:r>
-              <a:rPr lang="en-US" dirty="0" smtClean="0"/>
-              <a:t>represented </a:t>
-            </a:r>
-            <a:r>
-              <a:rPr lang="en-US" dirty="0" smtClean="0"/>
-              <a:t>by the first </a:t>
+              <a:t>, we have 2 commits up to now, represented by the first </a:t>
             </a:r>
             <a:r>
               <a:rPr lang="en-US" dirty="0" smtClean="0">
@@ -11903,39 +12077,7 @@
                   <a:srgbClr val="EFECAB"/>
                 </a:solidFill>
               </a:rPr>
-              <a:t> is just connection of dots. Think of it as a graphical base, a dot/node </a:t>
-            </a:r>
-            <a:r>
-              <a:rPr lang="en-US" dirty="0" smtClean="0">
-                <a:solidFill>
-                  <a:srgbClr val="EFECAB"/>
-                </a:solidFill>
-              </a:rPr>
-              <a:t>represented by </a:t>
-            </a:r>
-            <a:r>
-              <a:rPr lang="en-US" dirty="0" smtClean="0">
-                <a:solidFill>
-                  <a:srgbClr val="EFECAB"/>
-                </a:solidFill>
-              </a:rPr>
-              <a:t>a  branch in a tree, </a:t>
-            </a:r>
-            <a:r>
-              <a:rPr lang="en-US" dirty="0" smtClean="0">
-                <a:solidFill>
-                  <a:srgbClr val="EFECAB"/>
-                </a:solidFill>
-              </a:rPr>
-              <a:t>dot </a:t>
-            </a:r>
-            <a:r>
-              <a:rPr lang="en-US" dirty="0" smtClean="0">
-                <a:solidFill>
-                  <a:srgbClr val="EFECAB"/>
-                </a:solidFill>
-              </a:rPr>
-              <a:t>will be our working </a:t>
+              <a:t> is just connection of dots. Think of it as a graphical base, a dot/node represented by a  branch in a tree, dot will be our working </a:t>
             </a:r>
             <a:r>
               <a:rPr lang="en-US" dirty="0" smtClean="0">
@@ -12065,15 +12207,7 @@
             </a:r>
             <a:r>
               <a:rPr lang="en-US" dirty="0" smtClean="0"/>
-              <a:t>we now have more information like: author of last commit, name of </a:t>
-            </a:r>
-            <a:r>
-              <a:rPr lang="en-US" dirty="0" smtClean="0"/>
-              <a:t>committer</a:t>
-            </a:r>
-            <a:r>
-              <a:rPr lang="en-US" dirty="0" smtClean="0"/>
-              <a:t>, time when commit occurred, and the message of last commit…</a:t>
+              <a:t>we now have more information like: author of last commit, name of committer, time when commit occurred, and the message of last commit…</a:t>
             </a:r>
             <a:endParaRPr lang="en-US" dirty="0" smtClean="0">
               <a:solidFill>
@@ -12106,7 +12240,7 @@
 </p:sld>
 </file>
 
-<file path=ppt/slides/slide28.xml><?xml version="1.0" encoding="utf-8"?>
+<file path=ppt/slides/slide29.xml><?xml version="1.0" encoding="utf-8"?>
 <p:sld xmlns:a="http://schemas.openxmlformats.org/drawingml/2006/main" xmlns:r="http://schemas.openxmlformats.org/officeDocument/2006/relationships" xmlns:p="http://schemas.openxmlformats.org/presentationml/2006/main">
   <p:cSld>
     <p:bg>
@@ -12203,7 +12337,446 @@
 </p:sld>
 </file>
 
-<file path=ppt/slides/slide29.xml><?xml version="1.0" encoding="utf-8"?>
+<file path=ppt/slides/slide3.xml><?xml version="1.0" encoding="utf-8"?>
+<p:sld xmlns:a="http://schemas.openxmlformats.org/drawingml/2006/main" xmlns:r="http://schemas.openxmlformats.org/officeDocument/2006/relationships" xmlns:p="http://schemas.openxmlformats.org/presentationml/2006/main">
+  <p:cSld>
+    <p:bg>
+      <p:bgPr>
+        <a:solidFill>
+          <a:srgbClr val="53777A"/>
+        </a:solidFill>
+        <a:effectLst/>
+      </p:bgPr>
+    </p:bg>
+    <p:spTree>
+      <p:nvGrpSpPr>
+        <p:cNvPr id="1" name=""/>
+        <p:cNvGrpSpPr/>
+        <p:nvPr/>
+      </p:nvGrpSpPr>
+      <p:grpSpPr>
+        <a:xfrm>
+          <a:off x="0" y="0"/>
+          <a:ext cx="0" cy="0"/>
+          <a:chOff x="0" y="0"/>
+          <a:chExt cx="0" cy="0"/>
+        </a:xfrm>
+      </p:grpSpPr>
+      <p:sp>
+        <p:nvSpPr>
+          <p:cNvPr id="2" name="Title 1"/>
+          <p:cNvSpPr>
+            <a:spLocks noGrp="1"/>
+          </p:cNvSpPr>
+          <p:nvPr>
+            <p:ph type="title"/>
+          </p:nvPr>
+        </p:nvSpPr>
+        <p:spPr/>
+        <p:txBody>
+          <a:bodyPr/>
+          <a:lstStyle/>
+          <a:p>
+            <a:r>
+              <a:rPr lang="en-US" smtClean="0"/>
+              <a:t>a brief introduction</a:t>
+            </a:r>
+            <a:endParaRPr lang="en-US"/>
+          </a:p>
+        </p:txBody>
+      </p:sp>
+      <p:sp>
+        <p:nvSpPr>
+          <p:cNvPr id="3" name="Content Placeholder 2"/>
+          <p:cNvSpPr>
+            <a:spLocks noGrp="1"/>
+          </p:cNvSpPr>
+          <p:nvPr>
+            <p:ph idx="1"/>
+          </p:nvPr>
+        </p:nvSpPr>
+        <p:spPr/>
+        <p:txBody>
+          <a:bodyPr>
+            <a:normAutofit/>
+          </a:bodyPr>
+          <a:lstStyle/>
+          <a:p>
+            <a:pPr marL="0" indent="0" algn="ctr">
+              <a:buNone/>
+            </a:pPr>
+            <a:r>
+              <a:rPr lang="en-US" sz="2000" i="1" smtClean="0">
+                <a:latin typeface="Adobe Song Std L" pitchFamily="18" charset="-128"/>
+                <a:ea typeface="Adobe Song Std L" pitchFamily="18" charset="-128"/>
+              </a:rPr>
+              <a:t>“</a:t>
+            </a:r>
+            <a:r>
+              <a:rPr lang="en-US" sz="2000" i="1" smtClean="0">
+                <a:latin typeface="Adobe Song Std L" pitchFamily="18" charset="-128"/>
+                <a:ea typeface="Adobe Song Std L" pitchFamily="18" charset="-128"/>
+                <a:cs typeface="Adobe Hebrew" pitchFamily="18" charset="-79"/>
+              </a:rPr>
+              <a:t>In</a:t>
+            </a:r>
+            <a:r>
+              <a:rPr lang="en-US" sz="2000" i="1">
+                <a:latin typeface="Adobe Song Std L" pitchFamily="18" charset="-128"/>
+                <a:ea typeface="Adobe Song Std L" pitchFamily="18" charset="-128"/>
+                <a:cs typeface="Adobe Hebrew" pitchFamily="18" charset="-79"/>
+              </a:rPr>
+              <a:t> </a:t>
+            </a:r>
+            <a:r>
+              <a:rPr lang="en-US" sz="2000" i="1" u="sng">
+                <a:latin typeface="Adobe Song Std L" pitchFamily="18" charset="-128"/>
+                <a:ea typeface="Adobe Song Std L" pitchFamily="18" charset="-128"/>
+                <a:cs typeface="Adobe Hebrew" pitchFamily="18" charset="-79"/>
+                <a:hlinkClick r:id="rId2" tooltip="Software development"/>
+              </a:rPr>
+              <a:t>software development</a:t>
+            </a:r>
+            <a:r>
+              <a:rPr lang="en-US" sz="2000" i="1">
+                <a:latin typeface="Adobe Song Std L" pitchFamily="18" charset="-128"/>
+                <a:ea typeface="Adobe Song Std L" pitchFamily="18" charset="-128"/>
+                <a:cs typeface="Adobe Hebrew" pitchFamily="18" charset="-79"/>
+              </a:rPr>
+              <a:t>, </a:t>
+            </a:r>
+            <a:r>
+              <a:rPr lang="en-US" sz="2000" b="1" i="1">
+                <a:latin typeface="Adobe Song Std L" pitchFamily="18" charset="-128"/>
+                <a:ea typeface="Adobe Song Std L" pitchFamily="18" charset="-128"/>
+                <a:cs typeface="Adobe Hebrew" pitchFamily="18" charset="-79"/>
+              </a:rPr>
+              <a:t>Git</a:t>
+            </a:r>
+            <a:r>
+              <a:rPr lang="en-US" sz="2000" i="1">
+                <a:latin typeface="Adobe Song Std L" pitchFamily="18" charset="-128"/>
+                <a:ea typeface="Adobe Song Std L" pitchFamily="18" charset="-128"/>
+                <a:cs typeface="Adobe Hebrew" pitchFamily="18" charset="-79"/>
+              </a:rPr>
+              <a:t> (</a:t>
+            </a:r>
+            <a:r>
+              <a:rPr lang="en-US" sz="2000" i="1">
+                <a:latin typeface="Adobe Song Std L" pitchFamily="18" charset="-128"/>
+                <a:ea typeface="Adobe Song Std L" pitchFamily="18" charset="-128"/>
+                <a:cs typeface="Adobe Hebrew" pitchFamily="18" charset="-79"/>
+                <a:hlinkClick r:id="rId3" tooltip="Help:IPA for English"/>
+              </a:rPr>
+              <a:t>/</a:t>
+            </a:r>
+            <a:r>
+              <a:rPr lang="en-US" sz="2000" i="1">
+                <a:latin typeface="Adobe Song Std L" pitchFamily="18" charset="-128"/>
+                <a:ea typeface="Adobe Song Std L" pitchFamily="18" charset="-128"/>
+                <a:cs typeface="Adobe Hebrew" pitchFamily="18" charset="-79"/>
+                <a:hlinkClick r:id="rId4" tooltip="Help:IPA for English"/>
+              </a:rPr>
+              <a:t>ɡɪt</a:t>
+            </a:r>
+            <a:r>
+              <a:rPr lang="en-US" sz="2000" i="1">
+                <a:latin typeface="Adobe Song Std L" pitchFamily="18" charset="-128"/>
+                <a:ea typeface="Adobe Song Std L" pitchFamily="18" charset="-128"/>
+                <a:cs typeface="Adobe Hebrew" pitchFamily="18" charset="-79"/>
+                <a:hlinkClick r:id="rId3" tooltip="Help:IPA for English"/>
+              </a:rPr>
+              <a:t>/</a:t>
+            </a:r>
+            <a:r>
+              <a:rPr lang="en-US" sz="2000" i="1">
+                <a:latin typeface="Adobe Song Std L" pitchFamily="18" charset="-128"/>
+                <a:ea typeface="Adobe Song Std L" pitchFamily="18" charset="-128"/>
+                <a:cs typeface="Adobe Hebrew" pitchFamily="18" charset="-79"/>
+              </a:rPr>
+              <a:t>) is </a:t>
+            </a:r>
+            <a:r>
+              <a:rPr lang="en-US" sz="2000" i="1" smtClean="0">
+                <a:latin typeface="Adobe Song Std L" pitchFamily="18" charset="-128"/>
+                <a:ea typeface="Adobe Song Std L" pitchFamily="18" charset="-128"/>
+                <a:cs typeface="Adobe Hebrew" pitchFamily="18" charset="-79"/>
+              </a:rPr>
+              <a:t>a</a:t>
+            </a:r>
+            <a:r>
+              <a:rPr lang="en-US" sz="2000" i="1">
+                <a:latin typeface="Adobe Song Std L" pitchFamily="18" charset="-128"/>
+                <a:ea typeface="Adobe Song Std L" pitchFamily="18" charset="-128"/>
+                <a:cs typeface="Adobe Hebrew" pitchFamily="18" charset="-79"/>
+              </a:rPr>
+              <a:t> </a:t>
+            </a:r>
+            <a:endParaRPr lang="en-US" sz="2000" i="1" smtClean="0">
+              <a:latin typeface="Adobe Song Std L" pitchFamily="18" charset="-128"/>
+              <a:ea typeface="Adobe Song Std L" pitchFamily="18" charset="-128"/>
+              <a:cs typeface="Adobe Hebrew" pitchFamily="18" charset="-79"/>
+            </a:endParaRPr>
+          </a:p>
+          <a:p>
+            <a:pPr marL="0" indent="0" algn="ctr">
+              <a:buNone/>
+            </a:pPr>
+            <a:r>
+              <a:rPr lang="en-US" sz="2000" b="1" i="1" smtClean="0">
+                <a:latin typeface="Adobe Song Std L" pitchFamily="18" charset="-128"/>
+                <a:ea typeface="Adobe Song Std L" pitchFamily="18" charset="-128"/>
+                <a:cs typeface="Adobe Hebrew" pitchFamily="18" charset="-79"/>
+                <a:hlinkClick r:id="rId5" tooltip="Distributed revision control"/>
+              </a:rPr>
+              <a:t>distributed </a:t>
+            </a:r>
+            <a:r>
+              <a:rPr lang="en-US" sz="2000" b="1" i="1">
+                <a:latin typeface="Adobe Song Std L" pitchFamily="18" charset="-128"/>
+                <a:ea typeface="Adobe Song Std L" pitchFamily="18" charset="-128"/>
+                <a:cs typeface="Adobe Hebrew" pitchFamily="18" charset="-79"/>
+                <a:hlinkClick r:id="rId5" tooltip="Distributed revision control"/>
+              </a:rPr>
+              <a:t>revision control</a:t>
+            </a:r>
+            <a:r>
+              <a:rPr lang="en-US" sz="2000" i="1">
+                <a:latin typeface="Adobe Song Std L" pitchFamily="18" charset="-128"/>
+                <a:ea typeface="Adobe Song Std L" pitchFamily="18" charset="-128"/>
+                <a:cs typeface="Adobe Hebrew" pitchFamily="18" charset="-79"/>
+              </a:rPr>
+              <a:t> </a:t>
+            </a:r>
+          </a:p>
+          <a:p>
+            <a:pPr marL="0" indent="0" algn="ctr">
+              <a:buNone/>
+            </a:pPr>
+            <a:r>
+              <a:rPr lang="en-US" sz="2000" i="1" smtClean="0">
+                <a:latin typeface="Adobe Song Std L" pitchFamily="18" charset="-128"/>
+                <a:ea typeface="Adobe Song Std L" pitchFamily="18" charset="-128"/>
+                <a:cs typeface="Adobe Hebrew" pitchFamily="18" charset="-79"/>
+              </a:rPr>
+              <a:t>and</a:t>
+            </a:r>
+            <a:r>
+              <a:rPr lang="en-US" sz="2000" i="1">
+                <a:latin typeface="Adobe Song Std L" pitchFamily="18" charset="-128"/>
+                <a:ea typeface="Adobe Song Std L" pitchFamily="18" charset="-128"/>
+                <a:cs typeface="Adobe Hebrew" pitchFamily="18" charset="-79"/>
+              </a:rPr>
+              <a:t> </a:t>
+            </a:r>
+            <a:r>
+              <a:rPr lang="en-US" sz="2000" b="1" i="1" smtClean="0">
+                <a:latin typeface="Adobe Song Std L" pitchFamily="18" charset="-128"/>
+                <a:ea typeface="Adobe Song Std L" pitchFamily="18" charset="-128"/>
+                <a:cs typeface="Adobe Hebrew" pitchFamily="18" charset="-79"/>
+                <a:hlinkClick r:id="rId6" tooltip="Source code management"/>
+              </a:rPr>
+              <a:t>source </a:t>
+            </a:r>
+            <a:r>
+              <a:rPr lang="en-US" sz="2000" b="1" i="1">
+                <a:latin typeface="Adobe Song Std L" pitchFamily="18" charset="-128"/>
+                <a:ea typeface="Adobe Song Std L" pitchFamily="18" charset="-128"/>
+                <a:cs typeface="Adobe Hebrew" pitchFamily="18" charset="-79"/>
+                <a:hlinkClick r:id="rId6" tooltip="Source code management"/>
+              </a:rPr>
+              <a:t>code management</a:t>
+            </a:r>
+            <a:r>
+              <a:rPr lang="en-US" sz="2000" i="1">
+                <a:latin typeface="Adobe Song Std L" pitchFamily="18" charset="-128"/>
+                <a:ea typeface="Adobe Song Std L" pitchFamily="18" charset="-128"/>
+                <a:cs typeface="Adobe Hebrew" pitchFamily="18" charset="-79"/>
+              </a:rPr>
+              <a:t> (SCM) system </a:t>
+            </a:r>
+            <a:endParaRPr lang="en-US" sz="2000" i="1" smtClean="0">
+              <a:latin typeface="Adobe Song Std L" pitchFamily="18" charset="-128"/>
+              <a:ea typeface="Adobe Song Std L" pitchFamily="18" charset="-128"/>
+              <a:cs typeface="Adobe Hebrew" pitchFamily="18" charset="-79"/>
+            </a:endParaRPr>
+          </a:p>
+          <a:p>
+            <a:pPr marL="0" indent="0" algn="ctr">
+              <a:buNone/>
+            </a:pPr>
+            <a:r>
+              <a:rPr lang="en-US" sz="2000" i="1" smtClean="0">
+                <a:latin typeface="Adobe Song Std L" pitchFamily="18" charset="-128"/>
+                <a:ea typeface="Adobe Song Std L" pitchFamily="18" charset="-128"/>
+                <a:cs typeface="Adobe Hebrew" pitchFamily="18" charset="-79"/>
+              </a:rPr>
+              <a:t>with </a:t>
+            </a:r>
+            <a:r>
+              <a:rPr lang="en-US" sz="2000" i="1">
+                <a:latin typeface="Adobe Song Std L" pitchFamily="18" charset="-128"/>
+                <a:ea typeface="Adobe Song Std L" pitchFamily="18" charset="-128"/>
+                <a:cs typeface="Adobe Hebrew" pitchFamily="18" charset="-79"/>
+              </a:rPr>
+              <a:t>an emphasis on </a:t>
+            </a:r>
+            <a:r>
+              <a:rPr lang="en-US" sz="2000" i="1" smtClean="0">
+                <a:latin typeface="Adobe Song Std L" pitchFamily="18" charset="-128"/>
+                <a:ea typeface="Adobe Song Std L" pitchFamily="18" charset="-128"/>
+                <a:cs typeface="Adobe Hebrew" pitchFamily="18" charset="-79"/>
+              </a:rPr>
+              <a:t>speed…</a:t>
+            </a:r>
+          </a:p>
+          <a:p>
+            <a:pPr marL="0" indent="0" algn="ctr">
+              <a:buNone/>
+            </a:pPr>
+            <a:r>
+              <a:rPr lang="en-US" sz="2000" i="1">
+                <a:latin typeface="Adobe Song Std L" pitchFamily="18" charset="-128"/>
+                <a:ea typeface="Adobe Song Std L" pitchFamily="18" charset="-128"/>
+                <a:cs typeface="Adobe Hebrew" pitchFamily="18" charset="-79"/>
+              </a:rPr>
+              <a:t>Git was initially designed and developed </a:t>
+            </a:r>
+            <a:endParaRPr lang="en-US" sz="2000" i="1" smtClean="0">
+              <a:latin typeface="Adobe Song Std L" pitchFamily="18" charset="-128"/>
+              <a:ea typeface="Adobe Song Std L" pitchFamily="18" charset="-128"/>
+              <a:cs typeface="Adobe Hebrew" pitchFamily="18" charset="-79"/>
+            </a:endParaRPr>
+          </a:p>
+          <a:p>
+            <a:pPr marL="0" indent="0" algn="ctr">
+              <a:buNone/>
+            </a:pPr>
+            <a:r>
+              <a:rPr lang="en-US" sz="2000" i="1" smtClean="0">
+                <a:latin typeface="Adobe Song Std L" pitchFamily="18" charset="-128"/>
+                <a:ea typeface="Adobe Song Std L" pitchFamily="18" charset="-128"/>
+                <a:cs typeface="Adobe Hebrew" pitchFamily="18" charset="-79"/>
+              </a:rPr>
+              <a:t>by</a:t>
+            </a:r>
+            <a:r>
+              <a:rPr lang="en-US" sz="2000" i="1">
+                <a:latin typeface="Adobe Song Std L" pitchFamily="18" charset="-128"/>
+                <a:ea typeface="Adobe Song Std L" pitchFamily="18" charset="-128"/>
+                <a:cs typeface="Adobe Hebrew" pitchFamily="18" charset="-79"/>
+              </a:rPr>
+              <a:t> </a:t>
+            </a:r>
+            <a:r>
+              <a:rPr lang="en-US" sz="2000" b="1">
+                <a:latin typeface="Adobe Song Std L" pitchFamily="18" charset="-128"/>
+                <a:ea typeface="Adobe Song Std L" pitchFamily="18" charset="-128"/>
+                <a:cs typeface="Adobe Hebrew" pitchFamily="18" charset="-79"/>
+                <a:hlinkClick r:id="rId7" tooltip="Linus Torvalds"/>
+              </a:rPr>
+              <a:t>Linus Torvalds</a:t>
+            </a:r>
+            <a:r>
+              <a:rPr lang="en-US" sz="2000" i="1">
+                <a:latin typeface="Adobe Song Std L" pitchFamily="18" charset="-128"/>
+                <a:ea typeface="Adobe Song Std L" pitchFamily="18" charset="-128"/>
+                <a:cs typeface="Adobe Hebrew" pitchFamily="18" charset="-79"/>
+              </a:rPr>
+              <a:t> for</a:t>
+            </a:r>
+            <a:r>
+              <a:rPr lang="en-US" sz="2000" b="1">
+                <a:latin typeface="Adobe Song Std L" pitchFamily="18" charset="-128"/>
+                <a:ea typeface="Adobe Song Std L" pitchFamily="18" charset="-128"/>
+                <a:cs typeface="Adobe Hebrew" pitchFamily="18" charset="-79"/>
+              </a:rPr>
+              <a:t> </a:t>
+            </a:r>
+            <a:r>
+              <a:rPr lang="en-US" sz="2000" b="1">
+                <a:latin typeface="Adobe Song Std L" pitchFamily="18" charset="-128"/>
+                <a:ea typeface="Adobe Song Std L" pitchFamily="18" charset="-128"/>
+                <a:cs typeface="Adobe Hebrew" pitchFamily="18" charset="-79"/>
+                <a:hlinkClick r:id="rId8" tooltip="Linux kernel"/>
+              </a:rPr>
+              <a:t>Linux kernel</a:t>
+            </a:r>
+            <a:r>
+              <a:rPr lang="en-US" sz="2000" i="1">
+                <a:latin typeface="Adobe Song Std L" pitchFamily="18" charset="-128"/>
+                <a:ea typeface="Adobe Song Std L" pitchFamily="18" charset="-128"/>
+                <a:cs typeface="Adobe Hebrew" pitchFamily="18" charset="-79"/>
+              </a:rPr>
+              <a:t> </a:t>
+            </a:r>
+            <a:r>
+              <a:rPr lang="en-US" sz="2000" i="1" smtClean="0">
+                <a:latin typeface="Adobe Song Std L" pitchFamily="18" charset="-128"/>
+                <a:ea typeface="Adobe Song Std L" pitchFamily="18" charset="-128"/>
+                <a:cs typeface="Adobe Hebrew" pitchFamily="18" charset="-79"/>
+              </a:rPr>
+              <a:t>development…</a:t>
+            </a:r>
+            <a:r>
+              <a:rPr lang="en-US" sz="2000" i="1" smtClean="0">
+                <a:latin typeface="Adobe Song Std L" pitchFamily="18" charset="-128"/>
+                <a:ea typeface="Adobe Song Std L" pitchFamily="18" charset="-128"/>
+              </a:rPr>
+              <a:t>”</a:t>
+            </a:r>
+          </a:p>
+          <a:p>
+            <a:pPr marL="0" indent="0" algn="ctr">
+              <a:buNone/>
+            </a:pPr>
+            <a:endParaRPr lang="en-US" sz="2400" smtClean="0"/>
+          </a:p>
+          <a:p>
+            <a:pPr marL="0" indent="0" algn="ctr">
+              <a:buNone/>
+            </a:pPr>
+            <a:r>
+              <a:rPr lang="en-US" sz="2400" smtClean="0"/>
+              <a:t>- Git (Wikipedia) -</a:t>
+            </a:r>
+            <a:endParaRPr lang="en-US" sz="2400"/>
+          </a:p>
+        </p:txBody>
+      </p:sp>
+    </p:spTree>
+    <p:extLst>
+      <p:ext uri="{BB962C8B-B14F-4D97-AF65-F5344CB8AC3E}">
+        <p14:creationId xmlns:p14="http://schemas.microsoft.com/office/powerpoint/2010/main" val="2188736779"/>
+      </p:ext>
+    </p:extLst>
+  </p:cSld>
+  <p:clrMapOvr>
+    <a:masterClrMapping/>
+  </p:clrMapOvr>
+  <mc:AlternateContent xmlns:mc="http://schemas.openxmlformats.org/markup-compatibility/2006" xmlns:p14="http://schemas.microsoft.com/office/powerpoint/2010/main">
+    <mc:Choice Requires="p14">
+      <p:transition spd="slow" p14:dur="1400">
+        <p14:doors dir="vert"/>
+      </p:transition>
+    </mc:Choice>
+    <mc:Fallback xmlns="">
+      <p:transition spd="slow">
+        <p:fade/>
+      </p:transition>
+    </mc:Fallback>
+  </mc:AlternateContent>
+  <p:timing>
+    <p:tnLst>
+      <p:par>
+        <p:cTn id="1" dur="indefinite" restart="never" nodeType="tmRoot"/>
+      </p:par>
+    </p:tnLst>
+  </p:timing>
+</p:sld>
+</file>
+
+<file path=ppt/slides/slide30.xml><?xml version="1.0" encoding="utf-8"?>
 <p:sld xmlns:a="http://schemas.openxmlformats.org/drawingml/2006/main" xmlns:r="http://schemas.openxmlformats.org/officeDocument/2006/relationships" xmlns:p="http://schemas.openxmlformats.org/presentationml/2006/main">
   <p:cSld>
     <p:bg>
@@ -12607,446 +13180,7 @@
 </p:sld>
 </file>
 
-<file path=ppt/slides/slide3.xml><?xml version="1.0" encoding="utf-8"?>
-<p:sld xmlns:a="http://schemas.openxmlformats.org/drawingml/2006/main" xmlns:r="http://schemas.openxmlformats.org/officeDocument/2006/relationships" xmlns:p="http://schemas.openxmlformats.org/presentationml/2006/main">
-  <p:cSld>
-    <p:bg>
-      <p:bgPr>
-        <a:solidFill>
-          <a:srgbClr val="53777A"/>
-        </a:solidFill>
-        <a:effectLst/>
-      </p:bgPr>
-    </p:bg>
-    <p:spTree>
-      <p:nvGrpSpPr>
-        <p:cNvPr id="1" name=""/>
-        <p:cNvGrpSpPr/>
-        <p:nvPr/>
-      </p:nvGrpSpPr>
-      <p:grpSpPr>
-        <a:xfrm>
-          <a:off x="0" y="0"/>
-          <a:ext cx="0" cy="0"/>
-          <a:chOff x="0" y="0"/>
-          <a:chExt cx="0" cy="0"/>
-        </a:xfrm>
-      </p:grpSpPr>
-      <p:sp>
-        <p:nvSpPr>
-          <p:cNvPr id="2" name="Title 1"/>
-          <p:cNvSpPr>
-            <a:spLocks noGrp="1"/>
-          </p:cNvSpPr>
-          <p:nvPr>
-            <p:ph type="title"/>
-          </p:nvPr>
-        </p:nvSpPr>
-        <p:spPr/>
-        <p:txBody>
-          <a:bodyPr/>
-          <a:lstStyle/>
-          <a:p>
-            <a:r>
-              <a:rPr lang="en-US" smtClean="0"/>
-              <a:t>a brief introduction</a:t>
-            </a:r>
-            <a:endParaRPr lang="en-US"/>
-          </a:p>
-        </p:txBody>
-      </p:sp>
-      <p:sp>
-        <p:nvSpPr>
-          <p:cNvPr id="3" name="Content Placeholder 2"/>
-          <p:cNvSpPr>
-            <a:spLocks noGrp="1"/>
-          </p:cNvSpPr>
-          <p:nvPr>
-            <p:ph idx="1"/>
-          </p:nvPr>
-        </p:nvSpPr>
-        <p:spPr/>
-        <p:txBody>
-          <a:bodyPr>
-            <a:normAutofit/>
-          </a:bodyPr>
-          <a:lstStyle/>
-          <a:p>
-            <a:pPr marL="0" indent="0" algn="ctr">
-              <a:buNone/>
-            </a:pPr>
-            <a:r>
-              <a:rPr lang="en-US" sz="2000" i="1" smtClean="0">
-                <a:latin typeface="Adobe Song Std L" pitchFamily="18" charset="-128"/>
-                <a:ea typeface="Adobe Song Std L" pitchFamily="18" charset="-128"/>
-              </a:rPr>
-              <a:t>“</a:t>
-            </a:r>
-            <a:r>
-              <a:rPr lang="en-US" sz="2000" i="1" smtClean="0">
-                <a:latin typeface="Adobe Song Std L" pitchFamily="18" charset="-128"/>
-                <a:ea typeface="Adobe Song Std L" pitchFamily="18" charset="-128"/>
-                <a:cs typeface="Adobe Hebrew" pitchFamily="18" charset="-79"/>
-              </a:rPr>
-              <a:t>In</a:t>
-            </a:r>
-            <a:r>
-              <a:rPr lang="en-US" sz="2000" i="1">
-                <a:latin typeface="Adobe Song Std L" pitchFamily="18" charset="-128"/>
-                <a:ea typeface="Adobe Song Std L" pitchFamily="18" charset="-128"/>
-                <a:cs typeface="Adobe Hebrew" pitchFamily="18" charset="-79"/>
-              </a:rPr>
-              <a:t> </a:t>
-            </a:r>
-            <a:r>
-              <a:rPr lang="en-US" sz="2000" i="1" u="sng">
-                <a:latin typeface="Adobe Song Std L" pitchFamily="18" charset="-128"/>
-                <a:ea typeface="Adobe Song Std L" pitchFamily="18" charset="-128"/>
-                <a:cs typeface="Adobe Hebrew" pitchFamily="18" charset="-79"/>
-                <a:hlinkClick r:id="rId2" tooltip="Software development"/>
-              </a:rPr>
-              <a:t>software development</a:t>
-            </a:r>
-            <a:r>
-              <a:rPr lang="en-US" sz="2000" i="1">
-                <a:latin typeface="Adobe Song Std L" pitchFamily="18" charset="-128"/>
-                <a:ea typeface="Adobe Song Std L" pitchFamily="18" charset="-128"/>
-                <a:cs typeface="Adobe Hebrew" pitchFamily="18" charset="-79"/>
-              </a:rPr>
-              <a:t>, </a:t>
-            </a:r>
-            <a:r>
-              <a:rPr lang="en-US" sz="2000" b="1" i="1">
-                <a:latin typeface="Adobe Song Std L" pitchFamily="18" charset="-128"/>
-                <a:ea typeface="Adobe Song Std L" pitchFamily="18" charset="-128"/>
-                <a:cs typeface="Adobe Hebrew" pitchFamily="18" charset="-79"/>
-              </a:rPr>
-              <a:t>Git</a:t>
-            </a:r>
-            <a:r>
-              <a:rPr lang="en-US" sz="2000" i="1">
-                <a:latin typeface="Adobe Song Std L" pitchFamily="18" charset="-128"/>
-                <a:ea typeface="Adobe Song Std L" pitchFamily="18" charset="-128"/>
-                <a:cs typeface="Adobe Hebrew" pitchFamily="18" charset="-79"/>
-              </a:rPr>
-              <a:t> (</a:t>
-            </a:r>
-            <a:r>
-              <a:rPr lang="en-US" sz="2000" i="1">
-                <a:latin typeface="Adobe Song Std L" pitchFamily="18" charset="-128"/>
-                <a:ea typeface="Adobe Song Std L" pitchFamily="18" charset="-128"/>
-                <a:cs typeface="Adobe Hebrew" pitchFamily="18" charset="-79"/>
-                <a:hlinkClick r:id="rId3" tooltip="Help:IPA for English"/>
-              </a:rPr>
-              <a:t>/</a:t>
-            </a:r>
-            <a:r>
-              <a:rPr lang="en-US" sz="2000" i="1">
-                <a:latin typeface="Adobe Song Std L" pitchFamily="18" charset="-128"/>
-                <a:ea typeface="Adobe Song Std L" pitchFamily="18" charset="-128"/>
-                <a:cs typeface="Adobe Hebrew" pitchFamily="18" charset="-79"/>
-                <a:hlinkClick r:id="rId4" tooltip="Help:IPA for English"/>
-              </a:rPr>
-              <a:t>ɡɪt</a:t>
-            </a:r>
-            <a:r>
-              <a:rPr lang="en-US" sz="2000" i="1">
-                <a:latin typeface="Adobe Song Std L" pitchFamily="18" charset="-128"/>
-                <a:ea typeface="Adobe Song Std L" pitchFamily="18" charset="-128"/>
-                <a:cs typeface="Adobe Hebrew" pitchFamily="18" charset="-79"/>
-                <a:hlinkClick r:id="rId3" tooltip="Help:IPA for English"/>
-              </a:rPr>
-              <a:t>/</a:t>
-            </a:r>
-            <a:r>
-              <a:rPr lang="en-US" sz="2000" i="1">
-                <a:latin typeface="Adobe Song Std L" pitchFamily="18" charset="-128"/>
-                <a:ea typeface="Adobe Song Std L" pitchFamily="18" charset="-128"/>
-                <a:cs typeface="Adobe Hebrew" pitchFamily="18" charset="-79"/>
-              </a:rPr>
-              <a:t>) is </a:t>
-            </a:r>
-            <a:r>
-              <a:rPr lang="en-US" sz="2000" i="1" smtClean="0">
-                <a:latin typeface="Adobe Song Std L" pitchFamily="18" charset="-128"/>
-                <a:ea typeface="Adobe Song Std L" pitchFamily="18" charset="-128"/>
-                <a:cs typeface="Adobe Hebrew" pitchFamily="18" charset="-79"/>
-              </a:rPr>
-              <a:t>a</a:t>
-            </a:r>
-            <a:r>
-              <a:rPr lang="en-US" sz="2000" i="1">
-                <a:latin typeface="Adobe Song Std L" pitchFamily="18" charset="-128"/>
-                <a:ea typeface="Adobe Song Std L" pitchFamily="18" charset="-128"/>
-                <a:cs typeface="Adobe Hebrew" pitchFamily="18" charset="-79"/>
-              </a:rPr>
-              <a:t> </a:t>
-            </a:r>
-            <a:endParaRPr lang="en-US" sz="2000" i="1" smtClean="0">
-              <a:latin typeface="Adobe Song Std L" pitchFamily="18" charset="-128"/>
-              <a:ea typeface="Adobe Song Std L" pitchFamily="18" charset="-128"/>
-              <a:cs typeface="Adobe Hebrew" pitchFamily="18" charset="-79"/>
-            </a:endParaRPr>
-          </a:p>
-          <a:p>
-            <a:pPr marL="0" indent="0" algn="ctr">
-              <a:buNone/>
-            </a:pPr>
-            <a:r>
-              <a:rPr lang="en-US" sz="2000" b="1" i="1" smtClean="0">
-                <a:latin typeface="Adobe Song Std L" pitchFamily="18" charset="-128"/>
-                <a:ea typeface="Adobe Song Std L" pitchFamily="18" charset="-128"/>
-                <a:cs typeface="Adobe Hebrew" pitchFamily="18" charset="-79"/>
-                <a:hlinkClick r:id="rId5" tooltip="Distributed revision control"/>
-              </a:rPr>
-              <a:t>distributed </a:t>
-            </a:r>
-            <a:r>
-              <a:rPr lang="en-US" sz="2000" b="1" i="1">
-                <a:latin typeface="Adobe Song Std L" pitchFamily="18" charset="-128"/>
-                <a:ea typeface="Adobe Song Std L" pitchFamily="18" charset="-128"/>
-                <a:cs typeface="Adobe Hebrew" pitchFamily="18" charset="-79"/>
-                <a:hlinkClick r:id="rId5" tooltip="Distributed revision control"/>
-              </a:rPr>
-              <a:t>revision control</a:t>
-            </a:r>
-            <a:r>
-              <a:rPr lang="en-US" sz="2000" i="1">
-                <a:latin typeface="Adobe Song Std L" pitchFamily="18" charset="-128"/>
-                <a:ea typeface="Adobe Song Std L" pitchFamily="18" charset="-128"/>
-                <a:cs typeface="Adobe Hebrew" pitchFamily="18" charset="-79"/>
-              </a:rPr>
-              <a:t> </a:t>
-            </a:r>
-          </a:p>
-          <a:p>
-            <a:pPr marL="0" indent="0" algn="ctr">
-              <a:buNone/>
-            </a:pPr>
-            <a:r>
-              <a:rPr lang="en-US" sz="2000" i="1" smtClean="0">
-                <a:latin typeface="Adobe Song Std L" pitchFamily="18" charset="-128"/>
-                <a:ea typeface="Adobe Song Std L" pitchFamily="18" charset="-128"/>
-                <a:cs typeface="Adobe Hebrew" pitchFamily="18" charset="-79"/>
-              </a:rPr>
-              <a:t>and</a:t>
-            </a:r>
-            <a:r>
-              <a:rPr lang="en-US" sz="2000" i="1">
-                <a:latin typeface="Adobe Song Std L" pitchFamily="18" charset="-128"/>
-                <a:ea typeface="Adobe Song Std L" pitchFamily="18" charset="-128"/>
-                <a:cs typeface="Adobe Hebrew" pitchFamily="18" charset="-79"/>
-              </a:rPr>
-              <a:t> </a:t>
-            </a:r>
-            <a:r>
-              <a:rPr lang="en-US" sz="2000" b="1" i="1" smtClean="0">
-                <a:latin typeface="Adobe Song Std L" pitchFamily="18" charset="-128"/>
-                <a:ea typeface="Adobe Song Std L" pitchFamily="18" charset="-128"/>
-                <a:cs typeface="Adobe Hebrew" pitchFamily="18" charset="-79"/>
-                <a:hlinkClick r:id="rId6" tooltip="Source code management"/>
-              </a:rPr>
-              <a:t>source </a:t>
-            </a:r>
-            <a:r>
-              <a:rPr lang="en-US" sz="2000" b="1" i="1">
-                <a:latin typeface="Adobe Song Std L" pitchFamily="18" charset="-128"/>
-                <a:ea typeface="Adobe Song Std L" pitchFamily="18" charset="-128"/>
-                <a:cs typeface="Adobe Hebrew" pitchFamily="18" charset="-79"/>
-                <a:hlinkClick r:id="rId6" tooltip="Source code management"/>
-              </a:rPr>
-              <a:t>code management</a:t>
-            </a:r>
-            <a:r>
-              <a:rPr lang="en-US" sz="2000" i="1">
-                <a:latin typeface="Adobe Song Std L" pitchFamily="18" charset="-128"/>
-                <a:ea typeface="Adobe Song Std L" pitchFamily="18" charset="-128"/>
-                <a:cs typeface="Adobe Hebrew" pitchFamily="18" charset="-79"/>
-              </a:rPr>
-              <a:t> (SCM) system </a:t>
-            </a:r>
-            <a:endParaRPr lang="en-US" sz="2000" i="1" smtClean="0">
-              <a:latin typeface="Adobe Song Std L" pitchFamily="18" charset="-128"/>
-              <a:ea typeface="Adobe Song Std L" pitchFamily="18" charset="-128"/>
-              <a:cs typeface="Adobe Hebrew" pitchFamily="18" charset="-79"/>
-            </a:endParaRPr>
-          </a:p>
-          <a:p>
-            <a:pPr marL="0" indent="0" algn="ctr">
-              <a:buNone/>
-            </a:pPr>
-            <a:r>
-              <a:rPr lang="en-US" sz="2000" i="1" smtClean="0">
-                <a:latin typeface="Adobe Song Std L" pitchFamily="18" charset="-128"/>
-                <a:ea typeface="Adobe Song Std L" pitchFamily="18" charset="-128"/>
-                <a:cs typeface="Adobe Hebrew" pitchFamily="18" charset="-79"/>
-              </a:rPr>
-              <a:t>with </a:t>
-            </a:r>
-            <a:r>
-              <a:rPr lang="en-US" sz="2000" i="1">
-                <a:latin typeface="Adobe Song Std L" pitchFamily="18" charset="-128"/>
-                <a:ea typeface="Adobe Song Std L" pitchFamily="18" charset="-128"/>
-                <a:cs typeface="Adobe Hebrew" pitchFamily="18" charset="-79"/>
-              </a:rPr>
-              <a:t>an emphasis on </a:t>
-            </a:r>
-            <a:r>
-              <a:rPr lang="en-US" sz="2000" i="1" smtClean="0">
-                <a:latin typeface="Adobe Song Std L" pitchFamily="18" charset="-128"/>
-                <a:ea typeface="Adobe Song Std L" pitchFamily="18" charset="-128"/>
-                <a:cs typeface="Adobe Hebrew" pitchFamily="18" charset="-79"/>
-              </a:rPr>
-              <a:t>speed…</a:t>
-            </a:r>
-          </a:p>
-          <a:p>
-            <a:pPr marL="0" indent="0" algn="ctr">
-              <a:buNone/>
-            </a:pPr>
-            <a:r>
-              <a:rPr lang="en-US" sz="2000" i="1">
-                <a:latin typeface="Adobe Song Std L" pitchFamily="18" charset="-128"/>
-                <a:ea typeface="Adobe Song Std L" pitchFamily="18" charset="-128"/>
-                <a:cs typeface="Adobe Hebrew" pitchFamily="18" charset="-79"/>
-              </a:rPr>
-              <a:t>Git was initially designed and developed </a:t>
-            </a:r>
-            <a:endParaRPr lang="en-US" sz="2000" i="1" smtClean="0">
-              <a:latin typeface="Adobe Song Std L" pitchFamily="18" charset="-128"/>
-              <a:ea typeface="Adobe Song Std L" pitchFamily="18" charset="-128"/>
-              <a:cs typeface="Adobe Hebrew" pitchFamily="18" charset="-79"/>
-            </a:endParaRPr>
-          </a:p>
-          <a:p>
-            <a:pPr marL="0" indent="0" algn="ctr">
-              <a:buNone/>
-            </a:pPr>
-            <a:r>
-              <a:rPr lang="en-US" sz="2000" i="1" smtClean="0">
-                <a:latin typeface="Adobe Song Std L" pitchFamily="18" charset="-128"/>
-                <a:ea typeface="Adobe Song Std L" pitchFamily="18" charset="-128"/>
-                <a:cs typeface="Adobe Hebrew" pitchFamily="18" charset="-79"/>
-              </a:rPr>
-              <a:t>by</a:t>
-            </a:r>
-            <a:r>
-              <a:rPr lang="en-US" sz="2000" i="1">
-                <a:latin typeface="Adobe Song Std L" pitchFamily="18" charset="-128"/>
-                <a:ea typeface="Adobe Song Std L" pitchFamily="18" charset="-128"/>
-                <a:cs typeface="Adobe Hebrew" pitchFamily="18" charset="-79"/>
-              </a:rPr>
-              <a:t> </a:t>
-            </a:r>
-            <a:r>
-              <a:rPr lang="en-US" sz="2000" b="1">
-                <a:latin typeface="Adobe Song Std L" pitchFamily="18" charset="-128"/>
-                <a:ea typeface="Adobe Song Std L" pitchFamily="18" charset="-128"/>
-                <a:cs typeface="Adobe Hebrew" pitchFamily="18" charset="-79"/>
-                <a:hlinkClick r:id="rId7" tooltip="Linus Torvalds"/>
-              </a:rPr>
-              <a:t>Linus Torvalds</a:t>
-            </a:r>
-            <a:r>
-              <a:rPr lang="en-US" sz="2000" i="1">
-                <a:latin typeface="Adobe Song Std L" pitchFamily="18" charset="-128"/>
-                <a:ea typeface="Adobe Song Std L" pitchFamily="18" charset="-128"/>
-                <a:cs typeface="Adobe Hebrew" pitchFamily="18" charset="-79"/>
-              </a:rPr>
-              <a:t> for</a:t>
-            </a:r>
-            <a:r>
-              <a:rPr lang="en-US" sz="2000" b="1">
-                <a:latin typeface="Adobe Song Std L" pitchFamily="18" charset="-128"/>
-                <a:ea typeface="Adobe Song Std L" pitchFamily="18" charset="-128"/>
-                <a:cs typeface="Adobe Hebrew" pitchFamily="18" charset="-79"/>
-              </a:rPr>
-              <a:t> </a:t>
-            </a:r>
-            <a:r>
-              <a:rPr lang="en-US" sz="2000" b="1">
-                <a:latin typeface="Adobe Song Std L" pitchFamily="18" charset="-128"/>
-                <a:ea typeface="Adobe Song Std L" pitchFamily="18" charset="-128"/>
-                <a:cs typeface="Adobe Hebrew" pitchFamily="18" charset="-79"/>
-                <a:hlinkClick r:id="rId8" tooltip="Linux kernel"/>
-              </a:rPr>
-              <a:t>Linux kernel</a:t>
-            </a:r>
-            <a:r>
-              <a:rPr lang="en-US" sz="2000" i="1">
-                <a:latin typeface="Adobe Song Std L" pitchFamily="18" charset="-128"/>
-                <a:ea typeface="Adobe Song Std L" pitchFamily="18" charset="-128"/>
-                <a:cs typeface="Adobe Hebrew" pitchFamily="18" charset="-79"/>
-              </a:rPr>
-              <a:t> </a:t>
-            </a:r>
-            <a:r>
-              <a:rPr lang="en-US" sz="2000" i="1" smtClean="0">
-                <a:latin typeface="Adobe Song Std L" pitchFamily="18" charset="-128"/>
-                <a:ea typeface="Adobe Song Std L" pitchFamily="18" charset="-128"/>
-                <a:cs typeface="Adobe Hebrew" pitchFamily="18" charset="-79"/>
-              </a:rPr>
-              <a:t>development…</a:t>
-            </a:r>
-            <a:r>
-              <a:rPr lang="en-US" sz="2000" i="1" smtClean="0">
-                <a:latin typeface="Adobe Song Std L" pitchFamily="18" charset="-128"/>
-                <a:ea typeface="Adobe Song Std L" pitchFamily="18" charset="-128"/>
-              </a:rPr>
-              <a:t>”</a:t>
-            </a:r>
-          </a:p>
-          <a:p>
-            <a:pPr marL="0" indent="0" algn="ctr">
-              <a:buNone/>
-            </a:pPr>
-            <a:endParaRPr lang="en-US" sz="2400" smtClean="0"/>
-          </a:p>
-          <a:p>
-            <a:pPr marL="0" indent="0" algn="ctr">
-              <a:buNone/>
-            </a:pPr>
-            <a:r>
-              <a:rPr lang="en-US" sz="2400" smtClean="0"/>
-              <a:t>- Git (Wikipedia) -</a:t>
-            </a:r>
-            <a:endParaRPr lang="en-US" sz="2400"/>
-          </a:p>
-        </p:txBody>
-      </p:sp>
-    </p:spTree>
-    <p:extLst>
-      <p:ext uri="{BB962C8B-B14F-4D97-AF65-F5344CB8AC3E}">
-        <p14:creationId xmlns:p14="http://schemas.microsoft.com/office/powerpoint/2010/main" val="2188736779"/>
-      </p:ext>
-    </p:extLst>
-  </p:cSld>
-  <p:clrMapOvr>
-    <a:masterClrMapping/>
-  </p:clrMapOvr>
-  <mc:AlternateContent xmlns:mc="http://schemas.openxmlformats.org/markup-compatibility/2006" xmlns:p14="http://schemas.microsoft.com/office/powerpoint/2010/main">
-    <mc:Choice Requires="p14">
-      <p:transition spd="slow" p14:dur="1400">
-        <p14:doors dir="vert"/>
-      </p:transition>
-    </mc:Choice>
-    <mc:Fallback xmlns="">
-      <p:transition spd="slow">
-        <p:fade/>
-      </p:transition>
-    </mc:Fallback>
-  </mc:AlternateContent>
-  <p:timing>
-    <p:tnLst>
-      <p:par>
-        <p:cTn id="1" dur="indefinite" restart="never" nodeType="tmRoot"/>
-      </p:par>
-    </p:tnLst>
-  </p:timing>
-</p:sld>
-</file>
-
-<file path=ppt/slides/slide30.xml><?xml version="1.0" encoding="utf-8"?>
+<file path=ppt/slides/slide31.xml><?xml version="1.0" encoding="utf-8"?>
 <p:sld xmlns:a="http://schemas.openxmlformats.org/drawingml/2006/main" xmlns:r="http://schemas.openxmlformats.org/officeDocument/2006/relationships" xmlns:p="http://schemas.openxmlformats.org/presentationml/2006/main">
   <p:cSld>
     <p:bg>
@@ -13158,7 +13292,7 @@
 </p:sld>
 </file>
 
-<file path=ppt/slides/slide31.xml><?xml version="1.0" encoding="utf-8"?>
+<file path=ppt/slides/slide32.xml><?xml version="1.0" encoding="utf-8"?>
 <p:sld xmlns:a="http://schemas.openxmlformats.org/drawingml/2006/main" xmlns:r="http://schemas.openxmlformats.org/officeDocument/2006/relationships" xmlns:p="http://schemas.openxmlformats.org/presentationml/2006/main">
   <p:cSld>
     <p:bg>
@@ -13250,7 +13384,7 @@
 </p:sld>
 </file>
 
-<file path=ppt/slides/slide32.xml><?xml version="1.0" encoding="utf-8"?>
+<file path=ppt/slides/slide33.xml><?xml version="1.0" encoding="utf-8"?>
 <p:sld xmlns:a="http://schemas.openxmlformats.org/drawingml/2006/main" xmlns:r="http://schemas.openxmlformats.org/officeDocument/2006/relationships" xmlns:p="http://schemas.openxmlformats.org/presentationml/2006/main">
   <p:cSld>
     <p:bg>
@@ -14411,7 +14545,7 @@
 </p:sld>
 </file>
 
-<file path=ppt/slides/slide33.xml><?xml version="1.0" encoding="utf-8"?>
+<file path=ppt/slides/slide34.xml><?xml version="1.0" encoding="utf-8"?>
 <p:sld xmlns:a="http://schemas.openxmlformats.org/drawingml/2006/main" xmlns:r="http://schemas.openxmlformats.org/officeDocument/2006/relationships" xmlns:p="http://schemas.openxmlformats.org/presentationml/2006/main">
   <p:cSld>
     <p:bg>
@@ -15279,25 +15413,7 @@
                 </a:solidFill>
                 <a:latin typeface="Source Code Pro" pitchFamily="49" charset="0"/>
               </a:rPr>
-              <a:t># delete </a:t>
-            </a:r>
-            <a:r>
-              <a:rPr lang="en-US" sz="1600" b="1" smtClean="0">
-                <a:solidFill>
-                  <a:srgbClr val="53777A"/>
-                </a:solidFill>
-                <a:latin typeface="Source Code Pro" pitchFamily="49" charset="0"/>
-              </a:rPr>
-              <a:t>a </a:t>
-            </a:r>
-            <a:r>
-              <a:rPr lang="en-US" sz="1600" b="1" smtClean="0">
-                <a:solidFill>
-                  <a:srgbClr val="53777A"/>
-                </a:solidFill>
-                <a:latin typeface="Source Code Pro" pitchFamily="49" charset="0"/>
-              </a:rPr>
-              <a:t>branch</a:t>
+              <a:t># delete a branch</a:t>
             </a:r>
           </a:p>
           <a:p>
@@ -15305,7 +15421,7 @@
               <a:buNone/>
             </a:pPr>
             <a:r>
-              <a:rPr lang="en-US" sz="1600" b="1" smtClean="0">
+              <a:rPr lang="en-US" sz="1600" b="1" dirty="0" smtClean="0">
                 <a:solidFill>
                   <a:schemeClr val="bg2">
                     <a:lumMod val="90000"/>
@@ -15621,7 +15737,7 @@
 </p:sld>
 </file>
 
-<file path=ppt/slides/slide34.xml><?xml version="1.0" encoding="utf-8"?>
+<file path=ppt/slides/slide35.xml><?xml version="1.0" encoding="utf-8"?>
 <p:sld xmlns:a="http://schemas.openxmlformats.org/drawingml/2006/main" xmlns:r="http://schemas.openxmlformats.org/officeDocument/2006/relationships" xmlns:p="http://schemas.openxmlformats.org/presentationml/2006/main">
   <p:cSld>
     <p:bg>
@@ -15734,7 +15850,7 @@
 </p:sld>
 </file>
 
-<file path=ppt/slides/slide35.xml><?xml version="1.0" encoding="utf-8"?>
+<file path=ppt/slides/slide36.xml><?xml version="1.0" encoding="utf-8"?>
 <p:sld xmlns:a="http://schemas.openxmlformats.org/drawingml/2006/main" xmlns:r="http://schemas.openxmlformats.org/officeDocument/2006/relationships" xmlns:p="http://schemas.openxmlformats.org/presentationml/2006/main">
   <p:cSld>
     <p:bg>
@@ -17338,7 +17454,7 @@
 </p:sld>
 </file>
 
-<file path=ppt/slides/slide36.xml><?xml version="1.0" encoding="utf-8"?>
+<file path=ppt/slides/slide37.xml><?xml version="1.0" encoding="utf-8"?>
 <p:sld xmlns:a="http://schemas.openxmlformats.org/drawingml/2006/main" xmlns:r="http://schemas.openxmlformats.org/officeDocument/2006/relationships" xmlns:p="http://schemas.openxmlformats.org/presentationml/2006/main">
   <p:cSld>
     <p:bg>
@@ -17400,7 +17516,7 @@
         <p:spPr>
           <a:xfrm>
             <a:off x="457200" y="1000585"/>
-            <a:ext cx="6532558" cy="4347344"/>
+            <a:ext cx="6811480" cy="4331955"/>
           </a:xfrm>
           <a:prstGeom prst="rect">
             <a:avLst/>
@@ -17414,7 +17530,7 @@
           <a:lstStyle/>
           <a:p>
             <a:r>
-              <a:rPr lang="en-US" smtClean="0">
+              <a:rPr lang="en-US" dirty="0" err="1" smtClean="0">
                 <a:solidFill>
                   <a:srgbClr val="EECE78"/>
                 </a:solidFill>
@@ -17423,42 +17539,69 @@
               <a:t>Gitref</a:t>
             </a:r>
             <a:r>
-              <a:rPr lang="en-US" smtClean="0"/>
+              <a:rPr lang="en-US" dirty="0" smtClean="0"/>
               <a:t>: </a:t>
             </a:r>
             <a:r>
-              <a:rPr lang="en-US" smtClean="0">
+              <a:rPr lang="en-US" dirty="0" smtClean="0">
                 <a:hlinkClick r:id="rId2"/>
               </a:rPr>
-              <a:t>http://gitref.org</a:t>
-            </a:r>
-            <a:endParaRPr lang="en-US" smtClean="0"/>
-          </a:p>
-          <a:p>
-            <a:r>
-              <a:rPr lang="en-US" smtClean="0">
+              <a:t>http://</a:t>
+            </a:r>
+            <a:r>
+              <a:rPr lang="en-US" dirty="0" err="1" smtClean="0">
+                <a:hlinkClick r:id="rId2"/>
+              </a:rPr>
+              <a:t>gitref.org</a:t>
+            </a:r>
+            <a:endParaRPr lang="en-US" dirty="0" smtClean="0"/>
+          </a:p>
+          <a:p>
+            <a:r>
+              <a:rPr lang="en-US" dirty="0" err="1" smtClean="0">
                 <a:solidFill>
                   <a:srgbClr val="EECE78"/>
                 </a:solidFill>
                 <a:latin typeface="+mj-lt"/>
               </a:rPr>
-              <a:t>Github help</a:t>
-            </a:r>
-            <a:r>
-              <a:rPr lang="en-US" smtClean="0"/>
+              <a:t>Github</a:t>
+            </a:r>
+            <a:r>
+              <a:rPr lang="en-US" dirty="0" smtClean="0">
+                <a:solidFill>
+                  <a:srgbClr val="EECE78"/>
+                </a:solidFill>
+                <a:latin typeface="+mj-lt"/>
+              </a:rPr>
+              <a:t> help</a:t>
+            </a:r>
+            <a:r>
+              <a:rPr lang="en-US" dirty="0" smtClean="0"/>
               <a:t>: </a:t>
             </a:r>
             <a:r>
-              <a:rPr lang="en-US" smtClean="0">
+              <a:rPr lang="en-US" dirty="0" smtClean="0">
                 <a:hlinkClick r:id="rId3"/>
               </a:rPr>
-              <a:t>https://help.github.com/</a:t>
-            </a:r>
-            <a:endParaRPr lang="en-US" smtClean="0"/>
-          </a:p>
-          <a:p>
-            <a:r>
-              <a:rPr lang="en-US" smtClean="0">
+              <a:t>https://</a:t>
+            </a:r>
+            <a:r>
+              <a:rPr lang="en-US" dirty="0" err="1" smtClean="0">
+                <a:hlinkClick r:id="rId3"/>
+              </a:rPr>
+              <a:t>help.github.com</a:t>
+            </a:r>
+            <a:r>
+              <a:rPr lang="en-US" dirty="0" smtClean="0">
+                <a:hlinkClick r:id="rId3"/>
+              </a:rPr>
+              <a:t>/</a:t>
+            </a:r>
+            <a:endParaRPr lang="en-US" dirty="0" smtClean="0"/>
+          </a:p>
+          <a:p>
+            <a:r>
+              <a:rPr lang="en-US" dirty="0" err="1" smtClean="0">
                 <a:solidFill>
                   <a:srgbClr val="EECE78"/>
                 </a:solidFill>
@@ -17467,93 +17610,192 @@
               <a:t>Git-scm</a:t>
             </a:r>
             <a:r>
-              <a:rPr lang="en-US" smtClean="0"/>
+              <a:rPr lang="en-US" dirty="0" smtClean="0"/>
               <a:t>: </a:t>
             </a:r>
             <a:r>
-              <a:rPr lang="en-US" smtClean="0">
+              <a:rPr lang="en-US" dirty="0" smtClean="0">
                 <a:hlinkClick r:id="rId4"/>
               </a:rPr>
-              <a:t>http://git-scm.org/</a:t>
-            </a:r>
-            <a:endParaRPr lang="en-US" smtClean="0"/>
-          </a:p>
-          <a:p>
-            <a:r>
-              <a:rPr lang="en-US" smtClean="0">
+              <a:t>http://</a:t>
+            </a:r>
+            <a:r>
+              <a:rPr lang="en-US" dirty="0" err="1" smtClean="0">
+                <a:hlinkClick r:id="rId4"/>
+              </a:rPr>
+              <a:t>git-scm.org</a:t>
+            </a:r>
+            <a:r>
+              <a:rPr lang="en-US" dirty="0" smtClean="0">
+                <a:hlinkClick r:id="rId4"/>
+              </a:rPr>
+              <a:t>/</a:t>
+            </a:r>
+            <a:endParaRPr lang="en-US" dirty="0" smtClean="0"/>
+          </a:p>
+          <a:p>
+            <a:r>
+              <a:rPr lang="en-US" dirty="0" smtClean="0">
                 <a:solidFill>
                   <a:srgbClr val="EECE78"/>
                 </a:solidFill>
                 <a:latin typeface="+mj-lt"/>
               </a:rPr>
-              <a:t>Pro git book</a:t>
-            </a:r>
-            <a:r>
-              <a:rPr lang="en-US" smtClean="0"/>
+              <a:t>Pro </a:t>
+            </a:r>
+            <a:r>
+              <a:rPr lang="en-US" dirty="0" err="1" smtClean="0">
+                <a:solidFill>
+                  <a:srgbClr val="EECE78"/>
+                </a:solidFill>
+                <a:latin typeface="+mj-lt"/>
+              </a:rPr>
+              <a:t>git</a:t>
+            </a:r>
+            <a:r>
+              <a:rPr lang="en-US" dirty="0" smtClean="0">
+                <a:solidFill>
+                  <a:srgbClr val="EECE78"/>
+                </a:solidFill>
+                <a:latin typeface="+mj-lt"/>
+              </a:rPr>
+              <a:t> book</a:t>
+            </a:r>
+            <a:r>
+              <a:rPr lang="en-US" dirty="0" smtClean="0"/>
               <a:t>: </a:t>
             </a:r>
             <a:r>
-              <a:rPr lang="en-US" smtClean="0">
+              <a:rPr lang="en-US" dirty="0" smtClean="0">
                 <a:hlinkClick r:id="rId5"/>
               </a:rPr>
-              <a:t>http://git-scm.com/book</a:t>
-            </a:r>
-            <a:endParaRPr lang="en-US" smtClean="0"/>
-          </a:p>
-          <a:p>
-            <a:endParaRPr lang="en-US" smtClean="0"/>
-          </a:p>
-          <a:p>
-            <a:endParaRPr lang="en-US"/>
-          </a:p>
-          <a:p>
-            <a:endParaRPr lang="en-US" smtClean="0"/>
-          </a:p>
-          <a:p>
-            <a:r>
-              <a:rPr lang="en-US" smtClean="0">
+              <a:t>http://</a:t>
+            </a:r>
+            <a:r>
+              <a:rPr lang="en-US" dirty="0" err="1" smtClean="0">
+                <a:hlinkClick r:id="rId5"/>
+              </a:rPr>
+              <a:t>git-scm.com</a:t>
+            </a:r>
+            <a:r>
+              <a:rPr lang="en-US" dirty="0" smtClean="0">
+                <a:hlinkClick r:id="rId5"/>
+              </a:rPr>
+              <a:t>/book</a:t>
+            </a:r>
+            <a:endParaRPr lang="en-US" dirty="0" smtClean="0"/>
+          </a:p>
+          <a:p>
+            <a:endParaRPr lang="en-US" dirty="0" smtClean="0"/>
+          </a:p>
+          <a:p>
+            <a:endParaRPr lang="en-US" dirty="0"/>
+          </a:p>
+          <a:p>
+            <a:endParaRPr lang="en-US" dirty="0" smtClean="0"/>
+          </a:p>
+          <a:p>
+            <a:r>
+              <a:rPr lang="en-US" dirty="0" smtClean="0">
                 <a:solidFill>
                   <a:srgbClr val="EECE78"/>
                 </a:solidFill>
                 <a:latin typeface="+mj-lt"/>
               </a:rPr>
-              <a:t>Advanced Git by Github's Matthew McCullough</a:t>
-            </a:r>
-          </a:p>
-          <a:p>
-            <a:r>
-              <a:rPr lang="en-US" sz="900">
+              <a:t>Advanced </a:t>
+            </a:r>
+            <a:r>
+              <a:rPr lang="en-US" dirty="0" err="1" smtClean="0">
+                <a:solidFill>
+                  <a:srgbClr val="EECE78"/>
+                </a:solidFill>
+                <a:latin typeface="+mj-lt"/>
+              </a:rPr>
+              <a:t>Git</a:t>
+            </a:r>
+            <a:r>
+              <a:rPr lang="en-US" dirty="0" smtClean="0">
+                <a:solidFill>
+                  <a:srgbClr val="EECE78"/>
+                </a:solidFill>
+                <a:latin typeface="+mj-lt"/>
+              </a:rPr>
+              <a:t> by </a:t>
+            </a:r>
+            <a:r>
+              <a:rPr lang="en-US" dirty="0" err="1" smtClean="0">
+                <a:solidFill>
+                  <a:srgbClr val="EECE78"/>
+                </a:solidFill>
+                <a:latin typeface="+mj-lt"/>
+              </a:rPr>
+              <a:t>Github's</a:t>
+            </a:r>
+            <a:r>
+              <a:rPr lang="en-US" dirty="0" smtClean="0">
+                <a:solidFill>
+                  <a:srgbClr val="EECE78"/>
+                </a:solidFill>
+                <a:latin typeface="+mj-lt"/>
+              </a:rPr>
+              <a:t> Matthew McCullough</a:t>
+            </a:r>
+          </a:p>
+          <a:p>
+            <a:r>
+              <a:rPr lang="en-US" sz="900" dirty="0">
                 <a:latin typeface="+mj-lt"/>
                 <a:hlinkClick r:id="rId6"/>
               </a:rPr>
-              <a:t>http://marakana.com/s/advanced_git_graphs__hashes__</a:t>
-            </a:r>
-            <a:r>
-              <a:rPr lang="en-US" sz="900" smtClean="0">
+              <a:t>http://</a:t>
+            </a:r>
+            <a:r>
+              <a:rPr lang="en-US" sz="900" dirty="0" err="1">
                 <a:latin typeface="+mj-lt"/>
                 <a:hlinkClick r:id="rId6"/>
               </a:rPr>
-              <a:t>compression_matthew_mccullough_github,1280/index.htm</a:t>
-            </a:r>
-            <a:r>
-              <a:rPr lang="en-US" sz="800" smtClean="0">
+              <a:t>marakana.com</a:t>
+            </a:r>
+            <a:r>
+              <a:rPr lang="en-US" sz="900" dirty="0">
                 <a:latin typeface="+mj-lt"/>
                 <a:hlinkClick r:id="rId6"/>
               </a:rPr>
+              <a:t>/s/advanced_git_graphs__hashes__</a:t>
+            </a:r>
+            <a:r>
+              <a:rPr lang="en-US" sz="900" dirty="0" smtClean="0">
+                <a:latin typeface="+mj-lt"/>
+                <a:hlinkClick r:id="rId6"/>
+              </a:rPr>
+              <a:t>compression_matthew_mccullough_github,1280/</a:t>
+            </a:r>
+            <a:r>
+              <a:rPr lang="en-US" sz="900" dirty="0" err="1" smtClean="0">
+                <a:latin typeface="+mj-lt"/>
+                <a:hlinkClick r:id="rId6"/>
+              </a:rPr>
+              <a:t>index.htm</a:t>
+            </a:r>
+            <a:r>
+              <a:rPr lang="en-US" sz="800" dirty="0" err="1" smtClean="0">
+                <a:latin typeface="+mj-lt"/>
+                <a:hlinkClick r:id="rId6"/>
+              </a:rPr>
               <a:t>l</a:t>
             </a:r>
-            <a:endParaRPr lang="en-US" sz="800" smtClean="0">
+            <a:endParaRPr lang="en-US" sz="800" dirty="0" smtClean="0">
               <a:latin typeface="+mj-lt"/>
             </a:endParaRPr>
           </a:p>
           <a:p>
-            <a:endParaRPr lang="en-US" sz="2000" smtClean="0">
+            <a:endParaRPr lang="en-US" sz="2000" dirty="0" smtClean="0">
               <a:hlinkClick r:id="rId7"/>
             </a:endParaRPr>
           </a:p>
           <a:p>
             <a:r>
-              <a:rPr lang="en-US" sz="2000" smtClean="0">
+              <a:rPr lang="en-US" sz="2000" dirty="0" smtClean="0">
                 <a:solidFill>
                   <a:srgbClr val="EECE78"/>
                 </a:solidFill>
@@ -17562,82 +17804,196 @@
               <a:t>Introduction </a:t>
             </a:r>
             <a:r>
-              <a:rPr lang="en-US" sz="2000">
+              <a:rPr lang="en-US" sz="2000" dirty="0">
                 <a:solidFill>
                   <a:srgbClr val="EECE78"/>
                 </a:solidFill>
                 <a:latin typeface="+mj-lt"/>
               </a:rPr>
-              <a:t>to Git with Scott Chacon of GitHub</a:t>
-            </a:r>
-          </a:p>
-          <a:p>
-            <a:r>
-              <a:rPr lang="en-US" sz="1100">
+              <a:t>to </a:t>
+            </a:r>
+            <a:r>
+              <a:rPr lang="en-US" sz="2000" dirty="0" err="1">
+                <a:solidFill>
+                  <a:srgbClr val="EECE78"/>
+                </a:solidFill>
+                <a:latin typeface="+mj-lt"/>
+              </a:rPr>
+              <a:t>Git</a:t>
+            </a:r>
+            <a:r>
+              <a:rPr lang="en-US" sz="2000" dirty="0">
+                <a:solidFill>
+                  <a:srgbClr val="EECE78"/>
+                </a:solidFill>
+                <a:latin typeface="+mj-lt"/>
+              </a:rPr>
+              <a:t> with Scott Chacon of </a:t>
+            </a:r>
+            <a:r>
+              <a:rPr lang="en-US" sz="2000" dirty="0" err="1">
+                <a:solidFill>
+                  <a:srgbClr val="EECE78"/>
+                </a:solidFill>
+                <a:latin typeface="+mj-lt"/>
+              </a:rPr>
+              <a:t>GitHub</a:t>
+            </a:r>
+            <a:endParaRPr lang="en-US" sz="2000" dirty="0">
+              <a:solidFill>
+                <a:srgbClr val="EECE78"/>
+              </a:solidFill>
+              <a:latin typeface="+mj-lt"/>
+            </a:endParaRPr>
+          </a:p>
+          <a:p>
+            <a:r>
+              <a:rPr lang="en-US" sz="1100" b="1" dirty="0">
                 <a:hlinkClick r:id="rId7"/>
               </a:rPr>
-              <a:t>http://marakana.com/s/video_introduction_to_git_with_scott_chacon_of_github,399/index.html</a:t>
-            </a:r>
-            <a:endParaRPr lang="en-US" sz="1100"/>
-          </a:p>
-          <a:p>
-            <a:endParaRPr lang="en-US" sz="1200" smtClean="0"/>
-          </a:p>
-          <a:p>
-            <a:r>
-              <a:rPr lang="en-US" sz="2000" smtClean="0">
+              <a:t>http://</a:t>
+            </a:r>
+            <a:r>
+              <a:rPr lang="en-US" sz="1100" b="1" dirty="0" err="1">
+                <a:hlinkClick r:id="rId7"/>
+              </a:rPr>
+              <a:t>marakana.com</a:t>
+            </a:r>
+            <a:r>
+              <a:rPr lang="en-US" sz="1100" b="1" dirty="0">
+                <a:hlinkClick r:id="rId7"/>
+              </a:rPr>
+              <a:t>/s/</a:t>
+            </a:r>
+            <a:r>
+              <a:rPr lang="en-US" sz="1100" b="1" dirty="0" err="1">
+                <a:hlinkClick r:id="rId7"/>
+              </a:rPr>
+              <a:t>video_introduction_to_git_with_scott_chacon_of_github,399</a:t>
+            </a:r>
+            <a:r>
+              <a:rPr lang="en-US" sz="1100" b="1" dirty="0">
+                <a:hlinkClick r:id="rId7"/>
+              </a:rPr>
+              <a:t>/</a:t>
+            </a:r>
+            <a:r>
+              <a:rPr lang="en-US" sz="1100" b="1" dirty="0" err="1">
+                <a:hlinkClick r:id="rId7"/>
+              </a:rPr>
+              <a:t>index.html</a:t>
+            </a:r>
+            <a:endParaRPr lang="en-US" sz="1100" b="1" dirty="0"/>
+          </a:p>
+          <a:p>
+            <a:endParaRPr lang="en-US" sz="1200" dirty="0" smtClean="0"/>
+          </a:p>
+          <a:p>
+            <a:r>
+              <a:rPr lang="en-US" sz="2000" dirty="0" err="1" smtClean="0">
                 <a:solidFill>
                   <a:srgbClr val="EECE78"/>
                 </a:solidFill>
                 <a:latin typeface="+mj-lt"/>
               </a:rPr>
-              <a:t>Git Magic - </a:t>
-            </a:r>
-            <a:r>
-              <a:rPr lang="en-US" sz="2000">
+              <a:t>Git</a:t>
+            </a:r>
+            <a:r>
+              <a:rPr lang="en-US" sz="2000" dirty="0" smtClean="0">
                 <a:solidFill>
                   <a:srgbClr val="EECE78"/>
                 </a:solidFill>
                 <a:latin typeface="+mj-lt"/>
               </a:rPr>
-              <a:t>Tommy MacWilliam </a:t>
-            </a:r>
-            <a:r>
-              <a:rPr lang="en-US" sz="2000" smtClean="0">
+              <a:t> Magic - </a:t>
+            </a:r>
+            <a:r>
+              <a:rPr lang="en-US" sz="2000" dirty="0">
                 <a:solidFill>
                   <a:srgbClr val="EECE78"/>
                 </a:solidFill>
                 <a:latin typeface="+mj-lt"/>
               </a:rPr>
+              <a:t>Tommy </a:t>
+            </a:r>
+            <a:r>
+              <a:rPr lang="en-US" sz="2000" dirty="0" err="1">
+                <a:solidFill>
+                  <a:srgbClr val="EECE78"/>
+                </a:solidFill>
+                <a:latin typeface="+mj-lt"/>
+              </a:rPr>
+              <a:t>MacWilliam</a:t>
+            </a:r>
+            <a:r>
+              <a:rPr lang="en-US" sz="2000" dirty="0">
+                <a:solidFill>
+                  <a:srgbClr val="EECE78"/>
+                </a:solidFill>
+                <a:latin typeface="+mj-lt"/>
+              </a:rPr>
+              <a:t> </a:t>
+            </a:r>
+            <a:r>
+              <a:rPr lang="en-US" sz="2000" dirty="0" smtClean="0">
+                <a:solidFill>
+                  <a:srgbClr val="EECE78"/>
+                </a:solidFill>
+                <a:latin typeface="+mj-lt"/>
+              </a:rPr>
               <a:t>'13 from Harvard</a:t>
             </a:r>
           </a:p>
           <a:p>
             <a:r>
-              <a:rPr lang="en-US" sz="1100" b="1" smtClean="0">
+              <a:rPr lang="en-US" sz="1100" b="1" dirty="0" smtClean="0">
                 <a:hlinkClick r:id="rId8"/>
               </a:rPr>
               <a:t>http</a:t>
             </a:r>
             <a:r>
-              <a:rPr lang="en-US" sz="1100" b="1">
+              <a:rPr lang="en-US" sz="1100" b="1" dirty="0">
                 <a:hlinkClick r:id="rId8"/>
               </a:rPr>
               <a:t>://</a:t>
             </a:r>
             <a:r>
-              <a:rPr lang="en-US" sz="1100" b="1" smtClean="0">
+              <a:rPr lang="en-US" sz="1100" b="1" dirty="0" err="1" smtClean="0">
                 <a:hlinkClick r:id="rId8"/>
               </a:rPr>
-              <a:t>cs50.tv/2011/fall/seminars/Git_magic/Git_magic.mp4</a:t>
-            </a:r>
-            <a:endParaRPr lang="en-US" sz="1100" b="1" smtClean="0"/>
-          </a:p>
-          <a:p>
-            <a:endParaRPr lang="en-US" sz="1050" b="1"/>
-          </a:p>
-          <a:p>
-            <a:endParaRPr lang="en-US"/>
+              <a:t>cs50.tv</a:t>
+            </a:r>
+            <a:r>
+              <a:rPr lang="en-US" sz="1100" b="1" dirty="0" smtClean="0">
+                <a:hlinkClick r:id="rId8"/>
+              </a:rPr>
+              <a:t>/2011/fall/seminars/</a:t>
+            </a:r>
+            <a:r>
+              <a:rPr lang="en-US" sz="1100" b="1" dirty="0" err="1" smtClean="0">
+                <a:hlinkClick r:id="rId8"/>
+              </a:rPr>
+              <a:t>Git_magic</a:t>
+            </a:r>
+            <a:r>
+              <a:rPr lang="en-US" sz="1100" b="1" dirty="0" smtClean="0">
+                <a:hlinkClick r:id="rId8"/>
+              </a:rPr>
+              <a:t>/</a:t>
+            </a:r>
+            <a:r>
+              <a:rPr lang="en-US" sz="1100" b="1" dirty="0" err="1" smtClean="0">
+                <a:hlinkClick r:id="rId8"/>
+              </a:rPr>
+              <a:t>Git_magic.mp4</a:t>
+            </a:r>
+            <a:endParaRPr lang="en-US" sz="1100" b="1" dirty="0" smtClean="0"/>
+          </a:p>
+          <a:p>
+            <a:endParaRPr lang="en-US" sz="1050" b="1" dirty="0"/>
+          </a:p>
+          <a:p>
+            <a:endParaRPr lang="en-US" dirty="0"/>
           </a:p>
         </p:txBody>
       </p:sp>
@@ -17649,7 +18005,7 @@
         </p:nvSpPr>
         <p:spPr>
           <a:xfrm>
-            <a:off x="6655904" y="2343150"/>
+            <a:off x="6781800" y="2343150"/>
             <a:ext cx="2286000" cy="3154710"/>
           </a:xfrm>
           <a:prstGeom prst="rect">
@@ -17664,18 +18020,18 @@
           <a:lstStyle/>
           <a:p>
             <a:r>
-              <a:rPr lang="en-US" sz="19900" smtClean="0"/>
+              <a:rPr lang="en-US" sz="19900" dirty="0" smtClean="0"/>
               <a:t>}</a:t>
             </a:r>
             <a:r>
-              <a:rPr lang="en-US" sz="6000" smtClean="0"/>
+              <a:rPr lang="en-US" sz="6000" dirty="0" smtClean="0"/>
               <a:t> </a:t>
             </a:r>
             <a:r>
-              <a:rPr lang="en-US" sz="1400" smtClean="0"/>
+              <a:rPr lang="en-US" sz="1400" dirty="0" smtClean="0"/>
               <a:t>must watch!</a:t>
             </a:r>
-            <a:endParaRPr lang="en-US" sz="2000"/>
+            <a:endParaRPr lang="en-US" sz="2000" dirty="0"/>
           </a:p>
         </p:txBody>
       </p:sp>
@@ -17924,7 +18280,7 @@
 </p:sld>
 </file>
 
-<file path=ppt/slides/slide37.xml><?xml version="1.0" encoding="utf-8"?>
+<file path=ppt/slides/slide38.xml><?xml version="1.0" encoding="utf-8"?>
 <p:sld xmlns:a="http://schemas.openxmlformats.org/drawingml/2006/main" xmlns:r="http://schemas.openxmlformats.org/officeDocument/2006/relationships" xmlns:p="http://schemas.openxmlformats.org/presentationml/2006/main">
   <p:cSld>
     <p:bg>
@@ -18034,14 +18390,18 @@
           <a:lstStyle/>
           <a:p>
             <a:r>
-              <a:rPr lang="en-US" smtClean="0"/>
+              <a:rPr lang="en-US" dirty="0" smtClean="0"/>
               <a:t>typo? </a:t>
             </a:r>
             <a:r>
-              <a:rPr lang="en-US" sz="2000" smtClean="0"/>
-              <a:t>…don’t worry ;)</a:t>
-            </a:r>
-            <a:endParaRPr lang="en-US" sz="2000"/>
+              <a:rPr lang="en-US" sz="2000" dirty="0" smtClean="0"/>
+              <a:t>…don’t worry </a:t>
+            </a:r>
+            <a:r>
+              <a:rPr lang="en-US" sz="2000" dirty="0" smtClean="0"/>
+              <a:t>;)</a:t>
+            </a:r>
+            <a:endParaRPr lang="en-US" sz="2000" dirty="0"/>
           </a:p>
         </p:txBody>
       </p:sp>
@@ -18068,7 +18428,7 @@
 </p:sld>
 </file>
 
-<file path=ppt/slides/slide38.xml><?xml version="1.0" encoding="utf-8"?>
+<file path=ppt/slides/slide39.xml><?xml version="1.0" encoding="utf-8"?>
 <p:sld xmlns:a="http://schemas.openxmlformats.org/drawingml/2006/main" xmlns:r="http://schemas.openxmlformats.org/officeDocument/2006/relationships" xmlns:p="http://schemas.openxmlformats.org/presentationml/2006/main">
   <p:cSld>
     <p:bg>
@@ -18166,7 +18526,344 @@
 </p:sld>
 </file>
 
-<file path=ppt/slides/slide39.xml><?xml version="1.0" encoding="utf-8"?>
+<file path=ppt/slides/slide4.xml><?xml version="1.0" encoding="utf-8"?>
+<p:sld xmlns:a="http://schemas.openxmlformats.org/drawingml/2006/main" xmlns:r="http://schemas.openxmlformats.org/officeDocument/2006/relationships" xmlns:p="http://schemas.openxmlformats.org/presentationml/2006/main">
+  <p:cSld>
+    <p:bg>
+      <p:bgPr>
+        <a:solidFill>
+          <a:srgbClr val="53777A"/>
+        </a:solidFill>
+        <a:effectLst/>
+      </p:bgPr>
+    </p:bg>
+    <p:spTree>
+      <p:nvGrpSpPr>
+        <p:cNvPr id="1" name=""/>
+        <p:cNvGrpSpPr/>
+        <p:nvPr/>
+      </p:nvGrpSpPr>
+      <p:grpSpPr>
+        <a:xfrm>
+          <a:off x="0" y="0"/>
+          <a:ext cx="0" cy="0"/>
+          <a:chOff x="0" y="0"/>
+          <a:chExt cx="0" cy="0"/>
+        </a:xfrm>
+      </p:grpSpPr>
+      <p:sp>
+        <p:nvSpPr>
+          <p:cNvPr id="2" name="Title 1"/>
+          <p:cNvSpPr>
+            <a:spLocks noGrp="1"/>
+          </p:cNvSpPr>
+          <p:nvPr>
+            <p:ph type="title"/>
+          </p:nvPr>
+        </p:nvSpPr>
+        <p:spPr/>
+        <p:txBody>
+          <a:bodyPr/>
+          <a:lstStyle/>
+          <a:p>
+            <a:r>
+              <a:rPr lang="en-US" smtClean="0"/>
+              <a:t>tl;dr</a:t>
+            </a:r>
+            <a:endParaRPr lang="en-US"/>
+          </a:p>
+        </p:txBody>
+      </p:sp>
+      <p:sp>
+        <p:nvSpPr>
+          <p:cNvPr id="3" name="Content Placeholder 2"/>
+          <p:cNvSpPr>
+            <a:spLocks noGrp="1"/>
+          </p:cNvSpPr>
+          <p:nvPr>
+            <p:ph idx="1"/>
+          </p:nvPr>
+        </p:nvSpPr>
+        <p:spPr/>
+        <p:txBody>
+          <a:bodyPr>
+            <a:noAutofit/>
+          </a:bodyPr>
+          <a:lstStyle/>
+          <a:p>
+            <a:pPr marL="400050" lvl="1" indent="0">
+              <a:buNone/>
+            </a:pPr>
+            <a:r>
+              <a:rPr lang="en-US" sz="1800" dirty="0" smtClean="0"/>
+              <a:t>Installing </a:t>
+            </a:r>
+            <a:r>
+              <a:rPr lang="en-US" sz="1800" dirty="0" err="1" smtClean="0"/>
+              <a:t>git</a:t>
+            </a:r>
+            <a:r>
+              <a:rPr lang="en-US" sz="1800" dirty="0" smtClean="0"/>
+              <a:t> in your development machine</a:t>
+            </a:r>
+          </a:p>
+          <a:p>
+            <a:pPr marL="400050" lvl="1" indent="0">
+              <a:buNone/>
+            </a:pPr>
+            <a:r>
+              <a:rPr lang="en-US" sz="2000" dirty="0" smtClean="0">
+                <a:latin typeface="+mj-lt"/>
+              </a:rPr>
+              <a:t>MAC</a:t>
+            </a:r>
+            <a:r>
+              <a:rPr lang="en-US" sz="2000" dirty="0" smtClean="0"/>
+              <a:t>: </a:t>
+            </a:r>
+          </a:p>
+          <a:p>
+            <a:pPr lvl="1" indent="-342900"/>
+            <a:r>
+              <a:rPr lang="en-US" sz="1600" dirty="0" smtClean="0">
+                <a:hlinkClick r:id="rId2"/>
+              </a:rPr>
+              <a:t>http://</a:t>
+            </a:r>
+            <a:r>
+              <a:rPr lang="en-US" sz="1600" dirty="0" err="1" smtClean="0">
+                <a:hlinkClick r:id="rId2"/>
+              </a:rPr>
+              <a:t>code.google.com</a:t>
+            </a:r>
+            <a:r>
+              <a:rPr lang="en-US" sz="1600" dirty="0" smtClean="0">
+                <a:hlinkClick r:id="rId2"/>
+              </a:rPr>
+              <a:t>/p/</a:t>
+            </a:r>
+            <a:r>
+              <a:rPr lang="en-US" sz="1600" dirty="0" err="1" smtClean="0">
+                <a:hlinkClick r:id="rId2"/>
+              </a:rPr>
+              <a:t>git</a:t>
+            </a:r>
+            <a:r>
+              <a:rPr lang="en-US" sz="1600" dirty="0" smtClean="0">
+                <a:hlinkClick r:id="rId2"/>
+              </a:rPr>
+              <a:t>-</a:t>
+            </a:r>
+            <a:r>
+              <a:rPr lang="en-US" sz="1600" dirty="0" err="1" smtClean="0">
+                <a:hlinkClick r:id="rId2"/>
+              </a:rPr>
+              <a:t>osx</a:t>
+            </a:r>
+            <a:r>
+              <a:rPr lang="en-US" sz="1600" dirty="0" smtClean="0">
+                <a:hlinkClick r:id="rId2"/>
+              </a:rPr>
+              <a:t>-installer</a:t>
+            </a:r>
+            <a:endParaRPr lang="en-US" sz="1600" dirty="0" smtClean="0"/>
+          </a:p>
+          <a:p>
+            <a:pPr lvl="1" indent="-342900"/>
+            <a:r>
+              <a:rPr lang="en-US" sz="1600" dirty="0"/>
+              <a:t>http://</a:t>
+            </a:r>
+            <a:r>
+              <a:rPr lang="en-US" sz="1600" dirty="0" err="1"/>
+              <a:t>mac.github.com</a:t>
+            </a:r>
+            <a:r>
+              <a:rPr lang="en-US" sz="1600" dirty="0" smtClean="0"/>
+              <a:t>/</a:t>
+            </a:r>
+            <a:endParaRPr lang="en-US" sz="1600" dirty="0"/>
+          </a:p>
+          <a:p>
+            <a:pPr marL="400050" lvl="1" indent="0">
+              <a:buNone/>
+            </a:pPr>
+            <a:r>
+              <a:rPr lang="en-US" sz="2000" dirty="0" smtClean="0">
+                <a:latin typeface="+mj-lt"/>
+              </a:rPr>
+              <a:t>Windows</a:t>
+            </a:r>
+            <a:r>
+              <a:rPr lang="en-US" sz="1600" dirty="0" smtClean="0"/>
+              <a:t>: </a:t>
+            </a:r>
+          </a:p>
+          <a:p>
+            <a:pPr lvl="1" indent="-342900"/>
+            <a:r>
+              <a:rPr lang="en-US" sz="1600" dirty="0" smtClean="0">
+                <a:hlinkClick r:id="rId3"/>
+              </a:rPr>
+              <a:t>http://</a:t>
+            </a:r>
+            <a:r>
+              <a:rPr lang="en-US" sz="1600" dirty="0" err="1" smtClean="0">
+                <a:hlinkClick r:id="rId3"/>
+              </a:rPr>
+              <a:t>code.google.com</a:t>
+            </a:r>
+            <a:r>
+              <a:rPr lang="en-US" sz="1600" dirty="0" smtClean="0">
+                <a:hlinkClick r:id="rId3"/>
+              </a:rPr>
+              <a:t>/p/</a:t>
+            </a:r>
+            <a:r>
+              <a:rPr lang="en-US" sz="1600" dirty="0" err="1" smtClean="0">
+                <a:hlinkClick r:id="rId3"/>
+              </a:rPr>
+              <a:t>msysgit</a:t>
+            </a:r>
+            <a:endParaRPr lang="en-US" sz="1600" dirty="0" smtClean="0"/>
+          </a:p>
+          <a:p>
+            <a:pPr lvl="1" indent="-342900"/>
+            <a:r>
+              <a:rPr lang="en-US" sz="1600" dirty="0" smtClean="0">
+                <a:hlinkClick r:id="rId4"/>
+              </a:rPr>
+              <a:t>http</a:t>
+            </a:r>
+            <a:r>
+              <a:rPr lang="en-US" sz="1600" dirty="0">
+                <a:hlinkClick r:id="rId4"/>
+              </a:rPr>
+              <a:t>://</a:t>
+            </a:r>
+            <a:r>
+              <a:rPr lang="en-US" sz="1600" dirty="0" err="1">
+                <a:hlinkClick r:id="rId4"/>
+              </a:rPr>
+              <a:t>windows.github.com</a:t>
+            </a:r>
+            <a:r>
+              <a:rPr lang="en-US" sz="1600" dirty="0" smtClean="0">
+                <a:hlinkClick r:id="rId4"/>
+              </a:rPr>
+              <a:t>/</a:t>
+            </a:r>
+            <a:r>
+              <a:rPr lang="en-US" sz="1600" dirty="0" smtClean="0"/>
+              <a:t> &lt;- </a:t>
+            </a:r>
+            <a:r>
+              <a:rPr lang="en-US" sz="1200" dirty="0" smtClean="0"/>
+              <a:t>highly recommended</a:t>
+            </a:r>
+            <a:r>
+              <a:rPr lang="en-US" sz="1200" dirty="0" smtClean="0"/>
+              <a:t>!</a:t>
+            </a:r>
+            <a:r>
+              <a:rPr lang="en-US" sz="1600" dirty="0" smtClean="0"/>
+              <a:t> </a:t>
+            </a:r>
+            <a:r>
+              <a:rPr lang="en-US" sz="1100" dirty="0"/>
+              <a:t>-</a:t>
+            </a:r>
+            <a:r>
+              <a:rPr lang="en-US" sz="1100" dirty="0" smtClean="0"/>
+              <a:t>If you’re using Windows PC like me ;)</a:t>
+            </a:r>
+            <a:endParaRPr lang="en-US" sz="1600" dirty="0" smtClean="0"/>
+          </a:p>
+          <a:p>
+            <a:pPr marL="400050" lvl="1" indent="0">
+              <a:buNone/>
+            </a:pPr>
+            <a:r>
+              <a:rPr lang="en-US" sz="1600" dirty="0" smtClean="0">
+                <a:latin typeface="+mj-lt"/>
+              </a:rPr>
+              <a:t>Eclipse plugins:</a:t>
+            </a:r>
+          </a:p>
+          <a:p>
+            <a:pPr marL="685800" lvl="1"/>
+            <a:r>
+              <a:rPr lang="en-US" sz="1600" dirty="0">
+                <a:hlinkClick r:id="rId5"/>
+              </a:rPr>
+              <a:t>http://</a:t>
+            </a:r>
+            <a:r>
+              <a:rPr lang="en-US" sz="1600" dirty="0" err="1">
+                <a:hlinkClick r:id="rId5"/>
+              </a:rPr>
+              <a:t>eclipse.github.com</a:t>
+            </a:r>
+            <a:r>
+              <a:rPr lang="en-US" sz="1600" dirty="0" smtClean="0">
+                <a:hlinkClick r:id="rId5"/>
+              </a:rPr>
+              <a:t>/</a:t>
+            </a:r>
+            <a:endParaRPr lang="en-US" sz="1600" dirty="0" smtClean="0"/>
+          </a:p>
+          <a:p>
+            <a:pPr marL="400050" lvl="1" indent="0">
+              <a:buNone/>
+            </a:pPr>
+            <a:r>
+              <a:rPr lang="en-US" sz="1600" dirty="0" smtClean="0">
+                <a:latin typeface="+mj-lt"/>
+              </a:rPr>
+              <a:t>Mobile:</a:t>
+            </a:r>
+          </a:p>
+          <a:p>
+            <a:pPr marL="685800" lvl="1"/>
+            <a:r>
+              <a:rPr lang="en-US" sz="1600" dirty="0"/>
+              <a:t>http://</a:t>
+            </a:r>
+            <a:r>
+              <a:rPr lang="en-US" sz="1600" dirty="0" err="1"/>
+              <a:t>mobile.github.com</a:t>
+            </a:r>
+            <a:r>
+              <a:rPr lang="en-US" sz="1600" dirty="0" smtClean="0"/>
+              <a:t>/</a:t>
+            </a:r>
+          </a:p>
+        </p:txBody>
+      </p:sp>
+    </p:spTree>
+    <p:extLst>
+      <p:ext uri="{BB962C8B-B14F-4D97-AF65-F5344CB8AC3E}">
+        <p14:creationId xmlns:p14="http://schemas.microsoft.com/office/powerpoint/2010/main" val="3801728404"/>
+      </p:ext>
+    </p:extLst>
+  </p:cSld>
+  <p:clrMapOvr>
+    <a:masterClrMapping/>
+  </p:clrMapOvr>
+  <p:transition>
+    <p:fade/>
+  </p:transition>
+  <p:timing>
+    <p:tnLst>
+      <p:par>
+        <p:cTn id="1" dur="indefinite" restart="never" nodeType="tmRoot"/>
+      </p:par>
+    </p:tnLst>
+  </p:timing>
+</p:sld>
+</file>
+
+<file path=ppt/slides/slide40.xml><?xml version="1.0" encoding="utf-8"?>
 <p:sld xmlns:a="http://schemas.openxmlformats.org/drawingml/2006/main" xmlns:r="http://schemas.openxmlformats.org/officeDocument/2006/relationships" xmlns:p="http://schemas.openxmlformats.org/presentationml/2006/main">
   <p:cSld>
     <p:bg>
@@ -18212,14 +18909,26 @@
           <a:lstStyle/>
           <a:p>
             <a:r>
-              <a:rPr lang="en-US"/>
+              <a:rPr lang="en-US" dirty="0"/>
               <a:t>l</a:t>
             </a:r>
             <a:r>
-              <a:rPr lang="en-US" smtClean="0"/>
-              <a:t>ast but (totally) not least</a:t>
-            </a:r>
-            <a:endParaRPr lang="en-US" sz="2000"/>
+              <a:rPr lang="en-US" dirty="0" smtClean="0"/>
+              <a:t>ast but </a:t>
+            </a:r>
+            <a:r>
+              <a:rPr lang="en-US" dirty="0" smtClean="0"/>
+              <a:t>totally</a:t>
+            </a:r>
+            <a:r>
+              <a:rPr lang="en-US" dirty="0" smtClean="0"/>
+              <a:t> </a:t>
+            </a:r>
+            <a:r>
+              <a:rPr lang="en-US" dirty="0" smtClean="0"/>
+              <a:t>not least</a:t>
+            </a:r>
+            <a:endParaRPr lang="en-US" sz="2000" dirty="0"/>
           </a:p>
         </p:txBody>
       </p:sp>
@@ -18231,8 +18940,8 @@
         </p:nvSpPr>
         <p:spPr>
           <a:xfrm>
-            <a:off x="6052449" y="4594462"/>
-            <a:ext cx="2967524" cy="261610"/>
+            <a:off x="0" y="4562427"/>
+            <a:ext cx="9144000" cy="400110"/>
           </a:xfrm>
           <a:prstGeom prst="rect">
             <a:avLst/>
@@ -18244,17 +18953,47 @@
           </a:bodyPr>
           <a:lstStyle/>
           <a:p>
-            <a:r>
-              <a:rPr lang="en-US" sz="1100" i="1"/>
-              <a:t>"oh-my-zsh: your life in a shell" -- </a:t>
-            </a:r>
-            <a:r>
-              <a:rPr lang="en-US" sz="1100" i="1">
+            <a:pPr algn="ctr"/>
+            <a:r>
+              <a:rPr lang="en-US" sz="2000" i="1" dirty="0">
+                <a:latin typeface="+mj-lt"/>
+              </a:rPr>
+              <a:t>"oh-my-</a:t>
+            </a:r>
+            <a:r>
+              <a:rPr lang="en-US" sz="2000" i="1" dirty="0" err="1">
+                <a:latin typeface="+mj-lt"/>
+              </a:rPr>
+              <a:t>zsh</a:t>
+            </a:r>
+            <a:r>
+              <a:rPr lang="en-US" sz="2000" i="1" dirty="0">
+                <a:latin typeface="+mj-lt"/>
+              </a:rPr>
+              <a:t>: </a:t>
+            </a:r>
+            <a:r>
+              <a:rPr lang="en-US" sz="2000" i="1" dirty="0" smtClean="0">
+                <a:latin typeface="+mj-lt"/>
+              </a:rPr>
+              <a:t> your </a:t>
+            </a:r>
+            <a:r>
+              <a:rPr lang="en-US" sz="2000" i="1" dirty="0">
+                <a:latin typeface="+mj-lt"/>
+              </a:rPr>
+              <a:t>life in a shell" -- </a:t>
+            </a:r>
+            <a:r>
+              <a:rPr lang="en-US" sz="2000" i="1" dirty="0">
+                <a:latin typeface="+mj-lt"/>
                 <a:hlinkClick r:id="rId2"/>
               </a:rPr>
               <a:t>fox</a:t>
             </a:r>
-            <a:endParaRPr lang="en-US" sz="1100" i="1"/>
+            <a:endParaRPr lang="en-US" sz="2000" i="1" dirty="0">
+              <a:latin typeface="+mj-lt"/>
+            </a:endParaRPr>
           </a:p>
         </p:txBody>
       </p:sp>
@@ -18386,328 +19125,7 @@
 </p:sld>
 </file>
 
-<file path=ppt/slides/slide4.xml><?xml version="1.0" encoding="utf-8"?>
-<p:sld xmlns:a="http://schemas.openxmlformats.org/drawingml/2006/main" xmlns:r="http://schemas.openxmlformats.org/officeDocument/2006/relationships" xmlns:p="http://schemas.openxmlformats.org/presentationml/2006/main">
-  <p:cSld>
-    <p:bg>
-      <p:bgPr>
-        <a:solidFill>
-          <a:srgbClr val="53777A"/>
-        </a:solidFill>
-        <a:effectLst/>
-      </p:bgPr>
-    </p:bg>
-    <p:spTree>
-      <p:nvGrpSpPr>
-        <p:cNvPr id="1" name=""/>
-        <p:cNvGrpSpPr/>
-        <p:nvPr/>
-      </p:nvGrpSpPr>
-      <p:grpSpPr>
-        <a:xfrm>
-          <a:off x="0" y="0"/>
-          <a:ext cx="0" cy="0"/>
-          <a:chOff x="0" y="0"/>
-          <a:chExt cx="0" cy="0"/>
-        </a:xfrm>
-      </p:grpSpPr>
-      <p:sp>
-        <p:nvSpPr>
-          <p:cNvPr id="2" name="Title 1"/>
-          <p:cNvSpPr>
-            <a:spLocks noGrp="1"/>
-          </p:cNvSpPr>
-          <p:nvPr>
-            <p:ph type="title"/>
-          </p:nvPr>
-        </p:nvSpPr>
-        <p:spPr/>
-        <p:txBody>
-          <a:bodyPr/>
-          <a:lstStyle/>
-          <a:p>
-            <a:r>
-              <a:rPr lang="en-US" smtClean="0"/>
-              <a:t>tl;dr</a:t>
-            </a:r>
-            <a:endParaRPr lang="en-US"/>
-          </a:p>
-        </p:txBody>
-      </p:sp>
-      <p:sp>
-        <p:nvSpPr>
-          <p:cNvPr id="3" name="Content Placeholder 2"/>
-          <p:cNvSpPr>
-            <a:spLocks noGrp="1"/>
-          </p:cNvSpPr>
-          <p:nvPr>
-            <p:ph idx="1"/>
-          </p:nvPr>
-        </p:nvSpPr>
-        <p:spPr/>
-        <p:txBody>
-          <a:bodyPr>
-            <a:noAutofit/>
-          </a:bodyPr>
-          <a:lstStyle/>
-          <a:p>
-            <a:pPr marL="400050" lvl="1" indent="0">
-              <a:buNone/>
-            </a:pPr>
-            <a:r>
-              <a:rPr lang="en-US" sz="1800" dirty="0" smtClean="0"/>
-              <a:t>Installing </a:t>
-            </a:r>
-            <a:r>
-              <a:rPr lang="en-US" sz="1800" dirty="0" err="1" smtClean="0"/>
-              <a:t>git</a:t>
-            </a:r>
-            <a:r>
-              <a:rPr lang="en-US" sz="1800" dirty="0" smtClean="0"/>
-              <a:t> in your development machine</a:t>
-            </a:r>
-          </a:p>
-          <a:p>
-            <a:pPr marL="400050" lvl="1" indent="0">
-              <a:buNone/>
-            </a:pPr>
-            <a:r>
-              <a:rPr lang="en-US" sz="2000" dirty="0" smtClean="0">
-                <a:latin typeface="+mj-lt"/>
-              </a:rPr>
-              <a:t>MAC</a:t>
-            </a:r>
-            <a:r>
-              <a:rPr lang="en-US" sz="2000" dirty="0" smtClean="0"/>
-              <a:t>: </a:t>
-            </a:r>
-          </a:p>
-          <a:p>
-            <a:pPr lvl="1" indent="-342900"/>
-            <a:r>
-              <a:rPr lang="en-US" sz="1600" dirty="0" smtClean="0">
-                <a:hlinkClick r:id="rId2"/>
-              </a:rPr>
-              <a:t>http://</a:t>
-            </a:r>
-            <a:r>
-              <a:rPr lang="en-US" sz="1600" dirty="0" err="1" smtClean="0">
-                <a:hlinkClick r:id="rId2"/>
-              </a:rPr>
-              <a:t>code.google.com</a:t>
-            </a:r>
-            <a:r>
-              <a:rPr lang="en-US" sz="1600" dirty="0" smtClean="0">
-                <a:hlinkClick r:id="rId2"/>
-              </a:rPr>
-              <a:t>/p/</a:t>
-            </a:r>
-            <a:r>
-              <a:rPr lang="en-US" sz="1600" dirty="0" err="1" smtClean="0">
-                <a:hlinkClick r:id="rId2"/>
-              </a:rPr>
-              <a:t>git</a:t>
-            </a:r>
-            <a:r>
-              <a:rPr lang="en-US" sz="1600" dirty="0" smtClean="0">
-                <a:hlinkClick r:id="rId2"/>
-              </a:rPr>
-              <a:t>-</a:t>
-            </a:r>
-            <a:r>
-              <a:rPr lang="en-US" sz="1600" dirty="0" err="1" smtClean="0">
-                <a:hlinkClick r:id="rId2"/>
-              </a:rPr>
-              <a:t>osx</a:t>
-            </a:r>
-            <a:r>
-              <a:rPr lang="en-US" sz="1600" dirty="0" smtClean="0">
-                <a:hlinkClick r:id="rId2"/>
-              </a:rPr>
-              <a:t>-installer</a:t>
-            </a:r>
-            <a:endParaRPr lang="en-US" sz="1600" dirty="0" smtClean="0"/>
-          </a:p>
-          <a:p>
-            <a:pPr lvl="1" indent="-342900"/>
-            <a:r>
-              <a:rPr lang="en-US" sz="1600" dirty="0"/>
-              <a:t>http://</a:t>
-            </a:r>
-            <a:r>
-              <a:rPr lang="en-US" sz="1600" dirty="0" err="1"/>
-              <a:t>mac.github.com</a:t>
-            </a:r>
-            <a:r>
-              <a:rPr lang="en-US" sz="1600" dirty="0" smtClean="0"/>
-              <a:t>/</a:t>
-            </a:r>
-            <a:endParaRPr lang="en-US" sz="1600" dirty="0"/>
-          </a:p>
-          <a:p>
-            <a:pPr marL="400050" lvl="1" indent="0">
-              <a:buNone/>
-            </a:pPr>
-            <a:r>
-              <a:rPr lang="en-US" sz="2000" dirty="0" smtClean="0">
-                <a:latin typeface="+mj-lt"/>
-              </a:rPr>
-              <a:t>Windows</a:t>
-            </a:r>
-            <a:r>
-              <a:rPr lang="en-US" sz="1600" dirty="0" smtClean="0"/>
-              <a:t>: </a:t>
-            </a:r>
-          </a:p>
-          <a:p>
-            <a:pPr lvl="1" indent="-342900"/>
-            <a:r>
-              <a:rPr lang="en-US" sz="1600" dirty="0" smtClean="0">
-                <a:hlinkClick r:id="rId3"/>
-              </a:rPr>
-              <a:t>http://</a:t>
-            </a:r>
-            <a:r>
-              <a:rPr lang="en-US" sz="1600" dirty="0" err="1" smtClean="0">
-                <a:hlinkClick r:id="rId3"/>
-              </a:rPr>
-              <a:t>code.google.com</a:t>
-            </a:r>
-            <a:r>
-              <a:rPr lang="en-US" sz="1600" dirty="0" smtClean="0">
-                <a:hlinkClick r:id="rId3"/>
-              </a:rPr>
-              <a:t>/p/</a:t>
-            </a:r>
-            <a:r>
-              <a:rPr lang="en-US" sz="1600" dirty="0" err="1" smtClean="0">
-                <a:hlinkClick r:id="rId3"/>
-              </a:rPr>
-              <a:t>msysgit</a:t>
-            </a:r>
-            <a:endParaRPr lang="en-US" sz="1600" dirty="0" smtClean="0"/>
-          </a:p>
-          <a:p>
-            <a:pPr lvl="1" indent="-342900"/>
-            <a:r>
-              <a:rPr lang="en-US" sz="1600" dirty="0" smtClean="0">
-                <a:hlinkClick r:id="rId4"/>
-              </a:rPr>
-              <a:t>http</a:t>
-            </a:r>
-            <a:r>
-              <a:rPr lang="en-US" sz="1600" dirty="0">
-                <a:hlinkClick r:id="rId4"/>
-              </a:rPr>
-              <a:t>://</a:t>
-            </a:r>
-            <a:r>
-              <a:rPr lang="en-US" sz="1600" dirty="0" err="1">
-                <a:hlinkClick r:id="rId4"/>
-              </a:rPr>
-              <a:t>windows.github.com</a:t>
-            </a:r>
-            <a:r>
-              <a:rPr lang="en-US" sz="1600" dirty="0" smtClean="0">
-                <a:hlinkClick r:id="rId4"/>
-              </a:rPr>
-              <a:t>/</a:t>
-            </a:r>
-            <a:r>
-              <a:rPr lang="en-US" sz="1600" dirty="0" smtClean="0"/>
-              <a:t> </a:t>
-            </a:r>
-            <a:r>
-              <a:rPr lang="en-US" sz="1600" smtClean="0"/>
-              <a:t>&lt;- highly recommended!</a:t>
-            </a:r>
-            <a:endParaRPr lang="en-US" sz="1600" dirty="0" smtClean="0"/>
-          </a:p>
-          <a:p>
-            <a:pPr marL="400050" lvl="1" indent="0">
-              <a:buNone/>
-            </a:pPr>
-            <a:r>
-              <a:rPr lang="en-US" sz="1600" dirty="0" smtClean="0">
-                <a:latin typeface="+mj-lt"/>
-              </a:rPr>
-              <a:t>Eclipse plugins:</a:t>
-            </a:r>
-          </a:p>
-          <a:p>
-            <a:pPr marL="685800" lvl="1"/>
-            <a:r>
-              <a:rPr lang="en-US" sz="1600" dirty="0">
-                <a:hlinkClick r:id="rId5"/>
-              </a:rPr>
-              <a:t>http://</a:t>
-            </a:r>
-            <a:r>
-              <a:rPr lang="en-US" sz="1600" dirty="0" err="1">
-                <a:hlinkClick r:id="rId5"/>
-              </a:rPr>
-              <a:t>eclipse.github.com</a:t>
-            </a:r>
-            <a:r>
-              <a:rPr lang="en-US" sz="1600" dirty="0" smtClean="0">
-                <a:hlinkClick r:id="rId5"/>
-              </a:rPr>
-              <a:t>/</a:t>
-            </a:r>
-            <a:endParaRPr lang="en-US" sz="1600" dirty="0" smtClean="0"/>
-          </a:p>
-          <a:p>
-            <a:pPr marL="400050" lvl="1" indent="0">
-              <a:buNone/>
-            </a:pPr>
-            <a:r>
-              <a:rPr lang="en-US" sz="1600" dirty="0" smtClean="0">
-                <a:latin typeface="+mj-lt"/>
-              </a:rPr>
-              <a:t>Mobile:</a:t>
-            </a:r>
-          </a:p>
-          <a:p>
-            <a:pPr marL="685800" lvl="1"/>
-            <a:r>
-              <a:rPr lang="en-US" sz="1600" dirty="0"/>
-              <a:t>http://</a:t>
-            </a:r>
-            <a:r>
-              <a:rPr lang="en-US" sz="1600" dirty="0" err="1"/>
-              <a:t>mobile.github.com</a:t>
-            </a:r>
-            <a:r>
-              <a:rPr lang="en-US" sz="1600" dirty="0" smtClean="0"/>
-              <a:t>/</a:t>
-            </a:r>
-          </a:p>
-        </p:txBody>
-      </p:sp>
-    </p:spTree>
-    <p:extLst>
-      <p:ext uri="{BB962C8B-B14F-4D97-AF65-F5344CB8AC3E}">
-        <p14:creationId xmlns:p14="http://schemas.microsoft.com/office/powerpoint/2010/main" val="3801728404"/>
-      </p:ext>
-    </p:extLst>
-  </p:cSld>
-  <p:clrMapOvr>
-    <a:masterClrMapping/>
-  </p:clrMapOvr>
-  <p:transition>
-    <p:fade/>
-  </p:transition>
-  <p:timing>
-    <p:tnLst>
-      <p:par>
-        <p:cTn id="1" dur="indefinite" restart="never" nodeType="tmRoot"/>
-      </p:par>
-    </p:tnLst>
-  </p:timing>
-</p:sld>
-</file>
-
-<file path=ppt/slides/slide40.xml><?xml version="1.0" encoding="utf-8"?>
+<file path=ppt/slides/slide41.xml><?xml version="1.0" encoding="utf-8"?>
 <p:sld xmlns:a="http://schemas.openxmlformats.org/drawingml/2006/main" xmlns:r="http://schemas.openxmlformats.org/officeDocument/2006/relationships" xmlns:p="http://schemas.openxmlformats.org/presentationml/2006/main">
   <p:cSld>
     <p:bg>
@@ -18843,14 +19261,14 @@
           <a:p>
             <a:pPr algn="ctr"/>
             <a:r>
-              <a:rPr lang="en-US" smtClean="0">
+              <a:rPr lang="en-US" dirty="0" smtClean="0">
                 <a:solidFill>
                   <a:srgbClr val="D95B43"/>
                 </a:solidFill>
               </a:rPr>
               <a:t>[tab]</a:t>
             </a:r>
-            <a:endParaRPr lang="en-US">
+            <a:endParaRPr lang="en-US" dirty="0">
               <a:solidFill>
                 <a:srgbClr val="D95B43"/>
               </a:solidFill>
@@ -18866,7 +19284,7 @@
         </p:nvSpPr>
         <p:spPr>
           <a:xfrm>
-            <a:off x="2209800" y="3181350"/>
+            <a:off x="2209800" y="2996684"/>
             <a:ext cx="4389856" cy="369332"/>
           </a:xfrm>
           <a:prstGeom prst="rect">
@@ -18920,7 +19338,7 @@
 </p:sld>
 </file>
 
-<file path=ppt/slides/slide41.xml><?xml version="1.0" encoding="utf-8"?>
+<file path=ppt/slides/slide42.xml><?xml version="1.0" encoding="utf-8"?>
 <p:sld xmlns:a="http://schemas.openxmlformats.org/drawingml/2006/main" xmlns:r="http://schemas.openxmlformats.org/officeDocument/2006/relationships" xmlns:p="http://schemas.openxmlformats.org/presentationml/2006/main">
   <p:cSld>
     <p:bg>
@@ -18953,8 +19371,8 @@
         </p:nvSpPr>
         <p:spPr>
           <a:xfrm>
-            <a:off x="1219200" y="1047750"/>
-            <a:ext cx="6604565" cy="2554545"/>
+            <a:off x="604097" y="1047750"/>
+            <a:ext cx="7834774" cy="2554545"/>
           </a:xfrm>
           <a:prstGeom prst="rect">
             <a:avLst/>
@@ -18969,7 +19387,7 @@
           <a:p>
             <a:pPr algn="ctr"/>
             <a:r>
-              <a:rPr lang="en-US" sz="3200" smtClean="0">
+              <a:rPr lang="en-US" sz="3200" dirty="0" smtClean="0">
                 <a:latin typeface="+mj-lt"/>
               </a:rPr>
               <a:t>Well, that’s it! </a:t>
@@ -19011,8 +19429,11 @@
               <a:rPr lang="en-US" sz="3200" dirty="0" smtClean="0">
                 <a:latin typeface="+mj-lt"/>
               </a:rPr>
-              <a:t>fundamental</a:t>
-            </a:r>
+              <a:t>fundamental about</a:t>
+            </a:r>
+            <a:endParaRPr lang="en-US" sz="3200" dirty="0" smtClean="0">
+              <a:latin typeface="+mj-lt"/>
+            </a:endParaRPr>
           </a:p>
           <a:p>
             <a:pPr algn="ctr"/>
@@ -19032,8 +19453,11 @@
               <a:rPr lang="en-US" sz="3200" dirty="0" smtClean="0">
                 <a:latin typeface="+mj-lt"/>
               </a:rPr>
-              <a:t> commands.</a:t>
-            </a:r>
+              <a:t>.</a:t>
+            </a:r>
+            <a:endParaRPr lang="en-US" sz="3200" dirty="0" smtClean="0">
+              <a:latin typeface="+mj-lt"/>
+            </a:endParaRPr>
           </a:p>
           <a:p>
             <a:pPr algn="ctr"/>
@@ -19081,7 +19505,7 @@
 </p:sld>
 </file>
 
-<file path=ppt/slides/slide42.xml><?xml version="1.0" encoding="utf-8"?>
+<file path=ppt/slides/slide43.xml><?xml version="1.0" encoding="utf-8"?>
 <p:sld xmlns:a="http://schemas.openxmlformats.org/drawingml/2006/main" xmlns:r="http://schemas.openxmlformats.org/officeDocument/2006/relationships" xmlns:p="http://schemas.openxmlformats.org/presentationml/2006/main">
   <p:cSld>
     <p:bg>
@@ -20900,7 +21324,7 @@
         <p:spPr>
           <a:xfrm>
             <a:off x="470452" y="3953530"/>
-            <a:ext cx="8229600" cy="523220"/>
+            <a:ext cx="8229600" cy="892552"/>
           </a:xfrm>
           <a:prstGeom prst="rect">
             <a:avLst/>
@@ -20914,30 +21338,91 @@
           <a:lstStyle/>
           <a:p>
             <a:r>
-              <a:rPr lang="en-US" sz="1200" smtClean="0"/>
-              <a:t>Think of repo (repositpry) as a folder.</a:t>
-            </a:r>
-          </a:p>
-          <a:p>
-            <a:r>
-              <a:rPr lang="en-US" sz="1200" b="1"/>
-              <a:t>Repository</a:t>
-            </a:r>
-            <a:r>
-              <a:rPr lang="en-US" sz="1200"/>
-              <a:t> commonly refers to a location for storage, often for safety or preservation</a:t>
-            </a:r>
-            <a:r>
-              <a:rPr lang="en-US" sz="1200" smtClean="0"/>
+              <a:rPr lang="en-US" sz="1200" b="1" dirty="0" smtClean="0"/>
+              <a:t>Me</a:t>
+            </a:r>
+            <a:r>
+              <a:rPr lang="en-US" sz="1200" dirty="0" smtClean="0"/>
+              <a:t>: Think </a:t>
+            </a:r>
+            <a:r>
+              <a:rPr lang="en-US" sz="1200" dirty="0" smtClean="0"/>
+              <a:t>of repo (</a:t>
+            </a:r>
+            <a:r>
+              <a:rPr lang="en-US" sz="1200" dirty="0" smtClean="0"/>
+              <a:t>repository</a:t>
+            </a:r>
+            <a:r>
+              <a:rPr lang="en-US" sz="1200" dirty="0" smtClean="0"/>
+              <a:t>) as a folder.</a:t>
+            </a:r>
+          </a:p>
+          <a:p>
+            <a:r>
+              <a:rPr lang="en-US" sz="1200" b="1" dirty="0" smtClean="0"/>
+              <a:t>Them: </a:t>
+            </a:r>
+            <a:r>
+              <a:rPr lang="en-US" sz="1200" dirty="0" smtClean="0"/>
+              <a:t>Repo</a:t>
+            </a:r>
+            <a:r>
+              <a:rPr lang="en-US" sz="1200" b="1" dirty="0" smtClean="0"/>
+              <a:t> (r</a:t>
+            </a:r>
+            <a:r>
+              <a:rPr lang="en-US" sz="1200" dirty="0" smtClean="0"/>
+              <a:t>epository)</a:t>
+            </a:r>
+            <a:r>
+              <a:rPr lang="en-US" sz="1200" dirty="0" smtClean="0"/>
+              <a:t> is </a:t>
+            </a:r>
+            <a:r>
+              <a:rPr lang="en-US" sz="1200" dirty="0" smtClean="0"/>
+              <a:t>commonly </a:t>
+            </a:r>
+            <a:r>
+              <a:rPr lang="en-US" sz="1200" dirty="0"/>
+              <a:t>refers to a location for storage, often for safety or preservation</a:t>
+            </a:r>
+            <a:r>
+              <a:rPr lang="en-US" sz="1200" dirty="0" smtClean="0"/>
               <a:t>. </a:t>
             </a:r>
             <a:r>
-              <a:rPr lang="en-US" sz="1600" smtClean="0">
+              <a:rPr lang="en-US" sz="1200" dirty="0" smtClean="0"/>
+              <a:t>-&gt; </a:t>
+            </a:r>
+            <a:r>
+              <a:rPr lang="en-US" sz="1400" dirty="0" smtClean="0">
                 <a:hlinkClick r:id="rId2"/>
               </a:rPr>
-              <a:t>read this</a:t>
-            </a:r>
-            <a:endParaRPr lang="en-US" sz="1200" smtClean="0"/>
+              <a:t>read this for more detail</a:t>
+            </a:r>
+            <a:endParaRPr lang="en-US" sz="1600" dirty="0" smtClean="0"/>
+          </a:p>
+          <a:p>
+            <a:r>
+              <a:rPr lang="en-US" sz="1200" dirty="0" smtClean="0"/>
+              <a:t>** choose what definition that works for you, don’t overthink it, since </a:t>
+            </a:r>
+            <a:r>
+              <a:rPr lang="en-US" sz="1200" dirty="0" err="1" smtClean="0"/>
+              <a:t>git</a:t>
+            </a:r>
+            <a:r>
+              <a:rPr lang="en-US" sz="1200" dirty="0" smtClean="0"/>
+              <a:t> is not rocket science </a:t>
+            </a:r>
+            <a:r>
+              <a:rPr lang="en-US" sz="1200" dirty="0" smtClean="0">
+                <a:sym typeface="Wingdings" pitchFamily="2" charset="2"/>
+              </a:rPr>
+              <a:t></a:t>
+            </a:r>
+            <a:endParaRPr lang="en-US" sz="1050" dirty="0" smtClean="0"/>
           </a:p>
         </p:txBody>
       </p:sp>

--- a/git-beginner.pptx
+++ b/git-beginner.pptx
@@ -3912,15 +3912,7 @@
             </a:pPr>
             <a:r>
               <a:rPr lang="en-US" sz="1600" dirty="0" smtClean="0"/>
-              <a:t>Say, you already </a:t>
-            </a:r>
-            <a:r>
-              <a:rPr lang="en-US" sz="1600" dirty="0" smtClean="0"/>
-              <a:t>had </a:t>
-            </a:r>
-            <a:r>
-              <a:rPr lang="en-US" sz="1600" dirty="0" smtClean="0"/>
-              <a:t>another file in your repository, named, </a:t>
+              <a:t>Say, you already had another file in your repository, named, </a:t>
             </a:r>
             <a:r>
               <a:rPr lang="en-US" sz="1600" dirty="0" err="1" smtClean="0">
@@ -4636,11 +4628,7 @@
             </a:r>
             <a:r>
               <a:rPr lang="en-US" dirty="0" smtClean="0"/>
-              <a:t> that “I want you to index this/these </a:t>
-            </a:r>
-            <a:r>
-              <a:rPr lang="en-US" dirty="0" smtClean="0"/>
-              <a:t>file(s)!”</a:t>
+              <a:t> that “I want you to index this/these file(s)!”</a:t>
             </a:r>
             <a:endParaRPr lang="en-US" dirty="0"/>
           </a:p>
@@ -9956,20 +9944,11 @@
               <a:rPr lang="en-US" dirty="0" smtClean="0"/>
               <a:t> again to check whether if files are staged properly and most importantly, your current working branch </a:t>
             </a:r>
-            <a:endParaRPr lang="en-US" dirty="0" smtClean="0"/>
           </a:p>
           <a:p>
             <a:r>
               <a:rPr lang="en-US" dirty="0" smtClean="0"/>
-              <a:t>** </a:t>
-            </a:r>
-            <a:r>
-              <a:rPr lang="en-US" dirty="0" smtClean="0"/>
-              <a:t>[</a:t>
-            </a:r>
-            <a:r>
-              <a:rPr lang="en-US" dirty="0" smtClean="0"/>
-              <a:t>in default, we are all working </a:t>
+              <a:t>** [in default, we are all working </a:t>
             </a:r>
             <a:r>
               <a:rPr lang="en-US" strike="sngStrike" dirty="0" smtClean="0"/>
@@ -9987,11 +9966,7 @@
             </a:r>
             <a:r>
               <a:rPr lang="en-US" dirty="0" smtClean="0"/>
-              <a:t> branch</a:t>
-            </a:r>
-            <a:r>
-              <a:rPr lang="en-US" dirty="0" smtClean="0"/>
-              <a:t>].</a:t>
+              <a:t> branch].</a:t>
             </a:r>
           </a:p>
           <a:p>
@@ -10317,15 +10292,7 @@
           <a:p>
             <a:r>
               <a:rPr lang="en-US" dirty="0" smtClean="0"/>
-              <a:t>Press arrow right</a:t>
-            </a:r>
-            <a:r>
-              <a:rPr lang="en-US" dirty="0" smtClean="0"/>
-              <a:t> </a:t>
-            </a:r>
-            <a:r>
-              <a:rPr lang="en-US" dirty="0" smtClean="0"/>
-              <a:t>to next slides…</a:t>
+              <a:t>Press arrow right to next slides…</a:t>
             </a:r>
             <a:endParaRPr lang="en-US" dirty="0"/>
           </a:p>
@@ -10417,13 +10384,7 @@
               <a:rPr lang="en-US" sz="9600" dirty="0" smtClean="0">
                 <a:latin typeface="+mj-lt"/>
               </a:rPr>
-              <a:t>cat </a:t>
-            </a:r>
-            <a:r>
-              <a:rPr lang="en-US" sz="9600" dirty="0" smtClean="0">
-                <a:latin typeface="+mj-lt"/>
-              </a:rPr>
-              <a:t> </a:t>
+              <a:t>cat  </a:t>
             </a:r>
           </a:p>
           <a:p>
@@ -10434,9 +10395,6 @@
               </a:rPr>
               <a:t>:3</a:t>
             </a:r>
-            <a:endParaRPr lang="en-US" sz="9600" dirty="0" smtClean="0">
-              <a:latin typeface="Ancillary" pitchFamily="50" charset="0"/>
-            </a:endParaRPr>
           </a:p>
         </p:txBody>
       </p:sp>
@@ -18395,11 +18353,7 @@
             </a:r>
             <a:r>
               <a:rPr lang="en-US" sz="2000" dirty="0" smtClean="0"/>
-              <a:t>…don’t worry </a:t>
-            </a:r>
-            <a:r>
-              <a:rPr lang="en-US" sz="2000" dirty="0" smtClean="0"/>
-              <a:t>;)</a:t>
+              <a:t>…don’t worry ;)</a:t>
             </a:r>
             <a:endParaRPr lang="en-US" sz="2000" dirty="0"/>
           </a:p>
@@ -18759,11 +18713,7 @@
             </a:r>
             <a:r>
               <a:rPr lang="en-US" sz="1200" dirty="0" smtClean="0"/>
-              <a:t>highly recommended</a:t>
-            </a:r>
-            <a:r>
-              <a:rPr lang="en-US" sz="1200" dirty="0" smtClean="0"/>
-              <a:t>!</a:t>
+              <a:t>highly recommended!</a:t>
             </a:r>
             <a:r>
               <a:rPr lang="en-US" sz="1600" dirty="0" smtClean="0"/>
@@ -18914,19 +18864,7 @@
             </a:r>
             <a:r>
               <a:rPr lang="en-US" dirty="0" smtClean="0"/>
-              <a:t>ast but </a:t>
-            </a:r>
-            <a:r>
-              <a:rPr lang="en-US" dirty="0" smtClean="0"/>
-              <a:t>totally</a:t>
-            </a:r>
-            <a:r>
-              <a:rPr lang="en-US" dirty="0" smtClean="0"/>
-              <a:t> </a:t>
-            </a:r>
-            <a:r>
-              <a:rPr lang="en-US" dirty="0" smtClean="0"/>
-              <a:t>not least</a:t>
+              <a:t>ast but totally not least</a:t>
             </a:r>
             <a:endParaRPr lang="en-US" sz="2000" dirty="0"/>
           </a:p>
@@ -19431,9 +19369,6 @@
               </a:rPr>
               <a:t>fundamental about</a:t>
             </a:r>
-            <a:endParaRPr lang="en-US" sz="3200" dirty="0" smtClean="0">
-              <a:latin typeface="+mj-lt"/>
-            </a:endParaRPr>
           </a:p>
           <a:p>
             <a:pPr algn="ctr"/>
@@ -19455,9 +19390,6 @@
               </a:rPr>
               <a:t>.</a:t>
             </a:r>
-            <a:endParaRPr lang="en-US" sz="3200" dirty="0" smtClean="0">
-              <a:latin typeface="+mj-lt"/>
-            </a:endParaRPr>
           </a:p>
           <a:p>
             <a:pPr algn="ctr"/>
@@ -21324,7 +21256,7 @@
         <p:spPr>
           <a:xfrm>
             <a:off x="470452" y="3953530"/>
-            <a:ext cx="8229600" cy="892552"/>
+            <a:ext cx="8229600" cy="677108"/>
           </a:xfrm>
           <a:prstGeom prst="rect">
             <a:avLst/>
@@ -21343,19 +21275,7 @@
             </a:r>
             <a:r>
               <a:rPr lang="en-US" sz="1200" dirty="0" smtClean="0"/>
-              <a:t>: Think </a:t>
-            </a:r>
-            <a:r>
-              <a:rPr lang="en-US" sz="1200" dirty="0" smtClean="0"/>
-              <a:t>of repo (</a:t>
-            </a:r>
-            <a:r>
-              <a:rPr lang="en-US" sz="1200" dirty="0" smtClean="0"/>
-              <a:t>repository</a:t>
-            </a:r>
-            <a:r>
-              <a:rPr lang="en-US" sz="1200" dirty="0" smtClean="0"/>
-              <a:t>) as a folder.</a:t>
+              <a:t>: Think of repo (repository) as a folder.</a:t>
             </a:r>
           </a:p>
           <a:p>
@@ -21373,54 +21293,40 @@
             </a:r>
             <a:r>
               <a:rPr lang="en-US" sz="1200" dirty="0" smtClean="0"/>
-              <a:t>epository)</a:t>
-            </a:r>
-            <a:r>
-              <a:rPr lang="en-US" sz="1200" dirty="0" smtClean="0"/>
-              <a:t> is </a:t>
-            </a:r>
-            <a:r>
-              <a:rPr lang="en-US" sz="1200" dirty="0" smtClean="0"/>
-              <a:t>commonly </a:t>
+              <a:t>epository) is commonly </a:t>
             </a:r>
             <a:r>
               <a:rPr lang="en-US" sz="1200" dirty="0"/>
               <a:t>refers to a location for storage, often for safety or preservation</a:t>
             </a:r>
             <a:r>
-              <a:rPr lang="en-US" sz="1200" dirty="0" smtClean="0"/>
+              <a:rPr lang="en-US" sz="1200" smtClean="0"/>
               <a:t>. </a:t>
             </a:r>
-            <a:r>
-              <a:rPr lang="en-US" sz="1200" dirty="0" smtClean="0"/>
+            <a:endParaRPr lang="en-US" sz="1200" smtClean="0"/>
+          </a:p>
+          <a:p>
+            <a:r>
+              <a:rPr lang="en-US" sz="1200" smtClean="0"/>
               <a:t>-&gt; </a:t>
             </a:r>
             <a:r>
               <a:rPr lang="en-US" sz="1400" dirty="0" smtClean="0">
                 <a:hlinkClick r:id="rId2"/>
               </a:rPr>
-              <a:t>read this for more detail</a:t>
-            </a:r>
-            <a:endParaRPr lang="en-US" sz="1600" dirty="0" smtClean="0"/>
-          </a:p>
-          <a:p>
-            <a:r>
-              <a:rPr lang="en-US" sz="1200" dirty="0" smtClean="0"/>
-              <a:t>** choose what definition that works for you, don’t overthink it, since </a:t>
-            </a:r>
-            <a:r>
-              <a:rPr lang="en-US" sz="1200" dirty="0" err="1" smtClean="0"/>
-              <a:t>git</a:t>
-            </a:r>
-            <a:r>
-              <a:rPr lang="en-US" sz="1200" dirty="0" smtClean="0"/>
-              <a:t> is not rocket science </a:t>
-            </a:r>
-            <a:r>
-              <a:rPr lang="en-US" sz="1200" dirty="0" smtClean="0">
-                <a:sym typeface="Wingdings" pitchFamily="2" charset="2"/>
-              </a:rPr>
-              <a:t></a:t>
+              <a:t>read this for </a:t>
+            </a:r>
+            <a:r>
+              <a:rPr lang="en-US" sz="1400" smtClean="0">
+                <a:hlinkClick r:id="rId2"/>
+              </a:rPr>
+              <a:t>more </a:t>
+            </a:r>
+            <a:r>
+              <a:rPr lang="en-US" sz="1400" smtClean="0">
+                <a:hlinkClick r:id="rId2"/>
+              </a:rPr>
+              <a:t>detail</a:t>
             </a:r>
             <a:endParaRPr lang="en-US" sz="1050" dirty="0" smtClean="0"/>
           </a:p>

--- a/git-beginner.pptx
+++ b/git-beginner.pptx
@@ -5,7 +5,7 @@
     <p:sldMasterId id="2147483648" r:id="rId1"/>
   </p:sldMasterIdLst>
   <p:notesMasterIdLst>
-    <p:notesMasterId r:id="rId45"/>
+    <p:notesMasterId r:id="rId47"/>
   </p:notesMasterIdLst>
   <p:sldIdLst>
     <p:sldId id="256" r:id="rId2"/>
@@ -49,8 +49,10 @@
     <p:sldId id="297" r:id="rId40"/>
     <p:sldId id="292" r:id="rId41"/>
     <p:sldId id="299" r:id="rId42"/>
-    <p:sldId id="298" r:id="rId43"/>
-    <p:sldId id="280" r:id="rId44"/>
+    <p:sldId id="301" r:id="rId43"/>
+    <p:sldId id="302" r:id="rId44"/>
+    <p:sldId id="298" r:id="rId45"/>
+    <p:sldId id="280" r:id="rId46"/>
   </p:sldIdLst>
   <p:sldSz cx="9144000" cy="5143500" type="screen16x9"/>
   <p:notesSz cx="6858000" cy="9144000"/>
@@ -7541,7 +7543,7 @@
         </p:nvSpPr>
         <p:spPr>
           <a:xfrm>
-            <a:off x="1219200" y="1371602"/>
+            <a:off x="1219200" y="1067629"/>
             <a:ext cx="2534668" cy="830997"/>
           </a:xfrm>
           <a:prstGeom prst="rect">
@@ -7556,16 +7558,26 @@
           <a:lstStyle/>
           <a:p>
             <a:r>
-              <a:rPr lang="en-US" sz="4800" smtClean="0">
+              <a:rPr lang="en-US" sz="4800" dirty="0" smtClean="0">
                 <a:solidFill>
                   <a:srgbClr val="EFECAB"/>
                 </a:solidFill>
                 <a:latin typeface="Nexa Light" pitchFamily="50" charset="0"/>
                 <a:hlinkClick r:id="rId2"/>
               </a:rPr>
-              <a:t>@vinhnx</a:t>
-            </a:r>
-            <a:endParaRPr lang="en-US" sz="4800">
+              <a:t>@</a:t>
+            </a:r>
+            <a:r>
+              <a:rPr lang="en-US" sz="4800" dirty="0" err="1" smtClean="0">
+                <a:solidFill>
+                  <a:srgbClr val="EFECAB"/>
+                </a:solidFill>
+                <a:latin typeface="Nexa Light" pitchFamily="50" charset="0"/>
+                <a:hlinkClick r:id="rId2"/>
+              </a:rPr>
+              <a:t>vinhnx</a:t>
+            </a:r>
+            <a:endParaRPr lang="en-US" sz="4800" dirty="0">
               <a:solidFill>
                 <a:srgbClr val="EFECAB"/>
               </a:solidFill>
@@ -7582,7 +7594,7 @@
         </p:nvSpPr>
         <p:spPr>
           <a:xfrm>
-            <a:off x="1205249" y="2343152"/>
+            <a:off x="1219200" y="1914586"/>
             <a:ext cx="7095276" cy="1569660"/>
           </a:xfrm>
           <a:prstGeom prst="rect">
@@ -7597,16 +7609,26 @@
           <a:lstStyle/>
           <a:p>
             <a:r>
-              <a:rPr lang="en-US" sz="4800" smtClean="0">
+              <a:rPr lang="en-US" sz="4800" dirty="0" smtClean="0">
                 <a:solidFill>
                   <a:srgbClr val="EFECAB"/>
                 </a:solidFill>
                 <a:latin typeface="Nexa Light" pitchFamily="50" charset="0"/>
                 <a:hlinkClick r:id="rId3"/>
               </a:rPr>
-              <a:t>http://vinhnx.github.com</a:t>
-            </a:r>
-            <a:endParaRPr lang="en-US" sz="4800" smtClean="0">
+              <a:t>http://</a:t>
+            </a:r>
+            <a:r>
+              <a:rPr lang="en-US" sz="4800" dirty="0" err="1" smtClean="0">
+                <a:solidFill>
+                  <a:srgbClr val="EFECAB"/>
+                </a:solidFill>
+                <a:latin typeface="Nexa Light" pitchFamily="50" charset="0"/>
+                <a:hlinkClick r:id="rId3"/>
+              </a:rPr>
+              <a:t>vinhnx.github.com</a:t>
+            </a:r>
+            <a:endParaRPr lang="en-US" sz="4800" dirty="0" smtClean="0">
               <a:solidFill>
                 <a:srgbClr val="EFECAB"/>
               </a:solidFill>
@@ -7614,7 +7636,7 @@
             </a:endParaRPr>
           </a:p>
           <a:p>
-            <a:endParaRPr lang="en-US" sz="4800">
+            <a:endParaRPr lang="en-US" sz="4800" dirty="0">
               <a:solidFill>
                 <a:srgbClr val="EFECAB"/>
               </a:solidFill>
@@ -7631,8 +7653,8 @@
         </p:nvSpPr>
         <p:spPr>
           <a:xfrm>
-            <a:off x="1219200" y="3259604"/>
-            <a:ext cx="7260770" cy="1569660"/>
+            <a:off x="1219200" y="2800350"/>
+            <a:ext cx="7260770" cy="830997"/>
           </a:xfrm>
           <a:prstGeom prst="rect">
             <a:avLst/>
@@ -7646,24 +7668,280 @@
           <a:lstStyle/>
           <a:p>
             <a:r>
-              <a:rPr lang="en-US" sz="4800" smtClean="0">
+              <a:rPr lang="en-US" sz="4800" dirty="0" smtClean="0">
                 <a:solidFill>
                   <a:srgbClr val="EFECAB"/>
                 </a:solidFill>
                 <a:latin typeface="Nexa Light" pitchFamily="50" charset="0"/>
                 <a:hlinkClick r:id="rId4"/>
               </a:rPr>
-              <a:t>http://github.com/vinhnx</a:t>
-            </a:r>
-            <a:endParaRPr lang="en-US" sz="4800" smtClean="0">
+              <a:t>http://</a:t>
+            </a:r>
+            <a:r>
+              <a:rPr lang="en-US" sz="4800" dirty="0" err="1" smtClean="0">
+                <a:solidFill>
+                  <a:srgbClr val="EFECAB"/>
+                </a:solidFill>
+                <a:latin typeface="Nexa Light" pitchFamily="50" charset="0"/>
+                <a:hlinkClick r:id="rId4"/>
+              </a:rPr>
+              <a:t>github.com</a:t>
+            </a:r>
+            <a:r>
+              <a:rPr lang="en-US" sz="4800" dirty="0" smtClean="0">
+                <a:solidFill>
+                  <a:srgbClr val="EFECAB"/>
+                </a:solidFill>
+                <a:latin typeface="Nexa Light" pitchFamily="50" charset="0"/>
+                <a:hlinkClick r:id="rId4"/>
+              </a:rPr>
+              <a:t>/</a:t>
+            </a:r>
+            <a:r>
+              <a:rPr lang="en-US" sz="4800" dirty="0" err="1" smtClean="0">
+                <a:solidFill>
+                  <a:srgbClr val="EFECAB"/>
+                </a:solidFill>
+                <a:latin typeface="Nexa Light" pitchFamily="50" charset="0"/>
+                <a:hlinkClick r:id="rId4"/>
+              </a:rPr>
+              <a:t>vinhnx</a:t>
+            </a:r>
+            <a:endParaRPr lang="en-US" sz="4800" dirty="0" smtClean="0">
               <a:solidFill>
                 <a:srgbClr val="EFECAB"/>
               </a:solidFill>
               <a:latin typeface="Nexa Light" pitchFamily="50" charset="0"/>
             </a:endParaRPr>
           </a:p>
-          <a:p>
-            <a:endParaRPr lang="en-US" sz="4800">
+        </p:txBody>
+      </p:sp>
+      <p:pic>
+        <p:nvPicPr>
+          <p:cNvPr id="4100" name="Picture 4" descr="F:\Pictures\octocat.png"/>
+          <p:cNvPicPr>
+            <a:picLocks noChangeAspect="1" noChangeArrowheads="1"/>
+          </p:cNvPicPr>
+          <p:nvPr/>
+        </p:nvPicPr>
+        <p:blipFill>
+          <a:blip r:embed="rId5">
+            <a:extLst>
+              <a:ext uri="{28A0092B-C50C-407E-A947-70E740481C1C}">
+                <a14:useLocalDpi xmlns:a14="http://schemas.microsoft.com/office/drawing/2010/main" val="0"/>
+              </a:ext>
+            </a:extLst>
+          </a:blip>
+          <a:srcRect/>
+          <a:stretch>
+            <a:fillRect/>
+          </a:stretch>
+        </p:blipFill>
+        <p:spPr bwMode="auto">
+          <a:xfrm>
+            <a:off x="526111" y="2911048"/>
+            <a:ext cx="586740" cy="609600"/>
+          </a:xfrm>
+          <a:prstGeom prst="rect">
+            <a:avLst/>
+          </a:prstGeom>
+          <a:noFill/>
+          <a:extLst>
+            <a:ext uri="{909E8E84-426E-40DD-AFC4-6F175D3DCCD1}">
+              <a14:hiddenFill xmlns:a14="http://schemas.microsoft.com/office/drawing/2010/main">
+                <a:solidFill>
+                  <a:srgbClr val="FFFFFF"/>
+                </a:solidFill>
+              </a14:hiddenFill>
+            </a:ext>
+          </a:extLst>
+        </p:spPr>
+      </p:pic>
+      <p:pic>
+        <p:nvPicPr>
+          <p:cNvPr id="4101" name="Picture 5" descr="F:\Icons\Simple\cc\black\png\star_fav_empty_icon&amp;48.png"/>
+          <p:cNvPicPr>
+            <a:picLocks noChangeAspect="1" noChangeArrowheads="1"/>
+          </p:cNvPicPr>
+          <p:nvPr/>
+        </p:nvPicPr>
+        <p:blipFill>
+          <a:blip r:embed="rId6">
+            <a:extLst>
+              <a:ext uri="{28A0092B-C50C-407E-A947-70E740481C1C}">
+                <a14:useLocalDpi xmlns:a14="http://schemas.microsoft.com/office/drawing/2010/main" val="0"/>
+              </a:ext>
+            </a:extLst>
+          </a:blip>
+          <a:srcRect/>
+          <a:stretch>
+            <a:fillRect/>
+          </a:stretch>
+        </p:blipFill>
+        <p:spPr bwMode="auto">
+          <a:xfrm>
+            <a:off x="568021" y="2066513"/>
+            <a:ext cx="457200" cy="457200"/>
+          </a:xfrm>
+          <a:prstGeom prst="rect">
+            <a:avLst/>
+          </a:prstGeom>
+          <a:noFill/>
+          <a:extLst>
+            <a:ext uri="{909E8E84-426E-40DD-AFC4-6F175D3DCCD1}">
+              <a14:hiddenFill xmlns:a14="http://schemas.microsoft.com/office/drawing/2010/main">
+                <a:solidFill>
+                  <a:srgbClr val="FFFFFF"/>
+                </a:solidFill>
+              </a14:hiddenFill>
+            </a:ext>
+          </a:extLst>
+        </p:spPr>
+      </p:pic>
+      <p:pic>
+        <p:nvPicPr>
+          <p:cNvPr id="4103" name="Picture 7" descr="F:\Icons\autreplanete_icons_free_pack\social_icons\png\black\twitter-black@2x.png"/>
+          <p:cNvPicPr>
+            <a:picLocks noChangeAspect="1" noChangeArrowheads="1"/>
+          </p:cNvPicPr>
+          <p:nvPr/>
+        </p:nvPicPr>
+        <p:blipFill>
+          <a:blip r:embed="rId7">
+            <a:extLst>
+              <a:ext uri="{28A0092B-C50C-407E-A947-70E740481C1C}">
+                <a14:useLocalDpi xmlns:a14="http://schemas.microsoft.com/office/drawing/2010/main" val="0"/>
+              </a:ext>
+            </a:extLst>
+          </a:blip>
+          <a:srcRect/>
+          <a:stretch>
+            <a:fillRect/>
+          </a:stretch>
+        </p:blipFill>
+        <p:spPr bwMode="auto">
+          <a:xfrm>
+            <a:off x="491821" y="1178328"/>
+            <a:ext cx="609600" cy="609600"/>
+          </a:xfrm>
+          <a:prstGeom prst="rect">
+            <a:avLst/>
+          </a:prstGeom>
+          <a:noFill/>
+          <a:extLst>
+            <a:ext uri="{909E8E84-426E-40DD-AFC4-6F175D3DCCD1}">
+              <a14:hiddenFill xmlns:a14="http://schemas.microsoft.com/office/drawing/2010/main">
+                <a:solidFill>
+                  <a:srgbClr val="FFFFFF"/>
+                </a:solidFill>
+              </a14:hiddenFill>
+            </a:ext>
+          </a:extLst>
+        </p:spPr>
+      </p:pic>
+      <p:pic>
+        <p:nvPicPr>
+          <p:cNvPr id="4104" name="Picture 8" descr="F:\Icons\autreplanete_icons_free_pack\social_icons\png\black\google-plus-black@2x.png"/>
+          <p:cNvPicPr>
+            <a:picLocks noChangeAspect="1" noChangeArrowheads="1"/>
+          </p:cNvPicPr>
+          <p:nvPr/>
+        </p:nvPicPr>
+        <p:blipFill>
+          <a:blip r:embed="rId8">
+            <a:extLst>
+              <a:ext uri="{28A0092B-C50C-407E-A947-70E740481C1C}">
+                <a14:useLocalDpi xmlns:a14="http://schemas.microsoft.com/office/drawing/2010/main" val="0"/>
+              </a:ext>
+            </a:extLst>
+          </a:blip>
+          <a:srcRect/>
+          <a:stretch>
+            <a:fillRect/>
+          </a:stretch>
+        </p:blipFill>
+        <p:spPr bwMode="auto">
+          <a:xfrm>
+            <a:off x="514681" y="3811657"/>
+            <a:ext cx="609600" cy="609600"/>
+          </a:xfrm>
+          <a:prstGeom prst="rect">
+            <a:avLst/>
+          </a:prstGeom>
+          <a:noFill/>
+          <a:extLst>
+            <a:ext uri="{909E8E84-426E-40DD-AFC4-6F175D3DCCD1}">
+              <a14:hiddenFill xmlns:a14="http://schemas.microsoft.com/office/drawing/2010/main">
+                <a:solidFill>
+                  <a:srgbClr val="FFFFFF"/>
+                </a:solidFill>
+              </a14:hiddenFill>
+            </a:ext>
+          </a:extLst>
+        </p:spPr>
+      </p:pic>
+      <p:sp>
+        <p:nvSpPr>
+          <p:cNvPr id="9" name="Rectangle 8"/>
+          <p:cNvSpPr/>
+          <p:nvPr/>
+        </p:nvSpPr>
+        <p:spPr>
+          <a:xfrm>
+            <a:off x="1219199" y="3700958"/>
+            <a:ext cx="6306663" cy="830997"/>
+          </a:xfrm>
+          <a:prstGeom prst="rect">
+            <a:avLst/>
+          </a:prstGeom>
+        </p:spPr>
+        <p:txBody>
+          <a:bodyPr wrap="none">
+            <a:spAutoFit/>
+          </a:bodyPr>
+          <a:lstStyle/>
+          <a:p>
+            <a:r>
+              <a:rPr lang="en-US" sz="4800" dirty="0">
+                <a:solidFill>
+                  <a:srgbClr val="EFECAB"/>
+                </a:solidFill>
+                <a:latin typeface="Nexa Light" pitchFamily="50" charset="0"/>
+                <a:hlinkClick r:id="rId9"/>
+              </a:rPr>
+              <a:t>http://</a:t>
+            </a:r>
+            <a:r>
+              <a:rPr lang="en-US" sz="4800" dirty="0" err="1" smtClean="0">
+                <a:solidFill>
+                  <a:srgbClr val="EFECAB"/>
+                </a:solidFill>
+                <a:latin typeface="Nexa Light" pitchFamily="50" charset="0"/>
+                <a:hlinkClick r:id="rId9"/>
+              </a:rPr>
+              <a:t>gplus.to</a:t>
+            </a:r>
+            <a:r>
+              <a:rPr lang="en-US" sz="4800" dirty="0" smtClean="0">
+                <a:solidFill>
+                  <a:srgbClr val="EFECAB"/>
+                </a:solidFill>
+                <a:latin typeface="Nexa Light" pitchFamily="50" charset="0"/>
+                <a:hlinkClick r:id="rId9"/>
+              </a:rPr>
+              <a:t>/</a:t>
+            </a:r>
+            <a:r>
+              <a:rPr lang="en-US" sz="4800" dirty="0" err="1" smtClean="0">
+                <a:solidFill>
+                  <a:srgbClr val="EFECAB"/>
+                </a:solidFill>
+                <a:latin typeface="Nexa Light" pitchFamily="50" charset="0"/>
+                <a:hlinkClick r:id="rId9"/>
+              </a:rPr>
+              <a:t>vinhnx</a:t>
+            </a:r>
+            <a:endParaRPr lang="en-US" sz="4800" dirty="0">
               <a:solidFill>
                 <a:srgbClr val="EFECAB"/>
               </a:solidFill>
@@ -19301,6 +19579,552 @@
           <a:chExt cx="0" cy="0"/>
         </a:xfrm>
       </p:grpSpPr>
+      <p:pic>
+        <p:nvPicPr>
+          <p:cNvPr id="1026" name="Picture 2"/>
+          <p:cNvPicPr>
+            <a:picLocks noChangeAspect="1" noChangeArrowheads="1"/>
+          </p:cNvPicPr>
+          <p:nvPr/>
+        </p:nvPicPr>
+        <p:blipFill>
+          <a:blip r:embed="rId2">
+            <a:extLst>
+              <a:ext uri="{28A0092B-C50C-407E-A947-70E740481C1C}">
+                <a14:useLocalDpi xmlns:a14="http://schemas.microsoft.com/office/drawing/2010/main" val="0"/>
+              </a:ext>
+            </a:extLst>
+          </a:blip>
+          <a:srcRect/>
+          <a:stretch>
+            <a:fillRect/>
+          </a:stretch>
+        </p:blipFill>
+        <p:spPr bwMode="auto">
+          <a:xfrm>
+            <a:off x="1966912" y="895350"/>
+            <a:ext cx="5210175" cy="3753264"/>
+          </a:xfrm>
+          <a:prstGeom prst="rect">
+            <a:avLst/>
+          </a:prstGeom>
+          <a:noFill/>
+          <a:ln>
+            <a:noFill/>
+          </a:ln>
+          <a:effectLst/>
+          <a:extLst>
+            <a:ext uri="{909E8E84-426E-40DD-AFC4-6F175D3DCCD1}">
+              <a14:hiddenFill xmlns:a14="http://schemas.microsoft.com/office/drawing/2010/main">
+                <a:solidFill>
+                  <a:schemeClr val="accent1"/>
+                </a:solidFill>
+              </a14:hiddenFill>
+            </a:ext>
+            <a:ext uri="{91240B29-F687-4F45-9708-019B960494DF}">
+              <a14:hiddenLine xmlns:a14="http://schemas.microsoft.com/office/drawing/2010/main" w="9525">
+                <a:solidFill>
+                  <a:schemeClr val="tx1"/>
+                </a:solidFill>
+                <a:miter lim="800000"/>
+                <a:headEnd/>
+                <a:tailEnd/>
+              </a14:hiddenLine>
+            </a:ext>
+            <a:ext uri="{AF507438-7753-43E0-B8FC-AC1667EBCBE1}">
+              <a14:hiddenEffects xmlns:a14="http://schemas.microsoft.com/office/drawing/2010/main">
+                <a:effectLst>
+                  <a:outerShdw dist="35921" dir="2700000" algn="ctr" rotWithShape="0">
+                    <a:schemeClr val="bg2"/>
+                  </a:outerShdw>
+                </a:effectLst>
+              </a14:hiddenEffects>
+            </a:ext>
+          </a:extLst>
+        </p:spPr>
+      </p:pic>
+      <p:sp>
+        <p:nvSpPr>
+          <p:cNvPr id="4" name="TextBox 3"/>
+          <p:cNvSpPr txBox="1"/>
+          <p:nvPr/>
+        </p:nvSpPr>
+        <p:spPr>
+          <a:xfrm>
+            <a:off x="1966912" y="438150"/>
+            <a:ext cx="5210175" cy="369332"/>
+          </a:xfrm>
+          <a:prstGeom prst="rect">
+            <a:avLst/>
+          </a:prstGeom>
+          <a:noFill/>
+        </p:spPr>
+        <p:txBody>
+          <a:bodyPr wrap="square" rtlCol="0">
+            <a:spAutoFit/>
+          </a:bodyPr>
+          <a:lstStyle/>
+          <a:p>
+            <a:pPr algn="ctr"/>
+            <a:r>
+              <a:rPr lang="en-US" dirty="0" smtClean="0"/>
+              <a:t>“your self, don’t repeat”  -- DRY</a:t>
+            </a:r>
+            <a:endParaRPr lang="en-US" dirty="0"/>
+          </a:p>
+        </p:txBody>
+      </p:sp>
+      <p:sp>
+        <p:nvSpPr>
+          <p:cNvPr id="5" name="TextBox 4"/>
+          <p:cNvSpPr txBox="1"/>
+          <p:nvPr/>
+        </p:nvSpPr>
+        <p:spPr>
+          <a:xfrm>
+            <a:off x="406687" y="1715184"/>
+            <a:ext cx="1350947" cy="1477328"/>
+          </a:xfrm>
+          <a:prstGeom prst="rect">
+            <a:avLst/>
+          </a:prstGeom>
+          <a:noFill/>
+        </p:spPr>
+        <p:txBody>
+          <a:bodyPr wrap="none" rtlCol="0">
+            <a:spAutoFit/>
+          </a:bodyPr>
+          <a:lstStyle/>
+          <a:p>
+            <a:pPr algn="r"/>
+            <a:r>
+              <a:rPr lang="en-US" dirty="0" smtClean="0"/>
+              <a:t>save times</a:t>
+            </a:r>
+          </a:p>
+          <a:p>
+            <a:pPr algn="r"/>
+            <a:r>
+              <a:rPr lang="en-US" dirty="0"/>
+              <a:t>w</a:t>
+            </a:r>
+            <a:r>
+              <a:rPr lang="en-US" dirty="0" smtClean="0"/>
+              <a:t>rite less</a:t>
+            </a:r>
+          </a:p>
+          <a:p>
+            <a:pPr algn="r"/>
+            <a:r>
+              <a:rPr lang="en-US" dirty="0" smtClean="0"/>
+              <a:t>do more</a:t>
+            </a:r>
+          </a:p>
+          <a:p>
+            <a:pPr algn="r"/>
+            <a:endParaRPr lang="en-US" dirty="0" smtClean="0"/>
+          </a:p>
+          <a:p>
+            <a:pPr algn="r"/>
+            <a:r>
+              <a:rPr lang="en-US" dirty="0" smtClean="0"/>
+              <a:t>with alias…</a:t>
+            </a:r>
+            <a:endParaRPr lang="en-US" dirty="0"/>
+          </a:p>
+        </p:txBody>
+      </p:sp>
+    </p:spTree>
+    <p:extLst>
+      <p:ext uri="{BB962C8B-B14F-4D97-AF65-F5344CB8AC3E}">
+        <p14:creationId xmlns:p14="http://schemas.microsoft.com/office/powerpoint/2010/main" val="3572524624"/>
+      </p:ext>
+    </p:extLst>
+  </p:cSld>
+  <p:clrMapOvr>
+    <a:masterClrMapping/>
+  </p:clrMapOvr>
+  <mc:AlternateContent xmlns:mc="http://schemas.openxmlformats.org/markup-compatibility/2006" xmlns:p14="http://schemas.microsoft.com/office/powerpoint/2010/main">
+    <mc:Choice Requires="p14">
+      <p:transition p14:dur="150">
+        <p14:flash/>
+      </p:transition>
+    </mc:Choice>
+    <mc:Fallback xmlns="">
+      <p:transition>
+        <p:fade/>
+      </p:transition>
+    </mc:Fallback>
+  </mc:AlternateContent>
+</p:sld>
+</file>
+
+<file path=ppt/slides/slide43.xml><?xml version="1.0" encoding="utf-8"?>
+<p:sld xmlns:a="http://schemas.openxmlformats.org/drawingml/2006/main" xmlns:r="http://schemas.openxmlformats.org/officeDocument/2006/relationships" xmlns:p="http://schemas.openxmlformats.org/presentationml/2006/main">
+  <p:cSld>
+    <p:bg>
+      <p:bgPr>
+        <a:solidFill>
+          <a:srgbClr val="53777A"/>
+        </a:solidFill>
+        <a:effectLst/>
+      </p:bgPr>
+    </p:bg>
+    <p:spTree>
+      <p:nvGrpSpPr>
+        <p:cNvPr id="1" name=""/>
+        <p:cNvGrpSpPr/>
+        <p:nvPr/>
+      </p:nvGrpSpPr>
+      <p:grpSpPr>
+        <a:xfrm>
+          <a:off x="0" y="0"/>
+          <a:ext cx="0" cy="0"/>
+          <a:chOff x="0" y="0"/>
+          <a:chExt cx="0" cy="0"/>
+        </a:xfrm>
+      </p:grpSpPr>
+      <p:pic>
+        <p:nvPicPr>
+          <p:cNvPr id="2050" name="Picture 2"/>
+          <p:cNvPicPr>
+            <a:picLocks noChangeAspect="1" noChangeArrowheads="1"/>
+          </p:cNvPicPr>
+          <p:nvPr/>
+        </p:nvPicPr>
+        <p:blipFill>
+          <a:blip r:embed="rId2">
+            <a:extLst>
+              <a:ext uri="{28A0092B-C50C-407E-A947-70E740481C1C}">
+                <a14:useLocalDpi xmlns:a14="http://schemas.microsoft.com/office/drawing/2010/main" val="0"/>
+              </a:ext>
+            </a:extLst>
+          </a:blip>
+          <a:srcRect/>
+          <a:stretch>
+            <a:fillRect/>
+          </a:stretch>
+        </p:blipFill>
+        <p:spPr bwMode="auto">
+          <a:xfrm>
+            <a:off x="533400" y="514350"/>
+            <a:ext cx="3638550" cy="4095750"/>
+          </a:xfrm>
+          <a:prstGeom prst="rect">
+            <a:avLst/>
+          </a:prstGeom>
+          <a:noFill/>
+          <a:ln>
+            <a:noFill/>
+          </a:ln>
+          <a:effectLst/>
+          <a:extLst>
+            <a:ext uri="{909E8E84-426E-40DD-AFC4-6F175D3DCCD1}">
+              <a14:hiddenFill xmlns:a14="http://schemas.microsoft.com/office/drawing/2010/main">
+                <a:solidFill>
+                  <a:schemeClr val="accent1"/>
+                </a:solidFill>
+              </a14:hiddenFill>
+            </a:ext>
+            <a:ext uri="{91240B29-F687-4F45-9708-019B960494DF}">
+              <a14:hiddenLine xmlns:a14="http://schemas.microsoft.com/office/drawing/2010/main" w="9525">
+                <a:solidFill>
+                  <a:schemeClr val="tx1"/>
+                </a:solidFill>
+                <a:miter lim="800000"/>
+                <a:headEnd/>
+                <a:tailEnd/>
+              </a14:hiddenLine>
+            </a:ext>
+            <a:ext uri="{AF507438-7753-43E0-B8FC-AC1667EBCBE1}">
+              <a14:hiddenEffects xmlns:a14="http://schemas.microsoft.com/office/drawing/2010/main">
+                <a:effectLst>
+                  <a:outerShdw dist="35921" dir="2700000" algn="ctr" rotWithShape="0">
+                    <a:schemeClr val="bg2"/>
+                  </a:outerShdw>
+                </a:effectLst>
+              </a14:hiddenEffects>
+            </a:ext>
+          </a:extLst>
+        </p:spPr>
+      </p:pic>
+      <p:sp>
+        <p:nvSpPr>
+          <p:cNvPr id="4" name="Rectangle 3"/>
+          <p:cNvSpPr/>
+          <p:nvPr/>
+        </p:nvSpPr>
+        <p:spPr>
+          <a:xfrm>
+            <a:off x="4564303" y="1047750"/>
+            <a:ext cx="3744423" cy="369332"/>
+          </a:xfrm>
+          <a:prstGeom prst="rect">
+            <a:avLst/>
+          </a:prstGeom>
+        </p:spPr>
+        <p:txBody>
+          <a:bodyPr wrap="none">
+            <a:spAutoFit/>
+          </a:bodyPr>
+          <a:lstStyle/>
+          <a:p>
+            <a:r>
+              <a:rPr lang="en-US" dirty="0"/>
+              <a:t>https://</a:t>
+            </a:r>
+            <a:r>
+              <a:rPr lang="en-US" dirty="0" err="1"/>
+              <a:t>gist.github.com</a:t>
+            </a:r>
+            <a:r>
+              <a:rPr lang="en-US" dirty="0"/>
+              <a:t>/3844446</a:t>
+            </a:r>
+          </a:p>
+        </p:txBody>
+      </p:sp>
+      <p:sp>
+        <p:nvSpPr>
+          <p:cNvPr id="6" name="TextBox 5"/>
+          <p:cNvSpPr txBox="1"/>
+          <p:nvPr/>
+        </p:nvSpPr>
+        <p:spPr>
+          <a:xfrm>
+            <a:off x="5225769" y="2238710"/>
+            <a:ext cx="2421497" cy="954107"/>
+          </a:xfrm>
+          <a:prstGeom prst="rect">
+            <a:avLst/>
+          </a:prstGeom>
+          <a:noFill/>
+        </p:spPr>
+        <p:txBody>
+          <a:bodyPr wrap="none" rtlCol="0">
+            <a:spAutoFit/>
+          </a:bodyPr>
+          <a:lstStyle/>
+          <a:p>
+            <a:pPr algn="ctr"/>
+            <a:r>
+              <a:rPr lang="en-US" sz="1400" dirty="0" smtClean="0"/>
+              <a:t>(or open </a:t>
+            </a:r>
+            <a:r>
+              <a:rPr lang="en-US" sz="1400" dirty="0" smtClean="0">
+                <a:latin typeface="+mj-lt"/>
+              </a:rPr>
+              <a:t>.</a:t>
+            </a:r>
+            <a:r>
+              <a:rPr lang="en-US" sz="1400" dirty="0" err="1" smtClean="0">
+                <a:latin typeface="+mj-lt"/>
+              </a:rPr>
+              <a:t>zshrc</a:t>
+            </a:r>
+            <a:r>
+              <a:rPr lang="en-US" sz="1400" dirty="0" smtClean="0">
+                <a:latin typeface="+mj-lt"/>
+              </a:rPr>
+              <a:t> </a:t>
+            </a:r>
+            <a:r>
+              <a:rPr lang="en-US" sz="1400" dirty="0" smtClean="0"/>
+              <a:t>file </a:t>
+            </a:r>
+          </a:p>
+          <a:p>
+            <a:pPr algn="ctr"/>
+            <a:r>
+              <a:rPr lang="en-US" sz="1400" dirty="0" smtClean="0"/>
+              <a:t>in your favorite text editor </a:t>
+            </a:r>
+          </a:p>
+          <a:p>
+            <a:pPr algn="ctr"/>
+            <a:r>
+              <a:rPr lang="en-US" sz="1400" dirty="0" smtClean="0"/>
+              <a:t>and make </a:t>
+            </a:r>
+          </a:p>
+          <a:p>
+            <a:pPr algn="ctr"/>
+            <a:r>
+              <a:rPr lang="en-US" sz="1400" dirty="0" smtClean="0"/>
+              <a:t>some </a:t>
+            </a:r>
+            <a:r>
+              <a:rPr lang="en-US" sz="1400" strike="sngStrike" dirty="0" smtClean="0"/>
+              <a:t>noises</a:t>
+            </a:r>
+            <a:r>
+              <a:rPr lang="en-US" sz="1400" dirty="0" smtClean="0"/>
+              <a:t> changes)</a:t>
+            </a:r>
+            <a:endParaRPr lang="en-US" sz="1400" dirty="0"/>
+          </a:p>
+        </p:txBody>
+      </p:sp>
+      <p:sp>
+        <p:nvSpPr>
+          <p:cNvPr id="7" name="TextBox 6"/>
+          <p:cNvSpPr txBox="1"/>
+          <p:nvPr/>
+        </p:nvSpPr>
+        <p:spPr>
+          <a:xfrm>
+            <a:off x="4564303" y="3257550"/>
+            <a:ext cx="3744423" cy="338554"/>
+          </a:xfrm>
+          <a:prstGeom prst="rect">
+            <a:avLst/>
+          </a:prstGeom>
+          <a:noFill/>
+        </p:spPr>
+        <p:txBody>
+          <a:bodyPr wrap="square" rtlCol="0">
+            <a:spAutoFit/>
+          </a:bodyPr>
+          <a:lstStyle/>
+          <a:p>
+            <a:pPr algn="ctr"/>
+            <a:r>
+              <a:rPr lang="en-US" sz="1600" dirty="0" smtClean="0"/>
+              <a:t>** it’s located in </a:t>
+            </a:r>
+            <a:r>
+              <a:rPr lang="en-US" sz="1600" dirty="0" smtClean="0">
+                <a:latin typeface="+mj-lt"/>
+              </a:rPr>
+              <a:t>~/.</a:t>
+            </a:r>
+            <a:r>
+              <a:rPr lang="en-US" sz="1600" dirty="0" err="1" smtClean="0">
+                <a:latin typeface="+mj-lt"/>
+              </a:rPr>
+              <a:t>zshrc</a:t>
+            </a:r>
+            <a:endParaRPr lang="en-US" sz="1600" dirty="0">
+              <a:latin typeface="+mj-lt"/>
+            </a:endParaRPr>
+          </a:p>
+        </p:txBody>
+      </p:sp>
+      <p:pic>
+        <p:nvPicPr>
+          <p:cNvPr id="2052" name="Picture 4"/>
+          <p:cNvPicPr>
+            <a:picLocks noChangeAspect="1" noChangeArrowheads="1"/>
+          </p:cNvPicPr>
+          <p:nvPr/>
+        </p:nvPicPr>
+        <p:blipFill>
+          <a:blip r:embed="rId3">
+            <a:extLst>
+              <a:ext uri="{28A0092B-C50C-407E-A947-70E740481C1C}">
+                <a14:useLocalDpi xmlns:a14="http://schemas.microsoft.com/office/drawing/2010/main" val="0"/>
+              </a:ext>
+            </a:extLst>
+          </a:blip>
+          <a:srcRect/>
+          <a:stretch>
+            <a:fillRect/>
+          </a:stretch>
+        </p:blipFill>
+        <p:spPr bwMode="auto">
+          <a:xfrm>
+            <a:off x="4817266" y="1657350"/>
+            <a:ext cx="3238500" cy="342900"/>
+          </a:xfrm>
+          <a:prstGeom prst="rect">
+            <a:avLst/>
+          </a:prstGeom>
+          <a:noFill/>
+          <a:ln>
+            <a:noFill/>
+          </a:ln>
+          <a:effectLst/>
+          <a:extLst>
+            <a:ext uri="{909E8E84-426E-40DD-AFC4-6F175D3DCCD1}">
+              <a14:hiddenFill xmlns:a14="http://schemas.microsoft.com/office/drawing/2010/main">
+                <a:solidFill>
+                  <a:schemeClr val="accent1"/>
+                </a:solidFill>
+              </a14:hiddenFill>
+            </a:ext>
+            <a:ext uri="{91240B29-F687-4F45-9708-019B960494DF}">
+              <a14:hiddenLine xmlns:a14="http://schemas.microsoft.com/office/drawing/2010/main" w="9525">
+                <a:solidFill>
+                  <a:schemeClr val="tx1"/>
+                </a:solidFill>
+                <a:miter lim="800000"/>
+                <a:headEnd/>
+                <a:tailEnd/>
+              </a14:hiddenLine>
+            </a:ext>
+            <a:ext uri="{AF507438-7753-43E0-B8FC-AC1667EBCBE1}">
+              <a14:hiddenEffects xmlns:a14="http://schemas.microsoft.com/office/drawing/2010/main">
+                <a:effectLst>
+                  <a:outerShdw dist="35921" dir="2700000" algn="ctr" rotWithShape="0">
+                    <a:schemeClr val="bg2"/>
+                  </a:outerShdw>
+                </a:effectLst>
+              </a14:hiddenEffects>
+            </a:ext>
+          </a:extLst>
+        </p:spPr>
+      </p:pic>
+    </p:spTree>
+    <p:extLst>
+      <p:ext uri="{BB962C8B-B14F-4D97-AF65-F5344CB8AC3E}">
+        <p14:creationId xmlns:p14="http://schemas.microsoft.com/office/powerpoint/2010/main" val="3896272378"/>
+      </p:ext>
+    </p:extLst>
+  </p:cSld>
+  <p:clrMapOvr>
+    <a:masterClrMapping/>
+  </p:clrMapOvr>
+  <mc:AlternateContent xmlns:mc="http://schemas.openxmlformats.org/markup-compatibility/2006" xmlns:p14="http://schemas.microsoft.com/office/powerpoint/2010/main">
+    <mc:Choice Requires="p14">
+      <p:transition p14:dur="150">
+        <p14:flash/>
+      </p:transition>
+    </mc:Choice>
+    <mc:Fallback xmlns="">
+      <p:transition>
+        <p:fade/>
+      </p:transition>
+    </mc:Fallback>
+  </mc:AlternateContent>
+</p:sld>
+</file>
+
+<file path=ppt/slides/slide44.xml><?xml version="1.0" encoding="utf-8"?>
+<p:sld xmlns:a="http://schemas.openxmlformats.org/drawingml/2006/main" xmlns:r="http://schemas.openxmlformats.org/officeDocument/2006/relationships" xmlns:p="http://schemas.openxmlformats.org/presentationml/2006/main">
+  <p:cSld>
+    <p:bg>
+      <p:bgPr>
+        <a:solidFill>
+          <a:srgbClr val="53777A"/>
+        </a:solidFill>
+        <a:effectLst/>
+      </p:bgPr>
+    </p:bg>
+    <p:spTree>
+      <p:nvGrpSpPr>
+        <p:cNvPr id="1" name=""/>
+        <p:cNvGrpSpPr/>
+        <p:nvPr/>
+      </p:nvGrpSpPr>
+      <p:grpSpPr>
+        <a:xfrm>
+          <a:off x="0" y="0"/>
+          <a:ext cx="0" cy="0"/>
+          <a:chOff x="0" y="0"/>
+          <a:chExt cx="0" cy="0"/>
+        </a:xfrm>
+      </p:grpSpPr>
       <p:sp>
         <p:nvSpPr>
           <p:cNvPr id="5" name="TextBox 4"/>
@@ -19437,7 +20261,7 @@
 </p:sld>
 </file>
 
-<file path=ppt/slides/slide43.xml><?xml version="1.0" encoding="utf-8"?>
+<file path=ppt/slides/slide45.xml><?xml version="1.0" encoding="utf-8"?>
 <p:sld xmlns:a="http://schemas.openxmlformats.org/drawingml/2006/main" xmlns:r="http://schemas.openxmlformats.org/officeDocument/2006/relationships" xmlns:p="http://schemas.openxmlformats.org/presentationml/2006/main">
   <p:cSld>
     <p:bg>
@@ -21300,33 +22124,20 @@
               <a:t>refers to a location for storage, often for safety or preservation</a:t>
             </a:r>
             <a:r>
-              <a:rPr lang="en-US" sz="1200" smtClean="0"/>
+              <a:rPr lang="en-US" sz="1200" dirty="0" smtClean="0"/>
               <a:t>. </a:t>
             </a:r>
-            <a:endParaRPr lang="en-US" sz="1200" smtClean="0"/>
-          </a:p>
-          <a:p>
-            <a:r>
-              <a:rPr lang="en-US" sz="1200" smtClean="0"/>
+          </a:p>
+          <a:p>
+            <a:r>
+              <a:rPr lang="en-US" sz="1200" dirty="0" smtClean="0"/>
               <a:t>-&gt; </a:t>
             </a:r>
             <a:r>
               <a:rPr lang="en-US" sz="1400" dirty="0" smtClean="0">
                 <a:hlinkClick r:id="rId2"/>
               </a:rPr>
-              <a:t>read this for </a:t>
-            </a:r>
-            <a:r>
-              <a:rPr lang="en-US" sz="1400" smtClean="0">
-                <a:hlinkClick r:id="rId2"/>
-              </a:rPr>
-              <a:t>more </a:t>
-            </a:r>
-            <a:r>
-              <a:rPr lang="en-US" sz="1400" smtClean="0">
-                <a:hlinkClick r:id="rId2"/>
-              </a:rPr>
-              <a:t>detail</a:t>
+              <a:t>read this for more details</a:t>
             </a:r>
             <a:endParaRPr lang="en-US" sz="1050" dirty="0" smtClean="0"/>
           </a:p>

--- a/git-beginner.pptx
+++ b/git-beginner.pptx
@@ -19667,8 +19667,16 @@
           <a:p>
             <a:pPr algn="ctr"/>
             <a:r>
+              <a:rPr lang="en-US" smtClean="0"/>
+              <a:t>“</a:t>
+            </a:r>
+            <a:r>
+              <a:rPr lang="en-US" smtClean="0"/>
+              <a:t>yourself</a:t>
+            </a:r>
+            <a:r>
               <a:rPr lang="en-US" dirty="0" smtClean="0"/>
-              <a:t>“your self, don’t repeat”  -- DRY</a:t>
+              <a:t>, don’t repeat”  -- DRY</a:t>
             </a:r>
             <a:endParaRPr lang="en-US" dirty="0"/>
           </a:p>

--- a/git-beginner.pptx
+++ b/git-beginner.pptx
@@ -236,7 +236,7 @@
           <a:p>
             <a:fld id="{5F24E84A-02C5-45A6-8C43-1C1C9F930287}" type="datetimeFigureOut">
               <a:rPr lang="en-US" smtClean="0"/>
-              <a:t>06/10/12</a:t>
+              <a:t>08/10/12</a:t>
             </a:fld>
             <a:endParaRPr lang="en-US"/>
           </a:p>
@@ -769,7 +769,7 @@
           <a:p>
             <a:fld id="{05E59C73-1A45-482C-83A3-0D30780A159E}" type="datetimeFigureOut">
               <a:rPr lang="en-US" smtClean="0"/>
-              <a:t>06/10/12</a:t>
+              <a:t>08/10/12</a:t>
             </a:fld>
             <a:endParaRPr lang="en-US"/>
           </a:p>
@@ -951,7 +951,7 @@
           <a:p>
             <a:fld id="{05E59C73-1A45-482C-83A3-0D30780A159E}" type="datetimeFigureOut">
               <a:rPr lang="en-US" smtClean="0"/>
-              <a:t>06/10/12</a:t>
+              <a:t>08/10/12</a:t>
             </a:fld>
             <a:endParaRPr lang="en-US"/>
           </a:p>
@@ -1143,7 +1143,7 @@
           <a:p>
             <a:fld id="{05E59C73-1A45-482C-83A3-0D30780A159E}" type="datetimeFigureOut">
               <a:rPr lang="en-US" smtClean="0"/>
-              <a:t>06/10/12</a:t>
+              <a:t>08/10/12</a:t>
             </a:fld>
             <a:endParaRPr lang="en-US"/>
           </a:p>
@@ -1325,7 +1325,7 @@
           <a:p>
             <a:fld id="{05E59C73-1A45-482C-83A3-0D30780A159E}" type="datetimeFigureOut">
               <a:rPr lang="en-US" smtClean="0"/>
-              <a:t>06/10/12</a:t>
+              <a:t>08/10/12</a:t>
             </a:fld>
             <a:endParaRPr lang="en-US"/>
           </a:p>
@@ -1583,7 +1583,7 @@
           <a:p>
             <a:fld id="{05E59C73-1A45-482C-83A3-0D30780A159E}" type="datetimeFigureOut">
               <a:rPr lang="en-US" smtClean="0"/>
-              <a:t>06/10/12</a:t>
+              <a:t>08/10/12</a:t>
             </a:fld>
             <a:endParaRPr lang="en-US"/>
           </a:p>
@@ -1883,7 +1883,7 @@
           <a:p>
             <a:fld id="{05E59C73-1A45-482C-83A3-0D30780A159E}" type="datetimeFigureOut">
               <a:rPr lang="en-US" smtClean="0"/>
-              <a:t>06/10/12</a:t>
+              <a:t>08/10/12</a:t>
             </a:fld>
             <a:endParaRPr lang="en-US"/>
           </a:p>
@@ -2317,7 +2317,7 @@
           <a:p>
             <a:fld id="{05E59C73-1A45-482C-83A3-0D30780A159E}" type="datetimeFigureOut">
               <a:rPr lang="en-US" smtClean="0"/>
-              <a:t>06/10/12</a:t>
+              <a:t>08/10/12</a:t>
             </a:fld>
             <a:endParaRPr lang="en-US"/>
           </a:p>
@@ -2447,7 +2447,7 @@
           <a:p>
             <a:fld id="{05E59C73-1A45-482C-83A3-0D30780A159E}" type="datetimeFigureOut">
               <a:rPr lang="en-US" smtClean="0"/>
-              <a:t>06/10/12</a:t>
+              <a:t>08/10/12</a:t>
             </a:fld>
             <a:endParaRPr lang="en-US"/>
           </a:p>
@@ -2554,7 +2554,7 @@
           <a:p>
             <a:fld id="{05E59C73-1A45-482C-83A3-0D30780A159E}" type="datetimeFigureOut">
               <a:rPr lang="en-US" smtClean="0"/>
-              <a:t>06/10/12</a:t>
+              <a:t>08/10/12</a:t>
             </a:fld>
             <a:endParaRPr lang="en-US"/>
           </a:p>
@@ -2843,7 +2843,7 @@
           <a:p>
             <a:fld id="{05E59C73-1A45-482C-83A3-0D30780A159E}" type="datetimeFigureOut">
               <a:rPr lang="en-US" smtClean="0"/>
-              <a:t>06/10/12</a:t>
+              <a:t>08/10/12</a:t>
             </a:fld>
             <a:endParaRPr lang="en-US"/>
           </a:p>
@@ -3108,7 +3108,7 @@
           <a:p>
             <a:fld id="{05E59C73-1A45-482C-83A3-0D30780A159E}" type="datetimeFigureOut">
               <a:rPr lang="en-US" smtClean="0"/>
-              <a:t>06/10/12</a:t>
+              <a:t>08/10/12</a:t>
             </a:fld>
             <a:endParaRPr lang="en-US"/>
           </a:p>
@@ -3333,7 +3333,7 @@
           <a:p>
             <a:fld id="{05E59C73-1A45-482C-83A3-0D30780A159E}" type="datetimeFigureOut">
               <a:rPr lang="en-US" smtClean="0"/>
-              <a:t>06/10/12</a:t>
+              <a:t>08/10/12</a:t>
             </a:fld>
             <a:endParaRPr lang="en-US"/>
           </a:p>
@@ -7543,7 +7543,7 @@
         </p:nvSpPr>
         <p:spPr>
           <a:xfrm>
-            <a:off x="1219200" y="1067629"/>
+            <a:off x="1219199" y="899493"/>
             <a:ext cx="2534668" cy="830997"/>
           </a:xfrm>
           <a:prstGeom prst="rect">
@@ -7594,7 +7594,7 @@
         </p:nvSpPr>
         <p:spPr>
           <a:xfrm>
-            <a:off x="1219200" y="1914586"/>
+            <a:off x="1219199" y="1746450"/>
             <a:ext cx="7095276" cy="1569660"/>
           </a:xfrm>
           <a:prstGeom prst="rect">
@@ -7653,7 +7653,7 @@
         </p:nvSpPr>
         <p:spPr>
           <a:xfrm>
-            <a:off x="1219200" y="2800350"/>
+            <a:off x="1219199" y="2632214"/>
             <a:ext cx="7260770" cy="830997"/>
           </a:xfrm>
           <a:prstGeom prst="rect">
@@ -7739,7 +7739,7 @@
         </p:blipFill>
         <p:spPr bwMode="auto">
           <a:xfrm>
-            <a:off x="526111" y="2911048"/>
+            <a:off x="526110" y="2742912"/>
             <a:ext cx="586740" cy="609600"/>
           </a:xfrm>
           <a:prstGeom prst="rect">
@@ -7780,7 +7780,7 @@
         </p:blipFill>
         <p:spPr bwMode="auto">
           <a:xfrm>
-            <a:off x="568021" y="2066513"/>
+            <a:off x="568020" y="1898377"/>
             <a:ext cx="457200" cy="457200"/>
           </a:xfrm>
           <a:prstGeom prst="rect">
@@ -7821,7 +7821,7 @@
         </p:blipFill>
         <p:spPr bwMode="auto">
           <a:xfrm>
-            <a:off x="491821" y="1178328"/>
+            <a:off x="491820" y="1010192"/>
             <a:ext cx="609600" cy="609600"/>
           </a:xfrm>
           <a:prstGeom prst="rect">
@@ -7862,7 +7862,7 @@
         </p:blipFill>
         <p:spPr bwMode="auto">
           <a:xfrm>
-            <a:off x="514681" y="3811657"/>
+            <a:off x="514680" y="3643521"/>
             <a:ext cx="609600" cy="609600"/>
           </a:xfrm>
           <a:prstGeom prst="rect">
@@ -7888,7 +7888,7 @@
         </p:nvSpPr>
         <p:spPr>
           <a:xfrm>
-            <a:off x="1219199" y="3700958"/>
+            <a:off x="1219198" y="3532822"/>
             <a:ext cx="6306663" cy="830997"/>
           </a:xfrm>
           <a:prstGeom prst="rect">
@@ -7942,6 +7942,113 @@
               <a:t>vinhnx</a:t>
             </a:r>
             <a:endParaRPr lang="en-US" sz="4800" dirty="0">
+              <a:solidFill>
+                <a:srgbClr val="EFECAB"/>
+              </a:solidFill>
+              <a:latin typeface="Nexa Light" pitchFamily="50" charset="0"/>
+            </a:endParaRPr>
+          </a:p>
+        </p:txBody>
+      </p:sp>
+      <p:pic>
+        <p:nvPicPr>
+          <p:cNvPr id="1026" name="Picture 2" descr="F:\Icons\App Icon\PNG Files\32x32\mail-back.png"/>
+          <p:cNvPicPr>
+            <a:picLocks noChangeAspect="1" noChangeArrowheads="1"/>
+          </p:cNvPicPr>
+          <p:nvPr/>
+        </p:nvPicPr>
+        <p:blipFill>
+          <a:blip r:embed="rId10">
+            <a:extLst>
+              <a:ext uri="{28A0092B-C50C-407E-A947-70E740481C1C}">
+                <a14:useLocalDpi xmlns:a14="http://schemas.microsoft.com/office/drawing/2010/main" val="0"/>
+              </a:ext>
+            </a:extLst>
+          </a:blip>
+          <a:srcRect/>
+          <a:stretch>
+            <a:fillRect/>
+          </a:stretch>
+        </p:blipFill>
+        <p:spPr bwMode="auto">
+          <a:xfrm>
+            <a:off x="680552" y="4465799"/>
+            <a:ext cx="304800" cy="304800"/>
+          </a:xfrm>
+          <a:prstGeom prst="rect">
+            <a:avLst/>
+          </a:prstGeom>
+          <a:noFill/>
+          <a:extLst>
+            <a:ext uri="{909E8E84-426E-40DD-AFC4-6F175D3DCCD1}">
+              <a14:hiddenFill xmlns:a14="http://schemas.microsoft.com/office/drawing/2010/main">
+                <a:solidFill>
+                  <a:srgbClr val="FFFFFF"/>
+                </a:solidFill>
+              </a14:hiddenFill>
+            </a:ext>
+          </a:extLst>
+        </p:spPr>
+      </p:pic>
+      <p:sp>
+        <p:nvSpPr>
+          <p:cNvPr id="13" name="Rectangle 12"/>
+          <p:cNvSpPr/>
+          <p:nvPr/>
+        </p:nvSpPr>
+        <p:spPr>
+          <a:xfrm>
+            <a:off x="1219199" y="4356589"/>
+            <a:ext cx="6391173" cy="523220"/>
+          </a:xfrm>
+          <a:prstGeom prst="rect">
+            <a:avLst/>
+          </a:prstGeom>
+        </p:spPr>
+        <p:txBody>
+          <a:bodyPr wrap="none">
+            <a:spAutoFit/>
+          </a:bodyPr>
+          <a:lstStyle/>
+          <a:p>
+            <a:r>
+              <a:rPr lang="en-US" sz="2800" dirty="0" err="1" smtClean="0">
+                <a:solidFill>
+                  <a:srgbClr val="EFECAB"/>
+                </a:solidFill>
+                <a:latin typeface="Nexa Light" pitchFamily="50" charset="0"/>
+              </a:rPr>
+              <a:t>vinhnguyen2308</a:t>
+            </a:r>
+            <a:r>
+              <a:rPr lang="en-US" sz="2800" dirty="0" smtClean="0">
+                <a:solidFill>
+                  <a:srgbClr val="EFECAB"/>
+                </a:solidFill>
+                <a:latin typeface="Nexa Light" pitchFamily="50" charset="0"/>
+              </a:rPr>
+              <a:t> [at] </a:t>
+            </a:r>
+            <a:r>
+              <a:rPr lang="en-US" sz="2800" dirty="0" err="1" smtClean="0">
+                <a:solidFill>
+                  <a:srgbClr val="EFECAB"/>
+                </a:solidFill>
+                <a:latin typeface="Nexa Light" pitchFamily="50" charset="0"/>
+              </a:rPr>
+              <a:t>gmail</a:t>
+            </a:r>
+            <a:r>
+              <a:rPr lang="en-US" sz="2800" dirty="0" smtClean="0">
+                <a:solidFill>
+                  <a:srgbClr val="EFECAB"/>
+                </a:solidFill>
+                <a:latin typeface="Nexa Light" pitchFamily="50" charset="0"/>
+              </a:rPr>
+              <a:t> [dot] com</a:t>
+            </a:r>
+            <a:endParaRPr lang="en-US" sz="2800" dirty="0">
               <a:solidFill>
                 <a:srgbClr val="EFECAB"/>
               </a:solidFill>
@@ -19668,11 +19775,7 @@
             <a:pPr algn="ctr"/>
             <a:r>
               <a:rPr lang="en-US" smtClean="0"/>
-              <a:t>“</a:t>
-            </a:r>
-            <a:r>
-              <a:rPr lang="en-US" smtClean="0"/>
-              <a:t>yourself</a:t>
+              <a:t>“yourself</a:t>
             </a:r>
             <a:r>
               <a:rPr lang="en-US" dirty="0" smtClean="0"/>

--- a/git-beginner.pptx
+++ b/git-beginner.pptx
@@ -5,7 +5,7 @@
     <p:sldMasterId id="2147483648" r:id="rId1"/>
   </p:sldMasterIdLst>
   <p:notesMasterIdLst>
-    <p:notesMasterId r:id="rId47"/>
+    <p:notesMasterId r:id="rId46"/>
   </p:notesMasterIdLst>
   <p:sldIdLst>
     <p:sldId id="256" r:id="rId2"/>
@@ -44,15 +44,14 @@
     <p:sldId id="293" r:id="rId35"/>
     <p:sldId id="295" r:id="rId36"/>
     <p:sldId id="296" r:id="rId37"/>
-    <p:sldId id="279" r:id="rId38"/>
-    <p:sldId id="291" r:id="rId39"/>
-    <p:sldId id="297" r:id="rId40"/>
-    <p:sldId id="292" r:id="rId41"/>
-    <p:sldId id="299" r:id="rId42"/>
-    <p:sldId id="301" r:id="rId43"/>
-    <p:sldId id="302" r:id="rId44"/>
-    <p:sldId id="298" r:id="rId45"/>
-    <p:sldId id="280" r:id="rId46"/>
+    <p:sldId id="291" r:id="rId38"/>
+    <p:sldId id="297" r:id="rId39"/>
+    <p:sldId id="292" r:id="rId40"/>
+    <p:sldId id="299" r:id="rId41"/>
+    <p:sldId id="301" r:id="rId42"/>
+    <p:sldId id="302" r:id="rId43"/>
+    <p:sldId id="279" r:id="rId44"/>
+    <p:sldId id="280" r:id="rId45"/>
   </p:sldIdLst>
   <p:sldSz cx="9144000" cy="5143500" type="screen16x9"/>
   <p:notesSz cx="6858000" cy="9144000"/>
@@ -236,7 +235,7 @@
           <a:p>
             <a:fld id="{5F24E84A-02C5-45A6-8C43-1C1C9F930287}" type="datetimeFigureOut">
               <a:rPr lang="en-US" smtClean="0"/>
-              <a:t>08/10/12</a:t>
+              <a:t>09/10/12</a:t>
             </a:fld>
             <a:endParaRPr lang="en-US"/>
           </a:p>
@@ -769,7 +768,7 @@
           <a:p>
             <a:fld id="{05E59C73-1A45-482C-83A3-0D30780A159E}" type="datetimeFigureOut">
               <a:rPr lang="en-US" smtClean="0"/>
-              <a:t>08/10/12</a:t>
+              <a:t>09/10/12</a:t>
             </a:fld>
             <a:endParaRPr lang="en-US"/>
           </a:p>
@@ -951,7 +950,7 @@
           <a:p>
             <a:fld id="{05E59C73-1A45-482C-83A3-0D30780A159E}" type="datetimeFigureOut">
               <a:rPr lang="en-US" smtClean="0"/>
-              <a:t>08/10/12</a:t>
+              <a:t>09/10/12</a:t>
             </a:fld>
             <a:endParaRPr lang="en-US"/>
           </a:p>
@@ -1143,7 +1142,7 @@
           <a:p>
             <a:fld id="{05E59C73-1A45-482C-83A3-0D30780A159E}" type="datetimeFigureOut">
               <a:rPr lang="en-US" smtClean="0"/>
-              <a:t>08/10/12</a:t>
+              <a:t>09/10/12</a:t>
             </a:fld>
             <a:endParaRPr lang="en-US"/>
           </a:p>
@@ -1325,7 +1324,7 @@
           <a:p>
             <a:fld id="{05E59C73-1A45-482C-83A3-0D30780A159E}" type="datetimeFigureOut">
               <a:rPr lang="en-US" smtClean="0"/>
-              <a:t>08/10/12</a:t>
+              <a:t>09/10/12</a:t>
             </a:fld>
             <a:endParaRPr lang="en-US"/>
           </a:p>
@@ -1583,7 +1582,7 @@
           <a:p>
             <a:fld id="{05E59C73-1A45-482C-83A3-0D30780A159E}" type="datetimeFigureOut">
               <a:rPr lang="en-US" smtClean="0"/>
-              <a:t>08/10/12</a:t>
+              <a:t>09/10/12</a:t>
             </a:fld>
             <a:endParaRPr lang="en-US"/>
           </a:p>
@@ -1883,7 +1882,7 @@
           <a:p>
             <a:fld id="{05E59C73-1A45-482C-83A3-0D30780A159E}" type="datetimeFigureOut">
               <a:rPr lang="en-US" smtClean="0"/>
-              <a:t>08/10/12</a:t>
+              <a:t>09/10/12</a:t>
             </a:fld>
             <a:endParaRPr lang="en-US"/>
           </a:p>
@@ -2317,7 +2316,7 @@
           <a:p>
             <a:fld id="{05E59C73-1A45-482C-83A3-0D30780A159E}" type="datetimeFigureOut">
               <a:rPr lang="en-US" smtClean="0"/>
-              <a:t>08/10/12</a:t>
+              <a:t>09/10/12</a:t>
             </a:fld>
             <a:endParaRPr lang="en-US"/>
           </a:p>
@@ -2447,7 +2446,7 @@
           <a:p>
             <a:fld id="{05E59C73-1A45-482C-83A3-0D30780A159E}" type="datetimeFigureOut">
               <a:rPr lang="en-US" smtClean="0"/>
-              <a:t>08/10/12</a:t>
+              <a:t>09/10/12</a:t>
             </a:fld>
             <a:endParaRPr lang="en-US"/>
           </a:p>
@@ -2554,7 +2553,7 @@
           <a:p>
             <a:fld id="{05E59C73-1A45-482C-83A3-0D30780A159E}" type="datetimeFigureOut">
               <a:rPr lang="en-US" smtClean="0"/>
-              <a:t>08/10/12</a:t>
+              <a:t>09/10/12</a:t>
             </a:fld>
             <a:endParaRPr lang="en-US"/>
           </a:p>
@@ -2843,7 +2842,7 @@
           <a:p>
             <a:fld id="{05E59C73-1A45-482C-83A3-0D30780A159E}" type="datetimeFigureOut">
               <a:rPr lang="en-US" smtClean="0"/>
-              <a:t>08/10/12</a:t>
+              <a:t>09/10/12</a:t>
             </a:fld>
             <a:endParaRPr lang="en-US"/>
           </a:p>
@@ -3108,7 +3107,7 @@
           <a:p>
             <a:fld id="{05E59C73-1A45-482C-83A3-0D30780A159E}" type="datetimeFigureOut">
               <a:rPr lang="en-US" smtClean="0"/>
-              <a:t>08/10/12</a:t>
+              <a:t>09/10/12</a:t>
             </a:fld>
             <a:endParaRPr lang="en-US"/>
           </a:p>
@@ -3333,7 +3332,7 @@
           <a:p>
             <a:fld id="{05E59C73-1A45-482C-83A3-0D30780A159E}" type="datetimeFigureOut">
               <a:rPr lang="en-US" smtClean="0"/>
-              <a:t>08/10/12</a:t>
+              <a:t>09/10/12</a:t>
             </a:fld>
             <a:endParaRPr lang="en-US"/>
           </a:p>
@@ -17822,832 +17821,6 @@
           <a:chExt cx="0" cy="0"/>
         </a:xfrm>
       </p:grpSpPr>
-      <p:sp>
-        <p:nvSpPr>
-          <p:cNvPr id="7" name="Title 6"/>
-          <p:cNvSpPr>
-            <a:spLocks noGrp="1"/>
-          </p:cNvSpPr>
-          <p:nvPr>
-            <p:ph type="title"/>
-          </p:nvPr>
-        </p:nvSpPr>
-        <p:spPr>
-          <a:xfrm>
-            <a:off x="473765" y="133350"/>
-            <a:ext cx="8229600" cy="857250"/>
-          </a:xfrm>
-        </p:spPr>
-        <p:txBody>
-          <a:bodyPr/>
-          <a:lstStyle/>
-          <a:p>
-            <a:r>
-              <a:rPr lang="en-US" smtClean="0"/>
-              <a:t>ref</a:t>
-            </a:r>
-            <a:endParaRPr lang="en-US"/>
-          </a:p>
-        </p:txBody>
-      </p:sp>
-      <p:sp>
-        <p:nvSpPr>
-          <p:cNvPr id="9" name="TextBox 8"/>
-          <p:cNvSpPr txBox="1"/>
-          <p:nvPr/>
-        </p:nvSpPr>
-        <p:spPr>
-          <a:xfrm>
-            <a:off x="457200" y="1000585"/>
-            <a:ext cx="6811480" cy="4331955"/>
-          </a:xfrm>
-          <a:prstGeom prst="rect">
-            <a:avLst/>
-          </a:prstGeom>
-          <a:noFill/>
-        </p:spPr>
-        <p:txBody>
-          <a:bodyPr wrap="none" rtlCol="0">
-            <a:spAutoFit/>
-          </a:bodyPr>
-          <a:lstStyle/>
-          <a:p>
-            <a:r>
-              <a:rPr lang="en-US" dirty="0" err="1" smtClean="0">
-                <a:solidFill>
-                  <a:srgbClr val="EECE78"/>
-                </a:solidFill>
-                <a:latin typeface="+mj-lt"/>
-              </a:rPr>
-              <a:t>Gitref</a:t>
-            </a:r>
-            <a:r>
-              <a:rPr lang="en-US" dirty="0" smtClean="0"/>
-              <a:t>: </a:t>
-            </a:r>
-            <a:r>
-              <a:rPr lang="en-US" dirty="0" smtClean="0">
-                <a:hlinkClick r:id="rId2"/>
-              </a:rPr>
-              <a:t>http://</a:t>
-            </a:r>
-            <a:r>
-              <a:rPr lang="en-US" dirty="0" err="1" smtClean="0">
-                <a:hlinkClick r:id="rId2"/>
-              </a:rPr>
-              <a:t>gitref.org</a:t>
-            </a:r>
-            <a:endParaRPr lang="en-US" dirty="0" smtClean="0"/>
-          </a:p>
-          <a:p>
-            <a:r>
-              <a:rPr lang="en-US" dirty="0" err="1" smtClean="0">
-                <a:solidFill>
-                  <a:srgbClr val="EECE78"/>
-                </a:solidFill>
-                <a:latin typeface="+mj-lt"/>
-              </a:rPr>
-              <a:t>Github</a:t>
-            </a:r>
-            <a:r>
-              <a:rPr lang="en-US" dirty="0" smtClean="0">
-                <a:solidFill>
-                  <a:srgbClr val="EECE78"/>
-                </a:solidFill>
-                <a:latin typeface="+mj-lt"/>
-              </a:rPr>
-              <a:t> help</a:t>
-            </a:r>
-            <a:r>
-              <a:rPr lang="en-US" dirty="0" smtClean="0"/>
-              <a:t>: </a:t>
-            </a:r>
-            <a:r>
-              <a:rPr lang="en-US" dirty="0" smtClean="0">
-                <a:hlinkClick r:id="rId3"/>
-              </a:rPr>
-              <a:t>https://</a:t>
-            </a:r>
-            <a:r>
-              <a:rPr lang="en-US" dirty="0" err="1" smtClean="0">
-                <a:hlinkClick r:id="rId3"/>
-              </a:rPr>
-              <a:t>help.github.com</a:t>
-            </a:r>
-            <a:r>
-              <a:rPr lang="en-US" dirty="0" smtClean="0">
-                <a:hlinkClick r:id="rId3"/>
-              </a:rPr>
-              <a:t>/</a:t>
-            </a:r>
-            <a:endParaRPr lang="en-US" dirty="0" smtClean="0"/>
-          </a:p>
-          <a:p>
-            <a:r>
-              <a:rPr lang="en-US" dirty="0" err="1" smtClean="0">
-                <a:solidFill>
-                  <a:srgbClr val="EECE78"/>
-                </a:solidFill>
-                <a:latin typeface="+mj-lt"/>
-              </a:rPr>
-              <a:t>Git-scm</a:t>
-            </a:r>
-            <a:r>
-              <a:rPr lang="en-US" dirty="0" smtClean="0"/>
-              <a:t>: </a:t>
-            </a:r>
-            <a:r>
-              <a:rPr lang="en-US" dirty="0" smtClean="0">
-                <a:hlinkClick r:id="rId4"/>
-              </a:rPr>
-              <a:t>http://</a:t>
-            </a:r>
-            <a:r>
-              <a:rPr lang="en-US" dirty="0" err="1" smtClean="0">
-                <a:hlinkClick r:id="rId4"/>
-              </a:rPr>
-              <a:t>git-scm.org</a:t>
-            </a:r>
-            <a:r>
-              <a:rPr lang="en-US" dirty="0" smtClean="0">
-                <a:hlinkClick r:id="rId4"/>
-              </a:rPr>
-              <a:t>/</a:t>
-            </a:r>
-            <a:endParaRPr lang="en-US" dirty="0" smtClean="0"/>
-          </a:p>
-          <a:p>
-            <a:r>
-              <a:rPr lang="en-US" dirty="0" smtClean="0">
-                <a:solidFill>
-                  <a:srgbClr val="EECE78"/>
-                </a:solidFill>
-                <a:latin typeface="+mj-lt"/>
-              </a:rPr>
-              <a:t>Pro </a:t>
-            </a:r>
-            <a:r>
-              <a:rPr lang="en-US" dirty="0" err="1" smtClean="0">
-                <a:solidFill>
-                  <a:srgbClr val="EECE78"/>
-                </a:solidFill>
-                <a:latin typeface="+mj-lt"/>
-              </a:rPr>
-              <a:t>git</a:t>
-            </a:r>
-            <a:r>
-              <a:rPr lang="en-US" dirty="0" smtClean="0">
-                <a:solidFill>
-                  <a:srgbClr val="EECE78"/>
-                </a:solidFill>
-                <a:latin typeface="+mj-lt"/>
-              </a:rPr>
-              <a:t> book</a:t>
-            </a:r>
-            <a:r>
-              <a:rPr lang="en-US" dirty="0" smtClean="0"/>
-              <a:t>: </a:t>
-            </a:r>
-            <a:r>
-              <a:rPr lang="en-US" dirty="0" smtClean="0">
-                <a:hlinkClick r:id="rId5"/>
-              </a:rPr>
-              <a:t>http://</a:t>
-            </a:r>
-            <a:r>
-              <a:rPr lang="en-US" dirty="0" err="1" smtClean="0">
-                <a:hlinkClick r:id="rId5"/>
-              </a:rPr>
-              <a:t>git-scm.com</a:t>
-            </a:r>
-            <a:r>
-              <a:rPr lang="en-US" dirty="0" smtClean="0">
-                <a:hlinkClick r:id="rId5"/>
-              </a:rPr>
-              <a:t>/book</a:t>
-            </a:r>
-            <a:endParaRPr lang="en-US" dirty="0" smtClean="0"/>
-          </a:p>
-          <a:p>
-            <a:endParaRPr lang="en-US" dirty="0" smtClean="0"/>
-          </a:p>
-          <a:p>
-            <a:endParaRPr lang="en-US" dirty="0"/>
-          </a:p>
-          <a:p>
-            <a:endParaRPr lang="en-US" dirty="0" smtClean="0"/>
-          </a:p>
-          <a:p>
-            <a:r>
-              <a:rPr lang="en-US" dirty="0" smtClean="0">
-                <a:solidFill>
-                  <a:srgbClr val="EECE78"/>
-                </a:solidFill>
-                <a:latin typeface="+mj-lt"/>
-              </a:rPr>
-              <a:t>Advanced </a:t>
-            </a:r>
-            <a:r>
-              <a:rPr lang="en-US" dirty="0" err="1" smtClean="0">
-                <a:solidFill>
-                  <a:srgbClr val="EECE78"/>
-                </a:solidFill>
-                <a:latin typeface="+mj-lt"/>
-              </a:rPr>
-              <a:t>Git</a:t>
-            </a:r>
-            <a:r>
-              <a:rPr lang="en-US" dirty="0" smtClean="0">
-                <a:solidFill>
-                  <a:srgbClr val="EECE78"/>
-                </a:solidFill>
-                <a:latin typeface="+mj-lt"/>
-              </a:rPr>
-              <a:t> by </a:t>
-            </a:r>
-            <a:r>
-              <a:rPr lang="en-US" dirty="0" err="1" smtClean="0">
-                <a:solidFill>
-                  <a:srgbClr val="EECE78"/>
-                </a:solidFill>
-                <a:latin typeface="+mj-lt"/>
-              </a:rPr>
-              <a:t>Github's</a:t>
-            </a:r>
-            <a:r>
-              <a:rPr lang="en-US" dirty="0" smtClean="0">
-                <a:solidFill>
-                  <a:srgbClr val="EECE78"/>
-                </a:solidFill>
-                <a:latin typeface="+mj-lt"/>
-              </a:rPr>
-              <a:t> Matthew McCullough</a:t>
-            </a:r>
-          </a:p>
-          <a:p>
-            <a:r>
-              <a:rPr lang="en-US" sz="900" dirty="0">
-                <a:latin typeface="+mj-lt"/>
-                <a:hlinkClick r:id="rId6"/>
-              </a:rPr>
-              <a:t>http://</a:t>
-            </a:r>
-            <a:r>
-              <a:rPr lang="en-US" sz="900" dirty="0" err="1">
-                <a:latin typeface="+mj-lt"/>
-                <a:hlinkClick r:id="rId6"/>
-              </a:rPr>
-              <a:t>marakana.com</a:t>
-            </a:r>
-            <a:r>
-              <a:rPr lang="en-US" sz="900" dirty="0">
-                <a:latin typeface="+mj-lt"/>
-                <a:hlinkClick r:id="rId6"/>
-              </a:rPr>
-              <a:t>/s/advanced_git_graphs__hashes__</a:t>
-            </a:r>
-            <a:r>
-              <a:rPr lang="en-US" sz="900" dirty="0" smtClean="0">
-                <a:latin typeface="+mj-lt"/>
-                <a:hlinkClick r:id="rId6"/>
-              </a:rPr>
-              <a:t>compression_matthew_mccullough_github,1280/</a:t>
-            </a:r>
-            <a:r>
-              <a:rPr lang="en-US" sz="900" dirty="0" err="1" smtClean="0">
-                <a:latin typeface="+mj-lt"/>
-                <a:hlinkClick r:id="rId6"/>
-              </a:rPr>
-              <a:t>index.htm</a:t>
-            </a:r>
-            <a:r>
-              <a:rPr lang="en-US" sz="800" dirty="0" err="1" smtClean="0">
-                <a:latin typeface="+mj-lt"/>
-                <a:hlinkClick r:id="rId6"/>
-              </a:rPr>
-              <a:t>l</a:t>
-            </a:r>
-            <a:endParaRPr lang="en-US" sz="800" dirty="0" smtClean="0">
-              <a:latin typeface="+mj-lt"/>
-            </a:endParaRPr>
-          </a:p>
-          <a:p>
-            <a:endParaRPr lang="en-US" sz="2000" dirty="0" smtClean="0">
-              <a:hlinkClick r:id="rId7"/>
-            </a:endParaRPr>
-          </a:p>
-          <a:p>
-            <a:r>
-              <a:rPr lang="en-US" sz="2000" dirty="0" smtClean="0">
-                <a:solidFill>
-                  <a:srgbClr val="EECE78"/>
-                </a:solidFill>
-                <a:latin typeface="+mj-lt"/>
-              </a:rPr>
-              <a:t>Introduction </a:t>
-            </a:r>
-            <a:r>
-              <a:rPr lang="en-US" sz="2000" dirty="0">
-                <a:solidFill>
-                  <a:srgbClr val="EECE78"/>
-                </a:solidFill>
-                <a:latin typeface="+mj-lt"/>
-              </a:rPr>
-              <a:t>to </a:t>
-            </a:r>
-            <a:r>
-              <a:rPr lang="en-US" sz="2000" dirty="0" err="1">
-                <a:solidFill>
-                  <a:srgbClr val="EECE78"/>
-                </a:solidFill>
-                <a:latin typeface="+mj-lt"/>
-              </a:rPr>
-              <a:t>Git</a:t>
-            </a:r>
-            <a:r>
-              <a:rPr lang="en-US" sz="2000" dirty="0">
-                <a:solidFill>
-                  <a:srgbClr val="EECE78"/>
-                </a:solidFill>
-                <a:latin typeface="+mj-lt"/>
-              </a:rPr>
-              <a:t> with Scott Chacon of </a:t>
-            </a:r>
-            <a:r>
-              <a:rPr lang="en-US" sz="2000" dirty="0" err="1">
-                <a:solidFill>
-                  <a:srgbClr val="EECE78"/>
-                </a:solidFill>
-                <a:latin typeface="+mj-lt"/>
-              </a:rPr>
-              <a:t>GitHub</a:t>
-            </a:r>
-            <a:endParaRPr lang="en-US" sz="2000" dirty="0">
-              <a:solidFill>
-                <a:srgbClr val="EECE78"/>
-              </a:solidFill>
-              <a:latin typeface="+mj-lt"/>
-            </a:endParaRPr>
-          </a:p>
-          <a:p>
-            <a:r>
-              <a:rPr lang="en-US" sz="1100" b="1" dirty="0">
-                <a:hlinkClick r:id="rId7"/>
-              </a:rPr>
-              <a:t>http://</a:t>
-            </a:r>
-            <a:r>
-              <a:rPr lang="en-US" sz="1100" b="1" dirty="0" err="1">
-                <a:hlinkClick r:id="rId7"/>
-              </a:rPr>
-              <a:t>marakana.com</a:t>
-            </a:r>
-            <a:r>
-              <a:rPr lang="en-US" sz="1100" b="1" dirty="0">
-                <a:hlinkClick r:id="rId7"/>
-              </a:rPr>
-              <a:t>/s/</a:t>
-            </a:r>
-            <a:r>
-              <a:rPr lang="en-US" sz="1100" b="1" dirty="0" err="1">
-                <a:hlinkClick r:id="rId7"/>
-              </a:rPr>
-              <a:t>video_introduction_to_git_with_scott_chacon_of_github,399</a:t>
-            </a:r>
-            <a:r>
-              <a:rPr lang="en-US" sz="1100" b="1" dirty="0">
-                <a:hlinkClick r:id="rId7"/>
-              </a:rPr>
-              <a:t>/</a:t>
-            </a:r>
-            <a:r>
-              <a:rPr lang="en-US" sz="1100" b="1" dirty="0" err="1">
-                <a:hlinkClick r:id="rId7"/>
-              </a:rPr>
-              <a:t>index.html</a:t>
-            </a:r>
-            <a:endParaRPr lang="en-US" sz="1100" b="1" dirty="0"/>
-          </a:p>
-          <a:p>
-            <a:endParaRPr lang="en-US" sz="1200" dirty="0" smtClean="0"/>
-          </a:p>
-          <a:p>
-            <a:r>
-              <a:rPr lang="en-US" sz="2000" dirty="0" err="1" smtClean="0">
-                <a:solidFill>
-                  <a:srgbClr val="EECE78"/>
-                </a:solidFill>
-                <a:latin typeface="+mj-lt"/>
-              </a:rPr>
-              <a:t>Git</a:t>
-            </a:r>
-            <a:r>
-              <a:rPr lang="en-US" sz="2000" dirty="0" smtClean="0">
-                <a:solidFill>
-                  <a:srgbClr val="EECE78"/>
-                </a:solidFill>
-                <a:latin typeface="+mj-lt"/>
-              </a:rPr>
-              <a:t> Magic - </a:t>
-            </a:r>
-            <a:r>
-              <a:rPr lang="en-US" sz="2000" dirty="0">
-                <a:solidFill>
-                  <a:srgbClr val="EECE78"/>
-                </a:solidFill>
-                <a:latin typeface="+mj-lt"/>
-              </a:rPr>
-              <a:t>Tommy </a:t>
-            </a:r>
-            <a:r>
-              <a:rPr lang="en-US" sz="2000" dirty="0" err="1">
-                <a:solidFill>
-                  <a:srgbClr val="EECE78"/>
-                </a:solidFill>
-                <a:latin typeface="+mj-lt"/>
-              </a:rPr>
-              <a:t>MacWilliam</a:t>
-            </a:r>
-            <a:r>
-              <a:rPr lang="en-US" sz="2000" dirty="0">
-                <a:solidFill>
-                  <a:srgbClr val="EECE78"/>
-                </a:solidFill>
-                <a:latin typeface="+mj-lt"/>
-              </a:rPr>
-              <a:t> </a:t>
-            </a:r>
-            <a:r>
-              <a:rPr lang="en-US" sz="2000" dirty="0" smtClean="0">
-                <a:solidFill>
-                  <a:srgbClr val="EECE78"/>
-                </a:solidFill>
-                <a:latin typeface="+mj-lt"/>
-              </a:rPr>
-              <a:t>'13 from Harvard</a:t>
-            </a:r>
-          </a:p>
-          <a:p>
-            <a:r>
-              <a:rPr lang="en-US" sz="1100" b="1" dirty="0" smtClean="0">
-                <a:hlinkClick r:id="rId8"/>
-              </a:rPr>
-              <a:t>http</a:t>
-            </a:r>
-            <a:r>
-              <a:rPr lang="en-US" sz="1100" b="1" dirty="0">
-                <a:hlinkClick r:id="rId8"/>
-              </a:rPr>
-              <a:t>://</a:t>
-            </a:r>
-            <a:r>
-              <a:rPr lang="en-US" sz="1100" b="1" dirty="0" err="1" smtClean="0">
-                <a:hlinkClick r:id="rId8"/>
-              </a:rPr>
-              <a:t>cs50.tv</a:t>
-            </a:r>
-            <a:r>
-              <a:rPr lang="en-US" sz="1100" b="1" dirty="0" smtClean="0">
-                <a:hlinkClick r:id="rId8"/>
-              </a:rPr>
-              <a:t>/2011/fall/seminars/</a:t>
-            </a:r>
-            <a:r>
-              <a:rPr lang="en-US" sz="1100" b="1" dirty="0" err="1" smtClean="0">
-                <a:hlinkClick r:id="rId8"/>
-              </a:rPr>
-              <a:t>Git_magic</a:t>
-            </a:r>
-            <a:r>
-              <a:rPr lang="en-US" sz="1100" b="1" dirty="0" smtClean="0">
-                <a:hlinkClick r:id="rId8"/>
-              </a:rPr>
-              <a:t>/</a:t>
-            </a:r>
-            <a:r>
-              <a:rPr lang="en-US" sz="1100" b="1" dirty="0" err="1" smtClean="0">
-                <a:hlinkClick r:id="rId8"/>
-              </a:rPr>
-              <a:t>Git_magic.mp4</a:t>
-            </a:r>
-            <a:endParaRPr lang="en-US" sz="1100" b="1" dirty="0" smtClean="0"/>
-          </a:p>
-          <a:p>
-            <a:endParaRPr lang="en-US" sz="1050" b="1" dirty="0"/>
-          </a:p>
-          <a:p>
-            <a:endParaRPr lang="en-US" dirty="0"/>
-          </a:p>
-        </p:txBody>
-      </p:sp>
-      <p:sp>
-        <p:nvSpPr>
-          <p:cNvPr id="2" name="TextBox 1"/>
-          <p:cNvSpPr txBox="1"/>
-          <p:nvPr/>
-        </p:nvSpPr>
-        <p:spPr>
-          <a:xfrm>
-            <a:off x="6781800" y="2343150"/>
-            <a:ext cx="2286000" cy="3154710"/>
-          </a:xfrm>
-          <a:prstGeom prst="rect">
-            <a:avLst/>
-          </a:prstGeom>
-          <a:noFill/>
-        </p:spPr>
-        <p:txBody>
-          <a:bodyPr wrap="square" rtlCol="0">
-            <a:spAutoFit/>
-          </a:bodyPr>
-          <a:lstStyle/>
-          <a:p>
-            <a:r>
-              <a:rPr lang="en-US" sz="19900" dirty="0" smtClean="0"/>
-              <a:t>}</a:t>
-            </a:r>
-            <a:r>
-              <a:rPr lang="en-US" sz="6000" dirty="0" smtClean="0"/>
-              <a:t> </a:t>
-            </a:r>
-            <a:r>
-              <a:rPr lang="en-US" sz="1400" dirty="0" smtClean="0"/>
-              <a:t>must watch!</a:t>
-            </a:r>
-            <a:endParaRPr lang="en-US" sz="2000" dirty="0"/>
-          </a:p>
-        </p:txBody>
-      </p:sp>
-      <p:sp>
-        <p:nvSpPr>
-          <p:cNvPr id="5" name="Content Placeholder 2"/>
-          <p:cNvSpPr txBox="1">
-            <a:spLocks/>
-          </p:cNvSpPr>
-          <p:nvPr/>
-        </p:nvSpPr>
-        <p:spPr>
-          <a:xfrm>
-            <a:off x="533400" y="2343150"/>
-            <a:ext cx="5102087" cy="381000"/>
-          </a:xfrm>
-          <a:prstGeom prst="rect">
-            <a:avLst/>
-          </a:prstGeom>
-          <a:solidFill>
-            <a:schemeClr val="tx2">
-              <a:lumMod val="50000"/>
-            </a:schemeClr>
-          </a:solidFill>
-          <a:ln w="28575" cap="flat" cmpd="sng" algn="ctr">
-            <a:noFill/>
-            <a:prstDash val="solid"/>
-          </a:ln>
-          <a:effectLst>
-            <a:innerShdw blurRad="114300">
-              <a:prstClr val="black"/>
-            </a:innerShdw>
-          </a:effectLst>
-        </p:spPr>
-        <p:style>
-          <a:lnRef idx="2">
-            <a:schemeClr val="accent2">
-              <a:shade val="50000"/>
-            </a:schemeClr>
-          </a:lnRef>
-          <a:fillRef idx="1">
-            <a:schemeClr val="accent2"/>
-          </a:fillRef>
-          <a:effectRef idx="0">
-            <a:schemeClr val="accent2"/>
-          </a:effectRef>
-          <a:fontRef idx="minor">
-            <a:schemeClr val="lt1"/>
-          </a:fontRef>
-        </p:style>
-        <p:txBody>
-          <a:bodyPr vert="horz" lIns="91440" tIns="45720" rIns="91440" bIns="45720" rtlCol="0">
-            <a:noAutofit/>
-          </a:bodyPr>
-          <a:lstStyle>
-            <a:lvl1pPr marL="342900" indent="-342900" algn="l" defTabSz="914400" rtl="0" eaLnBrk="1" latinLnBrk="0" hangingPunct="1">
-              <a:spcBef>
-                <a:spcPct val="20000"/>
-              </a:spcBef>
-              <a:buFont typeface="Arial" pitchFamily="34" charset="0"/>
-              <a:buChar char="•"/>
-              <a:defRPr sz="3200" kern="1200">
-                <a:solidFill>
-                  <a:schemeClr val="tx1"/>
-                </a:solidFill>
-                <a:latin typeface="+mn-lt"/>
-                <a:ea typeface="+mn-ea"/>
-                <a:cs typeface="+mn-cs"/>
-              </a:defRPr>
-            </a:lvl1pPr>
-            <a:lvl2pPr marL="742950" indent="-285750" algn="l" defTabSz="914400" rtl="0" eaLnBrk="1" latinLnBrk="0" hangingPunct="1">
-              <a:spcBef>
-                <a:spcPct val="20000"/>
-              </a:spcBef>
-              <a:buFont typeface="Arial" pitchFamily="34" charset="0"/>
-              <a:buChar char="–"/>
-              <a:defRPr sz="2800" kern="1200">
-                <a:solidFill>
-                  <a:schemeClr val="tx1"/>
-                </a:solidFill>
-                <a:latin typeface="+mn-lt"/>
-                <a:ea typeface="+mn-ea"/>
-                <a:cs typeface="+mn-cs"/>
-              </a:defRPr>
-            </a:lvl2pPr>
-            <a:lvl3pPr marL="1143000" indent="-228600" algn="l" defTabSz="914400" rtl="0" eaLnBrk="1" latinLnBrk="0" hangingPunct="1">
-              <a:spcBef>
-                <a:spcPct val="20000"/>
-              </a:spcBef>
-              <a:buFont typeface="Arial" pitchFamily="34" charset="0"/>
-              <a:buChar char="•"/>
-              <a:defRPr sz="2400" kern="1200">
-                <a:solidFill>
-                  <a:schemeClr val="tx1"/>
-                </a:solidFill>
-                <a:latin typeface="+mn-lt"/>
-                <a:ea typeface="+mn-ea"/>
-                <a:cs typeface="+mn-cs"/>
-              </a:defRPr>
-            </a:lvl3pPr>
-            <a:lvl4pPr marL="1600200" indent="-228600" algn="l" defTabSz="914400" rtl="0" eaLnBrk="1" latinLnBrk="0" hangingPunct="1">
-              <a:spcBef>
-                <a:spcPct val="20000"/>
-              </a:spcBef>
-              <a:buFont typeface="Arial" pitchFamily="34" charset="0"/>
-              <a:buChar char="–"/>
-              <a:defRPr sz="2000" kern="1200">
-                <a:solidFill>
-                  <a:schemeClr val="tx1"/>
-                </a:solidFill>
-                <a:latin typeface="+mn-lt"/>
-                <a:ea typeface="+mn-ea"/>
-                <a:cs typeface="+mn-cs"/>
-              </a:defRPr>
-            </a:lvl4pPr>
-            <a:lvl5pPr marL="2057400" indent="-228600" algn="l" defTabSz="914400" rtl="0" eaLnBrk="1" latinLnBrk="0" hangingPunct="1">
-              <a:spcBef>
-                <a:spcPct val="20000"/>
-              </a:spcBef>
-              <a:buFont typeface="Arial" pitchFamily="34" charset="0"/>
-              <a:buChar char="»"/>
-              <a:defRPr sz="2000" kern="1200">
-                <a:solidFill>
-                  <a:schemeClr val="tx1"/>
-                </a:solidFill>
-                <a:latin typeface="+mn-lt"/>
-                <a:ea typeface="+mn-ea"/>
-                <a:cs typeface="+mn-cs"/>
-              </a:defRPr>
-            </a:lvl5pPr>
-            <a:lvl6pPr marL="2514600" indent="-228600" algn="l" defTabSz="914400" rtl="0" eaLnBrk="1" latinLnBrk="0" hangingPunct="1">
-              <a:spcBef>
-                <a:spcPct val="20000"/>
-              </a:spcBef>
-              <a:buFont typeface="Arial" pitchFamily="34" charset="0"/>
-              <a:buChar char="•"/>
-              <a:defRPr sz="2000" kern="1200">
-                <a:solidFill>
-                  <a:schemeClr val="tx1"/>
-                </a:solidFill>
-                <a:latin typeface="+mn-lt"/>
-                <a:ea typeface="+mn-ea"/>
-                <a:cs typeface="+mn-cs"/>
-              </a:defRPr>
-            </a:lvl6pPr>
-            <a:lvl7pPr marL="2971800" indent="-228600" algn="l" defTabSz="914400" rtl="0" eaLnBrk="1" latinLnBrk="0" hangingPunct="1">
-              <a:spcBef>
-                <a:spcPct val="20000"/>
-              </a:spcBef>
-              <a:buFont typeface="Arial" pitchFamily="34" charset="0"/>
-              <a:buChar char="•"/>
-              <a:defRPr sz="2000" kern="1200">
-                <a:solidFill>
-                  <a:schemeClr val="tx1"/>
-                </a:solidFill>
-                <a:latin typeface="+mn-lt"/>
-                <a:ea typeface="+mn-ea"/>
-                <a:cs typeface="+mn-cs"/>
-              </a:defRPr>
-            </a:lvl7pPr>
-            <a:lvl8pPr marL="3429000" indent="-228600" algn="l" defTabSz="914400" rtl="0" eaLnBrk="1" latinLnBrk="0" hangingPunct="1">
-              <a:spcBef>
-                <a:spcPct val="20000"/>
-              </a:spcBef>
-              <a:buFont typeface="Arial" pitchFamily="34" charset="0"/>
-              <a:buChar char="•"/>
-              <a:defRPr sz="2000" kern="1200">
-                <a:solidFill>
-                  <a:schemeClr val="tx1"/>
-                </a:solidFill>
-                <a:latin typeface="+mn-lt"/>
-                <a:ea typeface="+mn-ea"/>
-                <a:cs typeface="+mn-cs"/>
-              </a:defRPr>
-            </a:lvl8pPr>
-            <a:lvl9pPr marL="3886200" indent="-228600" algn="l" defTabSz="914400" rtl="0" eaLnBrk="1" latinLnBrk="0" hangingPunct="1">
-              <a:spcBef>
-                <a:spcPct val="20000"/>
-              </a:spcBef>
-              <a:buFont typeface="Arial" pitchFamily="34" charset="0"/>
-              <a:buChar char="•"/>
-              <a:defRPr sz="2000" kern="1200">
-                <a:solidFill>
-                  <a:schemeClr val="tx1"/>
-                </a:solidFill>
-                <a:latin typeface="+mn-lt"/>
-                <a:ea typeface="+mn-ea"/>
-                <a:cs typeface="+mn-cs"/>
-              </a:defRPr>
-            </a:lvl9pPr>
-          </a:lstStyle>
-          <a:p>
-            <a:pPr marL="0" indent="0">
-              <a:buNone/>
-            </a:pPr>
-            <a:r>
-              <a:rPr lang="en-US" sz="2000" b="1" smtClean="0">
-                <a:solidFill>
-                  <a:schemeClr val="bg2">
-                    <a:lumMod val="90000"/>
-                  </a:schemeClr>
-                </a:solidFill>
-                <a:latin typeface="Source Code Pro" pitchFamily="49" charset="0"/>
-              </a:rPr>
-              <a:t>→ git help </a:t>
-            </a:r>
-            <a:r>
-              <a:rPr lang="en-US" sz="2000" b="1" i="1" smtClean="0">
-                <a:solidFill>
-                  <a:schemeClr val="bg2">
-                    <a:lumMod val="90000"/>
-                  </a:schemeClr>
-                </a:solidFill>
-                <a:latin typeface="Source Code Pro" pitchFamily="49" charset="0"/>
-              </a:rPr>
-              <a:t>[command]</a:t>
-            </a:r>
-            <a:endParaRPr lang="en-US" sz="1200" i="1" smtClean="0">
-              <a:solidFill>
-                <a:srgbClr val="53777A"/>
-              </a:solidFill>
-            </a:endParaRPr>
-          </a:p>
-        </p:txBody>
-      </p:sp>
-    </p:spTree>
-    <p:extLst>
-      <p:ext uri="{BB962C8B-B14F-4D97-AF65-F5344CB8AC3E}">
-        <p14:creationId xmlns:p14="http://schemas.microsoft.com/office/powerpoint/2010/main" val="1974573419"/>
-      </p:ext>
-    </p:extLst>
-  </p:cSld>
-  <p:clrMapOvr>
-    <a:masterClrMapping/>
-  </p:clrMapOvr>
-  <p:transition>
-    <p:fade/>
-  </p:transition>
-  <p:timing>
-    <p:tnLst>
-      <p:par>
-        <p:cTn id="1" dur="indefinite" restart="never" nodeType="tmRoot"/>
-      </p:par>
-    </p:tnLst>
-  </p:timing>
-</p:sld>
-</file>
-
-<file path=ppt/slides/slide38.xml><?xml version="1.0" encoding="utf-8"?>
-<p:sld xmlns:a="http://schemas.openxmlformats.org/drawingml/2006/main" xmlns:r="http://schemas.openxmlformats.org/officeDocument/2006/relationships" xmlns:p="http://schemas.openxmlformats.org/presentationml/2006/main">
-  <p:cSld>
-    <p:bg>
-      <p:bgPr>
-        <a:solidFill>
-          <a:srgbClr val="53777A"/>
-        </a:solidFill>
-        <a:effectLst/>
-      </p:bgPr>
-    </p:bg>
-    <p:spTree>
-      <p:nvGrpSpPr>
-        <p:cNvPr id="1" name=""/>
-        <p:cNvGrpSpPr/>
-        <p:nvPr/>
-      </p:nvGrpSpPr>
-      <p:grpSpPr>
-        <a:xfrm>
-          <a:off x="0" y="0"/>
-          <a:ext cx="0" cy="0"/>
-          <a:chOff x="0" y="0"/>
-          <a:chExt cx="0" cy="0"/>
-        </a:xfrm>
-      </p:grpSpPr>
       <p:pic>
         <p:nvPicPr>
           <p:cNvPr id="1026" name="Picture 2"/>
@@ -18767,7 +17940,7 @@
 </p:sld>
 </file>
 
-<file path=ppt/slides/slide39.xml><?xml version="1.0" encoding="utf-8"?>
+<file path=ppt/slides/slide38.xml><?xml version="1.0" encoding="utf-8"?>
 <p:sld xmlns:a="http://schemas.openxmlformats.org/drawingml/2006/main" xmlns:r="http://schemas.openxmlformats.org/officeDocument/2006/relationships" xmlns:p="http://schemas.openxmlformats.org/presentationml/2006/main">
   <p:cSld>
     <p:bg>
@@ -18865,340 +18038,7 @@
 </p:sld>
 </file>
 
-<file path=ppt/slides/slide4.xml><?xml version="1.0" encoding="utf-8"?>
-<p:sld xmlns:a="http://schemas.openxmlformats.org/drawingml/2006/main" xmlns:r="http://schemas.openxmlformats.org/officeDocument/2006/relationships" xmlns:p="http://schemas.openxmlformats.org/presentationml/2006/main">
-  <p:cSld>
-    <p:bg>
-      <p:bgPr>
-        <a:solidFill>
-          <a:srgbClr val="53777A"/>
-        </a:solidFill>
-        <a:effectLst/>
-      </p:bgPr>
-    </p:bg>
-    <p:spTree>
-      <p:nvGrpSpPr>
-        <p:cNvPr id="1" name=""/>
-        <p:cNvGrpSpPr/>
-        <p:nvPr/>
-      </p:nvGrpSpPr>
-      <p:grpSpPr>
-        <a:xfrm>
-          <a:off x="0" y="0"/>
-          <a:ext cx="0" cy="0"/>
-          <a:chOff x="0" y="0"/>
-          <a:chExt cx="0" cy="0"/>
-        </a:xfrm>
-      </p:grpSpPr>
-      <p:sp>
-        <p:nvSpPr>
-          <p:cNvPr id="2" name="Title 1"/>
-          <p:cNvSpPr>
-            <a:spLocks noGrp="1"/>
-          </p:cNvSpPr>
-          <p:nvPr>
-            <p:ph type="title"/>
-          </p:nvPr>
-        </p:nvSpPr>
-        <p:spPr/>
-        <p:txBody>
-          <a:bodyPr/>
-          <a:lstStyle/>
-          <a:p>
-            <a:r>
-              <a:rPr lang="en-US" smtClean="0"/>
-              <a:t>tl;dr</a:t>
-            </a:r>
-            <a:endParaRPr lang="en-US"/>
-          </a:p>
-        </p:txBody>
-      </p:sp>
-      <p:sp>
-        <p:nvSpPr>
-          <p:cNvPr id="3" name="Content Placeholder 2"/>
-          <p:cNvSpPr>
-            <a:spLocks noGrp="1"/>
-          </p:cNvSpPr>
-          <p:nvPr>
-            <p:ph idx="1"/>
-          </p:nvPr>
-        </p:nvSpPr>
-        <p:spPr/>
-        <p:txBody>
-          <a:bodyPr>
-            <a:noAutofit/>
-          </a:bodyPr>
-          <a:lstStyle/>
-          <a:p>
-            <a:pPr marL="400050" lvl="1" indent="0">
-              <a:buNone/>
-            </a:pPr>
-            <a:r>
-              <a:rPr lang="en-US" sz="1800" dirty="0" smtClean="0"/>
-              <a:t>Installing </a:t>
-            </a:r>
-            <a:r>
-              <a:rPr lang="en-US" sz="1800" dirty="0" err="1" smtClean="0"/>
-              <a:t>git</a:t>
-            </a:r>
-            <a:r>
-              <a:rPr lang="en-US" sz="1800" dirty="0" smtClean="0"/>
-              <a:t> in your development machine</a:t>
-            </a:r>
-          </a:p>
-          <a:p>
-            <a:pPr marL="400050" lvl="1" indent="0">
-              <a:buNone/>
-            </a:pPr>
-            <a:r>
-              <a:rPr lang="en-US" sz="2000" dirty="0" smtClean="0">
-                <a:latin typeface="+mj-lt"/>
-              </a:rPr>
-              <a:t>MAC</a:t>
-            </a:r>
-            <a:r>
-              <a:rPr lang="en-US" sz="2000" dirty="0" smtClean="0"/>
-              <a:t>: </a:t>
-            </a:r>
-          </a:p>
-          <a:p>
-            <a:pPr lvl="1" indent="-342900"/>
-            <a:r>
-              <a:rPr lang="en-US" sz="1600" dirty="0" smtClean="0">
-                <a:hlinkClick r:id="rId2"/>
-              </a:rPr>
-              <a:t>http://</a:t>
-            </a:r>
-            <a:r>
-              <a:rPr lang="en-US" sz="1600" dirty="0" err="1" smtClean="0">
-                <a:hlinkClick r:id="rId2"/>
-              </a:rPr>
-              <a:t>code.google.com</a:t>
-            </a:r>
-            <a:r>
-              <a:rPr lang="en-US" sz="1600" dirty="0" smtClean="0">
-                <a:hlinkClick r:id="rId2"/>
-              </a:rPr>
-              <a:t>/p/</a:t>
-            </a:r>
-            <a:r>
-              <a:rPr lang="en-US" sz="1600" dirty="0" err="1" smtClean="0">
-                <a:hlinkClick r:id="rId2"/>
-              </a:rPr>
-              <a:t>git</a:t>
-            </a:r>
-            <a:r>
-              <a:rPr lang="en-US" sz="1600" dirty="0" smtClean="0">
-                <a:hlinkClick r:id="rId2"/>
-              </a:rPr>
-              <a:t>-</a:t>
-            </a:r>
-            <a:r>
-              <a:rPr lang="en-US" sz="1600" dirty="0" err="1" smtClean="0">
-                <a:hlinkClick r:id="rId2"/>
-              </a:rPr>
-              <a:t>osx</a:t>
-            </a:r>
-            <a:r>
-              <a:rPr lang="en-US" sz="1600" dirty="0" smtClean="0">
-                <a:hlinkClick r:id="rId2"/>
-              </a:rPr>
-              <a:t>-installer</a:t>
-            </a:r>
-            <a:endParaRPr lang="en-US" sz="1600" dirty="0" smtClean="0"/>
-          </a:p>
-          <a:p>
-            <a:pPr lvl="1" indent="-342900"/>
-            <a:r>
-              <a:rPr lang="en-US" sz="1600" dirty="0"/>
-              <a:t>http://</a:t>
-            </a:r>
-            <a:r>
-              <a:rPr lang="en-US" sz="1600" dirty="0" err="1"/>
-              <a:t>mac.github.com</a:t>
-            </a:r>
-            <a:r>
-              <a:rPr lang="en-US" sz="1600" dirty="0" smtClean="0"/>
-              <a:t>/</a:t>
-            </a:r>
-            <a:endParaRPr lang="en-US" sz="1600" dirty="0"/>
-          </a:p>
-          <a:p>
-            <a:pPr marL="400050" lvl="1" indent="0">
-              <a:buNone/>
-            </a:pPr>
-            <a:r>
-              <a:rPr lang="en-US" sz="2000" dirty="0" smtClean="0">
-                <a:latin typeface="+mj-lt"/>
-              </a:rPr>
-              <a:t>Windows</a:t>
-            </a:r>
-            <a:r>
-              <a:rPr lang="en-US" sz="1600" dirty="0" smtClean="0"/>
-              <a:t>: </a:t>
-            </a:r>
-          </a:p>
-          <a:p>
-            <a:pPr lvl="1" indent="-342900"/>
-            <a:r>
-              <a:rPr lang="en-US" sz="1600" dirty="0" smtClean="0">
-                <a:hlinkClick r:id="rId3"/>
-              </a:rPr>
-              <a:t>http://</a:t>
-            </a:r>
-            <a:r>
-              <a:rPr lang="en-US" sz="1600" dirty="0" err="1" smtClean="0">
-                <a:hlinkClick r:id="rId3"/>
-              </a:rPr>
-              <a:t>code.google.com</a:t>
-            </a:r>
-            <a:r>
-              <a:rPr lang="en-US" sz="1600" dirty="0" smtClean="0">
-                <a:hlinkClick r:id="rId3"/>
-              </a:rPr>
-              <a:t>/p/</a:t>
-            </a:r>
-            <a:r>
-              <a:rPr lang="en-US" sz="1600" dirty="0" err="1" smtClean="0">
-                <a:hlinkClick r:id="rId3"/>
-              </a:rPr>
-              <a:t>msysgit</a:t>
-            </a:r>
-            <a:endParaRPr lang="en-US" sz="1600" dirty="0" smtClean="0"/>
-          </a:p>
-          <a:p>
-            <a:pPr lvl="1" indent="-342900"/>
-            <a:r>
-              <a:rPr lang="en-US" sz="1600" dirty="0" smtClean="0">
-                <a:hlinkClick r:id="rId4"/>
-              </a:rPr>
-              <a:t>http</a:t>
-            </a:r>
-            <a:r>
-              <a:rPr lang="en-US" sz="1600" dirty="0">
-                <a:hlinkClick r:id="rId4"/>
-              </a:rPr>
-              <a:t>://</a:t>
-            </a:r>
-            <a:r>
-              <a:rPr lang="en-US" sz="1600" dirty="0" err="1">
-                <a:hlinkClick r:id="rId4"/>
-              </a:rPr>
-              <a:t>windows.github.com</a:t>
-            </a:r>
-            <a:r>
-              <a:rPr lang="en-US" sz="1600" dirty="0" smtClean="0">
-                <a:hlinkClick r:id="rId4"/>
-              </a:rPr>
-              <a:t>/</a:t>
-            </a:r>
-            <a:r>
-              <a:rPr lang="en-US" sz="1600" dirty="0" smtClean="0"/>
-              <a:t> &lt;- </a:t>
-            </a:r>
-            <a:r>
-              <a:rPr lang="en-US" sz="1200" dirty="0" smtClean="0"/>
-              <a:t>highly recommended!</a:t>
-            </a:r>
-            <a:r>
-              <a:rPr lang="en-US" sz="1600" dirty="0" smtClean="0"/>
-              <a:t> </a:t>
-            </a:r>
-            <a:r>
-              <a:rPr lang="en-US" sz="1100" dirty="0"/>
-              <a:t>-</a:t>
-            </a:r>
-            <a:r>
-              <a:rPr lang="en-US" sz="1100" dirty="0" smtClean="0"/>
-              <a:t>If you’re using Windows PC like me ;)</a:t>
-            </a:r>
-            <a:endParaRPr lang="en-US" sz="1600" dirty="0" smtClean="0"/>
-          </a:p>
-          <a:p>
-            <a:pPr marL="400050" lvl="1" indent="0">
-              <a:buNone/>
-            </a:pPr>
-            <a:r>
-              <a:rPr lang="en-US" sz="1600" dirty="0" smtClean="0">
-                <a:latin typeface="+mj-lt"/>
-              </a:rPr>
-              <a:t>Eclipse plugins:</a:t>
-            </a:r>
-          </a:p>
-          <a:p>
-            <a:pPr marL="685800" lvl="1"/>
-            <a:r>
-              <a:rPr lang="en-US" sz="1600" dirty="0">
-                <a:hlinkClick r:id="rId5"/>
-              </a:rPr>
-              <a:t>http://</a:t>
-            </a:r>
-            <a:r>
-              <a:rPr lang="en-US" sz="1600" dirty="0" err="1">
-                <a:hlinkClick r:id="rId5"/>
-              </a:rPr>
-              <a:t>eclipse.github.com</a:t>
-            </a:r>
-            <a:r>
-              <a:rPr lang="en-US" sz="1600" dirty="0" smtClean="0">
-                <a:hlinkClick r:id="rId5"/>
-              </a:rPr>
-              <a:t>/</a:t>
-            </a:r>
-            <a:endParaRPr lang="en-US" sz="1600" dirty="0" smtClean="0"/>
-          </a:p>
-          <a:p>
-            <a:pPr marL="400050" lvl="1" indent="0">
-              <a:buNone/>
-            </a:pPr>
-            <a:r>
-              <a:rPr lang="en-US" sz="1600" dirty="0" smtClean="0">
-                <a:latin typeface="+mj-lt"/>
-              </a:rPr>
-              <a:t>Mobile:</a:t>
-            </a:r>
-          </a:p>
-          <a:p>
-            <a:pPr marL="685800" lvl="1"/>
-            <a:r>
-              <a:rPr lang="en-US" sz="1600" dirty="0"/>
-              <a:t>http://</a:t>
-            </a:r>
-            <a:r>
-              <a:rPr lang="en-US" sz="1600" dirty="0" err="1"/>
-              <a:t>mobile.github.com</a:t>
-            </a:r>
-            <a:r>
-              <a:rPr lang="en-US" sz="1600" dirty="0" smtClean="0"/>
-              <a:t>/</a:t>
-            </a:r>
-          </a:p>
-        </p:txBody>
-      </p:sp>
-    </p:spTree>
-    <p:extLst>
-      <p:ext uri="{BB962C8B-B14F-4D97-AF65-F5344CB8AC3E}">
-        <p14:creationId xmlns:p14="http://schemas.microsoft.com/office/powerpoint/2010/main" val="3801728404"/>
-      </p:ext>
-    </p:extLst>
-  </p:cSld>
-  <p:clrMapOvr>
-    <a:masterClrMapping/>
-  </p:clrMapOvr>
-  <p:transition>
-    <p:fade/>
-  </p:transition>
-  <p:timing>
-    <p:tnLst>
-      <p:par>
-        <p:cTn id="1" dur="indefinite" restart="never" nodeType="tmRoot"/>
-      </p:par>
-    </p:tnLst>
-  </p:timing>
-</p:sld>
-</file>
-
-<file path=ppt/slides/slide40.xml><?xml version="1.0" encoding="utf-8"?>
+<file path=ppt/slides/slide39.xml><?xml version="1.0" encoding="utf-8"?>
 <p:sld xmlns:a="http://schemas.openxmlformats.org/drawingml/2006/main" xmlns:r="http://schemas.openxmlformats.org/officeDocument/2006/relationships" xmlns:p="http://schemas.openxmlformats.org/presentationml/2006/main">
   <p:cSld>
     <p:bg>
@@ -19448,7 +18288,340 @@
 </p:sld>
 </file>
 
-<file path=ppt/slides/slide41.xml><?xml version="1.0" encoding="utf-8"?>
+<file path=ppt/slides/slide4.xml><?xml version="1.0" encoding="utf-8"?>
+<p:sld xmlns:a="http://schemas.openxmlformats.org/drawingml/2006/main" xmlns:r="http://schemas.openxmlformats.org/officeDocument/2006/relationships" xmlns:p="http://schemas.openxmlformats.org/presentationml/2006/main">
+  <p:cSld>
+    <p:bg>
+      <p:bgPr>
+        <a:solidFill>
+          <a:srgbClr val="53777A"/>
+        </a:solidFill>
+        <a:effectLst/>
+      </p:bgPr>
+    </p:bg>
+    <p:spTree>
+      <p:nvGrpSpPr>
+        <p:cNvPr id="1" name=""/>
+        <p:cNvGrpSpPr/>
+        <p:nvPr/>
+      </p:nvGrpSpPr>
+      <p:grpSpPr>
+        <a:xfrm>
+          <a:off x="0" y="0"/>
+          <a:ext cx="0" cy="0"/>
+          <a:chOff x="0" y="0"/>
+          <a:chExt cx="0" cy="0"/>
+        </a:xfrm>
+      </p:grpSpPr>
+      <p:sp>
+        <p:nvSpPr>
+          <p:cNvPr id="2" name="Title 1"/>
+          <p:cNvSpPr>
+            <a:spLocks noGrp="1"/>
+          </p:cNvSpPr>
+          <p:nvPr>
+            <p:ph type="title"/>
+          </p:nvPr>
+        </p:nvSpPr>
+        <p:spPr/>
+        <p:txBody>
+          <a:bodyPr/>
+          <a:lstStyle/>
+          <a:p>
+            <a:r>
+              <a:rPr lang="en-US" smtClean="0"/>
+              <a:t>tl;dr</a:t>
+            </a:r>
+            <a:endParaRPr lang="en-US"/>
+          </a:p>
+        </p:txBody>
+      </p:sp>
+      <p:sp>
+        <p:nvSpPr>
+          <p:cNvPr id="3" name="Content Placeholder 2"/>
+          <p:cNvSpPr>
+            <a:spLocks noGrp="1"/>
+          </p:cNvSpPr>
+          <p:nvPr>
+            <p:ph idx="1"/>
+          </p:nvPr>
+        </p:nvSpPr>
+        <p:spPr/>
+        <p:txBody>
+          <a:bodyPr>
+            <a:noAutofit/>
+          </a:bodyPr>
+          <a:lstStyle/>
+          <a:p>
+            <a:pPr marL="400050" lvl="1" indent="0">
+              <a:buNone/>
+            </a:pPr>
+            <a:r>
+              <a:rPr lang="en-US" sz="1800" dirty="0" smtClean="0"/>
+              <a:t>Installing </a:t>
+            </a:r>
+            <a:r>
+              <a:rPr lang="en-US" sz="1800" dirty="0" err="1" smtClean="0"/>
+              <a:t>git</a:t>
+            </a:r>
+            <a:r>
+              <a:rPr lang="en-US" sz="1800" dirty="0" smtClean="0"/>
+              <a:t> in your development machine</a:t>
+            </a:r>
+          </a:p>
+          <a:p>
+            <a:pPr marL="400050" lvl="1" indent="0">
+              <a:buNone/>
+            </a:pPr>
+            <a:r>
+              <a:rPr lang="en-US" sz="2000" dirty="0" smtClean="0">
+                <a:latin typeface="+mj-lt"/>
+              </a:rPr>
+              <a:t>MAC</a:t>
+            </a:r>
+            <a:r>
+              <a:rPr lang="en-US" sz="2000" dirty="0" smtClean="0"/>
+              <a:t>: </a:t>
+            </a:r>
+          </a:p>
+          <a:p>
+            <a:pPr lvl="1" indent="-342900"/>
+            <a:r>
+              <a:rPr lang="en-US" sz="1600" dirty="0" smtClean="0">
+                <a:hlinkClick r:id="rId2"/>
+              </a:rPr>
+              <a:t>http://</a:t>
+            </a:r>
+            <a:r>
+              <a:rPr lang="en-US" sz="1600" dirty="0" err="1" smtClean="0">
+                <a:hlinkClick r:id="rId2"/>
+              </a:rPr>
+              <a:t>code.google.com</a:t>
+            </a:r>
+            <a:r>
+              <a:rPr lang="en-US" sz="1600" dirty="0" smtClean="0">
+                <a:hlinkClick r:id="rId2"/>
+              </a:rPr>
+              <a:t>/p/</a:t>
+            </a:r>
+            <a:r>
+              <a:rPr lang="en-US" sz="1600" dirty="0" err="1" smtClean="0">
+                <a:hlinkClick r:id="rId2"/>
+              </a:rPr>
+              <a:t>git</a:t>
+            </a:r>
+            <a:r>
+              <a:rPr lang="en-US" sz="1600" dirty="0" smtClean="0">
+                <a:hlinkClick r:id="rId2"/>
+              </a:rPr>
+              <a:t>-</a:t>
+            </a:r>
+            <a:r>
+              <a:rPr lang="en-US" sz="1600" dirty="0" err="1" smtClean="0">
+                <a:hlinkClick r:id="rId2"/>
+              </a:rPr>
+              <a:t>osx</a:t>
+            </a:r>
+            <a:r>
+              <a:rPr lang="en-US" sz="1600" dirty="0" smtClean="0">
+                <a:hlinkClick r:id="rId2"/>
+              </a:rPr>
+              <a:t>-installer</a:t>
+            </a:r>
+            <a:endParaRPr lang="en-US" sz="1600" dirty="0" smtClean="0"/>
+          </a:p>
+          <a:p>
+            <a:pPr lvl="1" indent="-342900"/>
+            <a:r>
+              <a:rPr lang="en-US" sz="1600" dirty="0"/>
+              <a:t>http://</a:t>
+            </a:r>
+            <a:r>
+              <a:rPr lang="en-US" sz="1600" dirty="0" err="1"/>
+              <a:t>mac.github.com</a:t>
+            </a:r>
+            <a:r>
+              <a:rPr lang="en-US" sz="1600" dirty="0" smtClean="0"/>
+              <a:t>/</a:t>
+            </a:r>
+            <a:endParaRPr lang="en-US" sz="1600" dirty="0"/>
+          </a:p>
+          <a:p>
+            <a:pPr marL="400050" lvl="1" indent="0">
+              <a:buNone/>
+            </a:pPr>
+            <a:r>
+              <a:rPr lang="en-US" sz="2000" dirty="0" smtClean="0">
+                <a:latin typeface="+mj-lt"/>
+              </a:rPr>
+              <a:t>Windows</a:t>
+            </a:r>
+            <a:r>
+              <a:rPr lang="en-US" sz="1600" dirty="0" smtClean="0"/>
+              <a:t>: </a:t>
+            </a:r>
+          </a:p>
+          <a:p>
+            <a:pPr lvl="1" indent="-342900"/>
+            <a:r>
+              <a:rPr lang="en-US" sz="1600" dirty="0" smtClean="0">
+                <a:hlinkClick r:id="rId3"/>
+              </a:rPr>
+              <a:t>http://</a:t>
+            </a:r>
+            <a:r>
+              <a:rPr lang="en-US" sz="1600" dirty="0" err="1" smtClean="0">
+                <a:hlinkClick r:id="rId3"/>
+              </a:rPr>
+              <a:t>code.google.com</a:t>
+            </a:r>
+            <a:r>
+              <a:rPr lang="en-US" sz="1600" dirty="0" smtClean="0">
+                <a:hlinkClick r:id="rId3"/>
+              </a:rPr>
+              <a:t>/p/</a:t>
+            </a:r>
+            <a:r>
+              <a:rPr lang="en-US" sz="1600" dirty="0" err="1" smtClean="0">
+                <a:hlinkClick r:id="rId3"/>
+              </a:rPr>
+              <a:t>msysgit</a:t>
+            </a:r>
+            <a:endParaRPr lang="en-US" sz="1600" dirty="0" smtClean="0"/>
+          </a:p>
+          <a:p>
+            <a:pPr lvl="1" indent="-342900"/>
+            <a:r>
+              <a:rPr lang="en-US" sz="1600" dirty="0" smtClean="0">
+                <a:hlinkClick r:id="rId4"/>
+              </a:rPr>
+              <a:t>http</a:t>
+            </a:r>
+            <a:r>
+              <a:rPr lang="en-US" sz="1600" dirty="0">
+                <a:hlinkClick r:id="rId4"/>
+              </a:rPr>
+              <a:t>://</a:t>
+            </a:r>
+            <a:r>
+              <a:rPr lang="en-US" sz="1600" dirty="0" err="1">
+                <a:hlinkClick r:id="rId4"/>
+              </a:rPr>
+              <a:t>windows.github.com</a:t>
+            </a:r>
+            <a:r>
+              <a:rPr lang="en-US" sz="1600" dirty="0" smtClean="0">
+                <a:hlinkClick r:id="rId4"/>
+              </a:rPr>
+              <a:t>/</a:t>
+            </a:r>
+            <a:r>
+              <a:rPr lang="en-US" sz="1600" dirty="0" smtClean="0"/>
+              <a:t> &lt;- </a:t>
+            </a:r>
+            <a:r>
+              <a:rPr lang="en-US" sz="1200" dirty="0" smtClean="0"/>
+              <a:t>highly recommended!</a:t>
+            </a:r>
+            <a:r>
+              <a:rPr lang="en-US" sz="1600" dirty="0" smtClean="0"/>
+              <a:t> </a:t>
+            </a:r>
+            <a:r>
+              <a:rPr lang="en-US" sz="1100" dirty="0"/>
+              <a:t>-</a:t>
+            </a:r>
+            <a:r>
+              <a:rPr lang="en-US" sz="1100" dirty="0" smtClean="0"/>
+              <a:t>If you’re using Windows PC like me ;)</a:t>
+            </a:r>
+            <a:endParaRPr lang="en-US" sz="1600" dirty="0" smtClean="0"/>
+          </a:p>
+          <a:p>
+            <a:pPr marL="400050" lvl="1" indent="0">
+              <a:buNone/>
+            </a:pPr>
+            <a:r>
+              <a:rPr lang="en-US" sz="1600" dirty="0" smtClean="0">
+                <a:latin typeface="+mj-lt"/>
+              </a:rPr>
+              <a:t>Eclipse plugins:</a:t>
+            </a:r>
+          </a:p>
+          <a:p>
+            <a:pPr marL="685800" lvl="1"/>
+            <a:r>
+              <a:rPr lang="en-US" sz="1600" dirty="0">
+                <a:hlinkClick r:id="rId5"/>
+              </a:rPr>
+              <a:t>http://</a:t>
+            </a:r>
+            <a:r>
+              <a:rPr lang="en-US" sz="1600" dirty="0" err="1">
+                <a:hlinkClick r:id="rId5"/>
+              </a:rPr>
+              <a:t>eclipse.github.com</a:t>
+            </a:r>
+            <a:r>
+              <a:rPr lang="en-US" sz="1600" dirty="0" smtClean="0">
+                <a:hlinkClick r:id="rId5"/>
+              </a:rPr>
+              <a:t>/</a:t>
+            </a:r>
+            <a:endParaRPr lang="en-US" sz="1600" dirty="0" smtClean="0"/>
+          </a:p>
+          <a:p>
+            <a:pPr marL="400050" lvl="1" indent="0">
+              <a:buNone/>
+            </a:pPr>
+            <a:r>
+              <a:rPr lang="en-US" sz="1600" dirty="0" smtClean="0">
+                <a:latin typeface="+mj-lt"/>
+              </a:rPr>
+              <a:t>Mobile:</a:t>
+            </a:r>
+          </a:p>
+          <a:p>
+            <a:pPr marL="685800" lvl="1"/>
+            <a:r>
+              <a:rPr lang="en-US" sz="1600" dirty="0"/>
+              <a:t>http://</a:t>
+            </a:r>
+            <a:r>
+              <a:rPr lang="en-US" sz="1600" dirty="0" err="1"/>
+              <a:t>mobile.github.com</a:t>
+            </a:r>
+            <a:r>
+              <a:rPr lang="en-US" sz="1600" dirty="0" smtClean="0"/>
+              <a:t>/</a:t>
+            </a:r>
+          </a:p>
+        </p:txBody>
+      </p:sp>
+    </p:spTree>
+    <p:extLst>
+      <p:ext uri="{BB962C8B-B14F-4D97-AF65-F5344CB8AC3E}">
+        <p14:creationId xmlns:p14="http://schemas.microsoft.com/office/powerpoint/2010/main" val="3801728404"/>
+      </p:ext>
+    </p:extLst>
+  </p:cSld>
+  <p:clrMapOvr>
+    <a:masterClrMapping/>
+  </p:clrMapOvr>
+  <p:transition>
+    <p:fade/>
+  </p:transition>
+  <p:timing>
+    <p:tnLst>
+      <p:par>
+        <p:cTn id="1" dur="indefinite" restart="never" nodeType="tmRoot"/>
+      </p:par>
+    </p:tnLst>
+  </p:timing>
+</p:sld>
+</file>
+
+<file path=ppt/slides/slide40.xml><?xml version="1.0" encoding="utf-8"?>
 <p:sld xmlns:a="http://schemas.openxmlformats.org/drawingml/2006/main" xmlns:r="http://schemas.openxmlformats.org/officeDocument/2006/relationships" xmlns:p="http://schemas.openxmlformats.org/presentationml/2006/main">
   <p:cSld>
     <p:bg>
@@ -19661,7 +18834,7 @@
 </p:sld>
 </file>
 
-<file path=ppt/slides/slide42.xml><?xml version="1.0" encoding="utf-8"?>
+<file path=ppt/slides/slide41.xml><?xml version="1.0" encoding="utf-8"?>
 <p:sld xmlns:a="http://schemas.openxmlformats.org/drawingml/2006/main" xmlns:r="http://schemas.openxmlformats.org/officeDocument/2006/relationships" xmlns:p="http://schemas.openxmlformats.org/presentationml/2006/main">
   <p:cSld>
     <p:bg>
@@ -19870,7 +19043,7 @@
 </p:sld>
 </file>
 
-<file path=ppt/slides/slide43.xml><?xml version="1.0" encoding="utf-8"?>
+<file path=ppt/slides/slide42.xml><?xml version="1.0" encoding="utf-8"?>
 <p:sld xmlns:a="http://schemas.openxmlformats.org/drawingml/2006/main" xmlns:r="http://schemas.openxmlformats.org/officeDocument/2006/relationships" xmlns:p="http://schemas.openxmlformats.org/presentationml/2006/main">
   <p:cSld>
     <p:bg>
@@ -20211,7 +19384,7 @@
 </p:sld>
 </file>
 
-<file path=ppt/slides/slide44.xml><?xml version="1.0" encoding="utf-8"?>
+<file path=ppt/slides/slide43.xml><?xml version="1.0" encoding="utf-8"?>
 <p:sld xmlns:a="http://schemas.openxmlformats.org/drawingml/2006/main" xmlns:r="http://schemas.openxmlformats.org/officeDocument/2006/relationships" xmlns:p="http://schemas.openxmlformats.org/presentationml/2006/main">
   <p:cSld>
     <p:bg>
@@ -20238,14 +19411,42 @@
       </p:grpSpPr>
       <p:sp>
         <p:nvSpPr>
-          <p:cNvPr id="5" name="TextBox 4"/>
+          <p:cNvPr id="7" name="Title 6"/>
+          <p:cNvSpPr>
+            <a:spLocks noGrp="1"/>
+          </p:cNvSpPr>
+          <p:nvPr>
+            <p:ph type="title"/>
+          </p:nvPr>
+        </p:nvSpPr>
+        <p:spPr>
+          <a:xfrm>
+            <a:off x="473765" y="133350"/>
+            <a:ext cx="8229600" cy="857250"/>
+          </a:xfrm>
+        </p:spPr>
+        <p:txBody>
+          <a:bodyPr/>
+          <a:lstStyle/>
+          <a:p>
+            <a:r>
+              <a:rPr lang="en-US" smtClean="0"/>
+              <a:t>ref</a:t>
+            </a:r>
+            <a:endParaRPr lang="en-US"/>
+          </a:p>
+        </p:txBody>
+      </p:sp>
+      <p:sp>
+        <p:nvSpPr>
+          <p:cNvPr id="9" name="TextBox 8"/>
           <p:cNvSpPr txBox="1"/>
           <p:nvPr/>
         </p:nvSpPr>
         <p:spPr>
           <a:xfrm>
-            <a:off x="604097" y="1047750"/>
-            <a:ext cx="7834774" cy="2554545"/>
+            <a:off x="457200" y="1000585"/>
+            <a:ext cx="6811480" cy="4331955"/>
           </a:xfrm>
           <a:prstGeom prst="rect">
             <a:avLst/>
@@ -20258,84 +19459,783 @@
           </a:bodyPr>
           <a:lstStyle/>
           <a:p>
-            <a:pPr algn="ctr"/>
-            <a:r>
-              <a:rPr lang="en-US" sz="3200" dirty="0" smtClean="0">
+            <a:r>
+              <a:rPr lang="en-US" dirty="0" err="1" smtClean="0">
+                <a:solidFill>
+                  <a:srgbClr val="EECE78"/>
+                </a:solidFill>
                 <a:latin typeface="+mj-lt"/>
               </a:rPr>
-              <a:t>Well, that’s it! </a:t>
-            </a:r>
-          </a:p>
-          <a:p>
-            <a:pPr algn="ctr"/>
-            <a:r>
-              <a:rPr lang="en-US" sz="3200" dirty="0" smtClean="0">
+              <a:t>Gitref</a:t>
+            </a:r>
+            <a:r>
+              <a:rPr lang="en-US" dirty="0" smtClean="0"/>
+              <a:t>: </a:t>
+            </a:r>
+            <a:r>
+              <a:rPr lang="en-US" dirty="0" smtClean="0">
+                <a:hlinkClick r:id="rId2"/>
+              </a:rPr>
+              <a:t>http://</a:t>
+            </a:r>
+            <a:r>
+              <a:rPr lang="en-US" dirty="0" err="1" smtClean="0">
+                <a:hlinkClick r:id="rId2"/>
+              </a:rPr>
+              <a:t>gitref.org</a:t>
+            </a:r>
+            <a:endParaRPr lang="en-US" dirty="0" smtClean="0"/>
+          </a:p>
+          <a:p>
+            <a:r>
+              <a:rPr lang="en-US" dirty="0" err="1" smtClean="0">
+                <a:solidFill>
+                  <a:srgbClr val="EECE78"/>
+                </a:solidFill>
                 <a:latin typeface="+mj-lt"/>
               </a:rPr>
-              <a:t>I </a:t>
-            </a:r>
-            <a:r>
-              <a:rPr lang="en-US" sz="3200" dirty="0">
+              <a:t>Github</a:t>
+            </a:r>
+            <a:r>
+              <a:rPr lang="en-US" dirty="0" smtClean="0">
+                <a:solidFill>
+                  <a:srgbClr val="EECE78"/>
+                </a:solidFill>
                 <a:latin typeface="+mj-lt"/>
               </a:rPr>
-              <a:t>hope these could help you </a:t>
-            </a:r>
-            <a:endParaRPr lang="en-US" sz="3200" dirty="0" smtClean="0">
+              <a:t> help</a:t>
+            </a:r>
+            <a:r>
+              <a:rPr lang="en-US" dirty="0" smtClean="0"/>
+              <a:t>: </a:t>
+            </a:r>
+            <a:r>
+              <a:rPr lang="en-US" dirty="0" smtClean="0">
+                <a:hlinkClick r:id="rId3"/>
+              </a:rPr>
+              <a:t>https://</a:t>
+            </a:r>
+            <a:r>
+              <a:rPr lang="en-US" dirty="0" err="1" smtClean="0">
+                <a:hlinkClick r:id="rId3"/>
+              </a:rPr>
+              <a:t>help.github.com</a:t>
+            </a:r>
+            <a:r>
+              <a:rPr lang="en-US" dirty="0" smtClean="0">
+                <a:hlinkClick r:id="rId3"/>
+              </a:rPr>
+              <a:t>/</a:t>
+            </a:r>
+            <a:endParaRPr lang="en-US" dirty="0" smtClean="0"/>
+          </a:p>
+          <a:p>
+            <a:r>
+              <a:rPr lang="en-US" dirty="0" err="1" smtClean="0">
+                <a:solidFill>
+                  <a:srgbClr val="EECE78"/>
+                </a:solidFill>
+                <a:latin typeface="+mj-lt"/>
+              </a:rPr>
+              <a:t>Git-scm</a:t>
+            </a:r>
+            <a:r>
+              <a:rPr lang="en-US" dirty="0" smtClean="0"/>
+              <a:t>: </a:t>
+            </a:r>
+            <a:r>
+              <a:rPr lang="en-US" dirty="0" smtClean="0">
+                <a:hlinkClick r:id="rId4"/>
+              </a:rPr>
+              <a:t>http://</a:t>
+            </a:r>
+            <a:r>
+              <a:rPr lang="en-US" dirty="0" err="1" smtClean="0">
+                <a:hlinkClick r:id="rId4"/>
+              </a:rPr>
+              <a:t>git-scm.org</a:t>
+            </a:r>
+            <a:r>
+              <a:rPr lang="en-US" dirty="0" smtClean="0">
+                <a:hlinkClick r:id="rId4"/>
+              </a:rPr>
+              <a:t>/</a:t>
+            </a:r>
+            <a:endParaRPr lang="en-US" dirty="0" smtClean="0"/>
+          </a:p>
+          <a:p>
+            <a:r>
+              <a:rPr lang="en-US" dirty="0" smtClean="0">
+                <a:solidFill>
+                  <a:srgbClr val="EECE78"/>
+                </a:solidFill>
+                <a:latin typeface="+mj-lt"/>
+              </a:rPr>
+              <a:t>Pro </a:t>
+            </a:r>
+            <a:r>
+              <a:rPr lang="en-US" dirty="0" err="1" smtClean="0">
+                <a:solidFill>
+                  <a:srgbClr val="EECE78"/>
+                </a:solidFill>
+                <a:latin typeface="+mj-lt"/>
+              </a:rPr>
+              <a:t>git</a:t>
+            </a:r>
+            <a:r>
+              <a:rPr lang="en-US" dirty="0" smtClean="0">
+                <a:solidFill>
+                  <a:srgbClr val="EECE78"/>
+                </a:solidFill>
+                <a:latin typeface="+mj-lt"/>
+              </a:rPr>
+              <a:t> book</a:t>
+            </a:r>
+            <a:r>
+              <a:rPr lang="en-US" dirty="0" smtClean="0"/>
+              <a:t>: </a:t>
+            </a:r>
+            <a:r>
+              <a:rPr lang="en-US" dirty="0" smtClean="0">
+                <a:hlinkClick r:id="rId5"/>
+              </a:rPr>
+              <a:t>http://</a:t>
+            </a:r>
+            <a:r>
+              <a:rPr lang="en-US" dirty="0" err="1" smtClean="0">
+                <a:hlinkClick r:id="rId5"/>
+              </a:rPr>
+              <a:t>git-scm.com</a:t>
+            </a:r>
+            <a:r>
+              <a:rPr lang="en-US" dirty="0" smtClean="0">
+                <a:hlinkClick r:id="rId5"/>
+              </a:rPr>
+              <a:t>/book</a:t>
+            </a:r>
+            <a:endParaRPr lang="en-US" dirty="0" smtClean="0"/>
+          </a:p>
+          <a:p>
+            <a:r>
+              <a:rPr lang="en-US" dirty="0" err="1" smtClean="0">
+                <a:solidFill>
+                  <a:srgbClr val="EECE78"/>
+                </a:solidFill>
+                <a:latin typeface="+mj-lt"/>
+              </a:rPr>
+              <a:t>Git</a:t>
+            </a:r>
+            <a:r>
+              <a:rPr lang="en-US" dirty="0">
+                <a:solidFill>
+                  <a:srgbClr val="EECE78"/>
+                </a:solidFill>
+                <a:latin typeface="+mj-lt"/>
+              </a:rPr>
+              <a:t> </a:t>
+            </a:r>
+            <a:r>
+              <a:rPr lang="en-US" dirty="0" smtClean="0">
+                <a:solidFill>
+                  <a:srgbClr val="EECE78"/>
+                </a:solidFill>
+                <a:latin typeface="+mj-lt"/>
+              </a:rPr>
+              <a:t>Immersion</a:t>
+            </a:r>
+            <a:r>
+              <a:rPr lang="en-US" dirty="0" smtClean="0">
+                <a:latin typeface="+mj-lt"/>
+              </a:rPr>
+              <a:t>:</a:t>
+            </a:r>
+            <a:r>
+              <a:rPr lang="en-US" dirty="0" smtClean="0"/>
+              <a:t> http</a:t>
+            </a:r>
+            <a:r>
+              <a:rPr lang="en-US" dirty="0"/>
+              <a:t>://</a:t>
+            </a:r>
+            <a:r>
+              <a:rPr lang="en-US" dirty="0" err="1"/>
+              <a:t>gitimmersion.com</a:t>
+            </a:r>
+            <a:r>
+              <a:rPr lang="en-US" dirty="0"/>
+              <a:t>/</a:t>
+            </a:r>
+            <a:r>
+              <a:rPr lang="en-US" dirty="0" err="1"/>
+              <a:t>lab_01.html</a:t>
+            </a:r>
+            <a:endParaRPr lang="en-US" dirty="0" smtClean="0"/>
+          </a:p>
+          <a:p>
+            <a:endParaRPr lang="en-US" dirty="0" smtClean="0"/>
+          </a:p>
+          <a:p>
+            <a:endParaRPr lang="en-US" dirty="0"/>
+          </a:p>
+          <a:p>
+            <a:r>
+              <a:rPr lang="en-US" dirty="0" smtClean="0">
+                <a:solidFill>
+                  <a:srgbClr val="EECE78"/>
+                </a:solidFill>
+                <a:latin typeface="+mj-lt"/>
+              </a:rPr>
+              <a:t>Advanced </a:t>
+            </a:r>
+            <a:r>
+              <a:rPr lang="en-US" dirty="0" err="1" smtClean="0">
+                <a:solidFill>
+                  <a:srgbClr val="EECE78"/>
+                </a:solidFill>
+                <a:latin typeface="+mj-lt"/>
+              </a:rPr>
+              <a:t>Git</a:t>
+            </a:r>
+            <a:r>
+              <a:rPr lang="en-US" dirty="0" smtClean="0">
+                <a:solidFill>
+                  <a:srgbClr val="EECE78"/>
+                </a:solidFill>
+                <a:latin typeface="+mj-lt"/>
+              </a:rPr>
+              <a:t> by </a:t>
+            </a:r>
+            <a:r>
+              <a:rPr lang="en-US" dirty="0" err="1" smtClean="0">
+                <a:solidFill>
+                  <a:srgbClr val="EECE78"/>
+                </a:solidFill>
+                <a:latin typeface="+mj-lt"/>
+              </a:rPr>
+              <a:t>Github's</a:t>
+            </a:r>
+            <a:r>
+              <a:rPr lang="en-US" dirty="0" smtClean="0">
+                <a:solidFill>
+                  <a:srgbClr val="EECE78"/>
+                </a:solidFill>
+                <a:latin typeface="+mj-lt"/>
+              </a:rPr>
+              <a:t> Matthew McCullough</a:t>
+            </a:r>
+          </a:p>
+          <a:p>
+            <a:r>
+              <a:rPr lang="en-US" sz="900" dirty="0">
+                <a:latin typeface="+mj-lt"/>
+                <a:hlinkClick r:id="rId6"/>
+              </a:rPr>
+              <a:t>http://</a:t>
+            </a:r>
+            <a:r>
+              <a:rPr lang="en-US" sz="900" dirty="0" err="1">
+                <a:latin typeface="+mj-lt"/>
+                <a:hlinkClick r:id="rId6"/>
+              </a:rPr>
+              <a:t>marakana.com</a:t>
+            </a:r>
+            <a:r>
+              <a:rPr lang="en-US" sz="900" dirty="0">
+                <a:latin typeface="+mj-lt"/>
+                <a:hlinkClick r:id="rId6"/>
+              </a:rPr>
+              <a:t>/s/advanced_git_graphs__hashes__</a:t>
+            </a:r>
+            <a:r>
+              <a:rPr lang="en-US" sz="900" dirty="0" smtClean="0">
+                <a:latin typeface="+mj-lt"/>
+                <a:hlinkClick r:id="rId6"/>
+              </a:rPr>
+              <a:t>compression_matthew_mccullough_github,1280/</a:t>
+            </a:r>
+            <a:r>
+              <a:rPr lang="en-US" sz="900" dirty="0" err="1" smtClean="0">
+                <a:latin typeface="+mj-lt"/>
+                <a:hlinkClick r:id="rId6"/>
+              </a:rPr>
+              <a:t>index.htm</a:t>
+            </a:r>
+            <a:r>
+              <a:rPr lang="en-US" sz="800" dirty="0" err="1" smtClean="0">
+                <a:latin typeface="+mj-lt"/>
+                <a:hlinkClick r:id="rId6"/>
+              </a:rPr>
+              <a:t>l</a:t>
+            </a:r>
+            <a:endParaRPr lang="en-US" sz="800" dirty="0" smtClean="0">
               <a:latin typeface="+mj-lt"/>
             </a:endParaRPr>
           </a:p>
           <a:p>
-            <a:pPr algn="ctr"/>
-            <a:r>
-              <a:rPr lang="en-US" sz="3200" dirty="0" smtClean="0">
+            <a:endParaRPr lang="en-US" sz="2000" dirty="0" smtClean="0">
+              <a:hlinkClick r:id="rId7"/>
+            </a:endParaRPr>
+          </a:p>
+          <a:p>
+            <a:r>
+              <a:rPr lang="en-US" sz="2000" dirty="0" smtClean="0">
+                <a:solidFill>
+                  <a:srgbClr val="EECE78"/>
+                </a:solidFill>
                 <a:latin typeface="+mj-lt"/>
               </a:rPr>
-              <a:t>get acquainted </a:t>
-            </a:r>
-            <a:r>
-              <a:rPr lang="en-US" sz="3200" dirty="0">
+              <a:t>Introduction </a:t>
+            </a:r>
+            <a:r>
+              <a:rPr lang="en-US" sz="2000" dirty="0">
+                <a:solidFill>
+                  <a:srgbClr val="EECE78"/>
+                </a:solidFill>
                 <a:latin typeface="+mj-lt"/>
               </a:rPr>
-              <a:t>with </a:t>
-            </a:r>
-            <a:r>
-              <a:rPr lang="en-US" sz="3200" dirty="0" smtClean="0">
+              <a:t>to </a:t>
+            </a:r>
+            <a:r>
+              <a:rPr lang="en-US" sz="2000" dirty="0" err="1">
+                <a:solidFill>
+                  <a:srgbClr val="EECE78"/>
+                </a:solidFill>
                 <a:latin typeface="+mj-lt"/>
               </a:rPr>
-              <a:t>fundamental about</a:t>
-            </a:r>
-          </a:p>
-          <a:p>
-            <a:pPr algn="ctr"/>
-            <a:r>
-              <a:rPr lang="en-US" sz="3200" dirty="0" smtClean="0">
+              <a:t>Git</a:t>
+            </a:r>
+            <a:r>
+              <a:rPr lang="en-US" sz="2000" dirty="0">
+                <a:solidFill>
+                  <a:srgbClr val="EECE78"/>
+                </a:solidFill>
                 <a:latin typeface="+mj-lt"/>
               </a:rPr>
+              <a:t> with Scott Chacon of </a:t>
+            </a:r>
+            <a:r>
+              <a:rPr lang="en-US" sz="2000" dirty="0" err="1">
+                <a:solidFill>
+                  <a:srgbClr val="EECE78"/>
+                </a:solidFill>
+                <a:latin typeface="+mj-lt"/>
+              </a:rPr>
+              <a:t>GitHub</a:t>
+            </a:r>
+            <a:endParaRPr lang="en-US" sz="2000" dirty="0">
+              <a:solidFill>
+                <a:srgbClr val="EECE78"/>
+              </a:solidFill>
+              <a:latin typeface="+mj-lt"/>
+            </a:endParaRPr>
+          </a:p>
+          <a:p>
+            <a:r>
+              <a:rPr lang="en-US" sz="1100" b="1" dirty="0">
+                <a:hlinkClick r:id="rId7"/>
+              </a:rPr>
+              <a:t>http://</a:t>
+            </a:r>
+            <a:r>
+              <a:rPr lang="en-US" sz="1100" b="1" dirty="0" err="1">
+                <a:hlinkClick r:id="rId7"/>
+              </a:rPr>
+              <a:t>marakana.com</a:t>
+            </a:r>
+            <a:r>
+              <a:rPr lang="en-US" sz="1100" b="1" dirty="0">
+                <a:hlinkClick r:id="rId7"/>
+              </a:rPr>
+              <a:t>/s/</a:t>
+            </a:r>
+            <a:r>
+              <a:rPr lang="en-US" sz="1100" b="1" dirty="0" err="1">
+                <a:hlinkClick r:id="rId7"/>
+              </a:rPr>
+              <a:t>video_introduction_to_git_with_scott_chacon_of_github,399</a:t>
+            </a:r>
+            <a:r>
+              <a:rPr lang="en-US" sz="1100" b="1" dirty="0">
+                <a:hlinkClick r:id="rId7"/>
+              </a:rPr>
+              <a:t>/</a:t>
+            </a:r>
+            <a:r>
+              <a:rPr lang="en-US" sz="1100" b="1" dirty="0" err="1">
+                <a:hlinkClick r:id="rId7"/>
+              </a:rPr>
+              <a:t>index.html</a:t>
+            </a:r>
+            <a:endParaRPr lang="en-US" sz="1100" b="1" dirty="0"/>
+          </a:p>
+          <a:p>
+            <a:endParaRPr lang="en-US" sz="1200" dirty="0" smtClean="0"/>
+          </a:p>
+          <a:p>
+            <a:r>
+              <a:rPr lang="en-US" sz="2000" dirty="0" err="1" smtClean="0">
+                <a:solidFill>
+                  <a:srgbClr val="EECE78"/>
+                </a:solidFill>
+                <a:latin typeface="+mj-lt"/>
+              </a:rPr>
+              <a:t>Git</a:t>
+            </a:r>
+            <a:r>
+              <a:rPr lang="en-US" sz="2000" dirty="0" smtClean="0">
+                <a:solidFill>
+                  <a:srgbClr val="EECE78"/>
+                </a:solidFill>
+                <a:latin typeface="+mj-lt"/>
+              </a:rPr>
+              <a:t> Magic - </a:t>
+            </a:r>
+            <a:r>
+              <a:rPr lang="en-US" sz="2000" dirty="0">
+                <a:solidFill>
+                  <a:srgbClr val="EECE78"/>
+                </a:solidFill>
+                <a:latin typeface="+mj-lt"/>
+              </a:rPr>
+              <a:t>Tommy </a:t>
+            </a:r>
+            <a:r>
+              <a:rPr lang="en-US" sz="2000" dirty="0" err="1">
+                <a:solidFill>
+                  <a:srgbClr val="EECE78"/>
+                </a:solidFill>
+                <a:latin typeface="+mj-lt"/>
+              </a:rPr>
+              <a:t>MacWilliam</a:t>
+            </a:r>
+            <a:r>
+              <a:rPr lang="en-US" sz="2000" dirty="0">
+                <a:solidFill>
+                  <a:srgbClr val="EECE78"/>
+                </a:solidFill>
+                <a:latin typeface="+mj-lt"/>
+              </a:rPr>
               <a:t> </a:t>
             </a:r>
             <a:r>
-              <a:rPr lang="en-US" sz="3200" dirty="0" err="1" smtClean="0">
+              <a:rPr lang="en-US" sz="2000" dirty="0" smtClean="0">
+                <a:solidFill>
+                  <a:srgbClr val="EECE78"/>
+                </a:solidFill>
                 <a:latin typeface="+mj-lt"/>
               </a:rPr>
-              <a:t>git</a:t>
-            </a:r>
-            <a:r>
-              <a:rPr lang="en-US" sz="3200" dirty="0" smtClean="0">
-                <a:latin typeface="+mj-lt"/>
-              </a:rPr>
-              <a:t>.</a:t>
-            </a:r>
-          </a:p>
-          <a:p>
-            <a:pPr algn="ctr"/>
-            <a:r>
-              <a:rPr lang="en-US" sz="3200" dirty="0" smtClean="0">
-                <a:latin typeface="+mj-lt"/>
-              </a:rPr>
-              <a:t>;)</a:t>
-            </a:r>
-            <a:endParaRPr lang="en-US" sz="3200" dirty="0">
-              <a:latin typeface="+mj-lt"/>
+              <a:t>'13 from Harvard</a:t>
+            </a:r>
+          </a:p>
+          <a:p>
+            <a:r>
+              <a:rPr lang="en-US" sz="1100" b="1" dirty="0" smtClean="0">
+                <a:hlinkClick r:id="rId8"/>
+              </a:rPr>
+              <a:t>http</a:t>
+            </a:r>
+            <a:r>
+              <a:rPr lang="en-US" sz="1100" b="1" dirty="0">
+                <a:hlinkClick r:id="rId8"/>
+              </a:rPr>
+              <a:t>://</a:t>
+            </a:r>
+            <a:r>
+              <a:rPr lang="en-US" sz="1100" b="1" dirty="0" err="1" smtClean="0">
+                <a:hlinkClick r:id="rId8"/>
+              </a:rPr>
+              <a:t>cs50.tv</a:t>
+            </a:r>
+            <a:r>
+              <a:rPr lang="en-US" sz="1100" b="1" dirty="0" smtClean="0">
+                <a:hlinkClick r:id="rId8"/>
+              </a:rPr>
+              <a:t>/2011/fall/seminars/</a:t>
+            </a:r>
+            <a:r>
+              <a:rPr lang="en-US" sz="1100" b="1" dirty="0" err="1" smtClean="0">
+                <a:hlinkClick r:id="rId8"/>
+              </a:rPr>
+              <a:t>Git_magic</a:t>
+            </a:r>
+            <a:r>
+              <a:rPr lang="en-US" sz="1100" b="1" dirty="0" smtClean="0">
+                <a:hlinkClick r:id="rId8"/>
+              </a:rPr>
+              <a:t>/</a:t>
+            </a:r>
+            <a:r>
+              <a:rPr lang="en-US" sz="1100" b="1" dirty="0" err="1" smtClean="0">
+                <a:hlinkClick r:id="rId8"/>
+              </a:rPr>
+              <a:t>Git_magic.mp4</a:t>
+            </a:r>
+            <a:endParaRPr lang="en-US" sz="1100" b="1" dirty="0" smtClean="0"/>
+          </a:p>
+          <a:p>
+            <a:endParaRPr lang="en-US" sz="1050" b="1" dirty="0"/>
+          </a:p>
+          <a:p>
+            <a:endParaRPr lang="en-US" dirty="0"/>
+          </a:p>
+        </p:txBody>
+      </p:sp>
+      <p:sp>
+        <p:nvSpPr>
+          <p:cNvPr id="2" name="TextBox 1"/>
+          <p:cNvSpPr txBox="1"/>
+          <p:nvPr/>
+        </p:nvSpPr>
+        <p:spPr>
+          <a:xfrm>
+            <a:off x="6781800" y="2343150"/>
+            <a:ext cx="2286000" cy="3154710"/>
+          </a:xfrm>
+          <a:prstGeom prst="rect">
+            <a:avLst/>
+          </a:prstGeom>
+          <a:noFill/>
+        </p:spPr>
+        <p:txBody>
+          <a:bodyPr wrap="square" rtlCol="0">
+            <a:spAutoFit/>
+          </a:bodyPr>
+          <a:lstStyle/>
+          <a:p>
+            <a:r>
+              <a:rPr lang="en-US" sz="19900" dirty="0" smtClean="0"/>
+              <a:t>}</a:t>
+            </a:r>
+            <a:r>
+              <a:rPr lang="en-US" sz="6000" dirty="0" smtClean="0"/>
+              <a:t> </a:t>
+            </a:r>
+            <a:r>
+              <a:rPr lang="en-US" sz="1400" dirty="0" smtClean="0"/>
+              <a:t>must watch!</a:t>
+            </a:r>
+            <a:endParaRPr lang="en-US" sz="2000" dirty="0"/>
+          </a:p>
+        </p:txBody>
+      </p:sp>
+      <p:sp>
+        <p:nvSpPr>
+          <p:cNvPr id="5" name="Content Placeholder 2"/>
+          <p:cNvSpPr txBox="1">
+            <a:spLocks/>
+          </p:cNvSpPr>
+          <p:nvPr/>
+        </p:nvSpPr>
+        <p:spPr>
+          <a:xfrm>
+            <a:off x="553278" y="2493065"/>
+            <a:ext cx="5102087" cy="381000"/>
+          </a:xfrm>
+          <a:prstGeom prst="rect">
+            <a:avLst/>
+          </a:prstGeom>
+          <a:solidFill>
+            <a:schemeClr val="tx2">
+              <a:lumMod val="50000"/>
+            </a:schemeClr>
+          </a:solidFill>
+          <a:ln w="28575" cap="flat" cmpd="sng" algn="ctr">
+            <a:noFill/>
+            <a:prstDash val="solid"/>
+          </a:ln>
+          <a:effectLst>
+            <a:innerShdw blurRad="114300">
+              <a:prstClr val="black"/>
+            </a:innerShdw>
+          </a:effectLst>
+        </p:spPr>
+        <p:style>
+          <a:lnRef idx="2">
+            <a:schemeClr val="accent2">
+              <a:shade val="50000"/>
+            </a:schemeClr>
+          </a:lnRef>
+          <a:fillRef idx="1">
+            <a:schemeClr val="accent2"/>
+          </a:fillRef>
+          <a:effectRef idx="0">
+            <a:schemeClr val="accent2"/>
+          </a:effectRef>
+          <a:fontRef idx="minor">
+            <a:schemeClr val="lt1"/>
+          </a:fontRef>
+        </p:style>
+        <p:txBody>
+          <a:bodyPr vert="horz" lIns="91440" tIns="45720" rIns="91440" bIns="45720" rtlCol="0">
+            <a:noAutofit/>
+          </a:bodyPr>
+          <a:lstStyle>
+            <a:lvl1pPr marL="342900" indent="-342900" algn="l" defTabSz="914400" rtl="0" eaLnBrk="1" latinLnBrk="0" hangingPunct="1">
+              <a:spcBef>
+                <a:spcPct val="20000"/>
+              </a:spcBef>
+              <a:buFont typeface="Arial" pitchFamily="34" charset="0"/>
+              <a:buChar char="•"/>
+              <a:defRPr sz="3200" kern="1200">
+                <a:solidFill>
+                  <a:schemeClr val="tx1"/>
+                </a:solidFill>
+                <a:latin typeface="+mn-lt"/>
+                <a:ea typeface="+mn-ea"/>
+                <a:cs typeface="+mn-cs"/>
+              </a:defRPr>
+            </a:lvl1pPr>
+            <a:lvl2pPr marL="742950" indent="-285750" algn="l" defTabSz="914400" rtl="0" eaLnBrk="1" latinLnBrk="0" hangingPunct="1">
+              <a:spcBef>
+                <a:spcPct val="20000"/>
+              </a:spcBef>
+              <a:buFont typeface="Arial" pitchFamily="34" charset="0"/>
+              <a:buChar char="–"/>
+              <a:defRPr sz="2800" kern="1200">
+                <a:solidFill>
+                  <a:schemeClr val="tx1"/>
+                </a:solidFill>
+                <a:latin typeface="+mn-lt"/>
+                <a:ea typeface="+mn-ea"/>
+                <a:cs typeface="+mn-cs"/>
+              </a:defRPr>
+            </a:lvl2pPr>
+            <a:lvl3pPr marL="1143000" indent="-228600" algn="l" defTabSz="914400" rtl="0" eaLnBrk="1" latinLnBrk="0" hangingPunct="1">
+              <a:spcBef>
+                <a:spcPct val="20000"/>
+              </a:spcBef>
+              <a:buFont typeface="Arial" pitchFamily="34" charset="0"/>
+              <a:buChar char="•"/>
+              <a:defRPr sz="2400" kern="1200">
+                <a:solidFill>
+                  <a:schemeClr val="tx1"/>
+                </a:solidFill>
+                <a:latin typeface="+mn-lt"/>
+                <a:ea typeface="+mn-ea"/>
+                <a:cs typeface="+mn-cs"/>
+              </a:defRPr>
+            </a:lvl3pPr>
+            <a:lvl4pPr marL="1600200" indent="-228600" algn="l" defTabSz="914400" rtl="0" eaLnBrk="1" latinLnBrk="0" hangingPunct="1">
+              <a:spcBef>
+                <a:spcPct val="20000"/>
+              </a:spcBef>
+              <a:buFont typeface="Arial" pitchFamily="34" charset="0"/>
+              <a:buChar char="–"/>
+              <a:defRPr sz="2000" kern="1200">
+                <a:solidFill>
+                  <a:schemeClr val="tx1"/>
+                </a:solidFill>
+                <a:latin typeface="+mn-lt"/>
+                <a:ea typeface="+mn-ea"/>
+                <a:cs typeface="+mn-cs"/>
+              </a:defRPr>
+            </a:lvl4pPr>
+            <a:lvl5pPr marL="2057400" indent="-228600" algn="l" defTabSz="914400" rtl="0" eaLnBrk="1" latinLnBrk="0" hangingPunct="1">
+              <a:spcBef>
+                <a:spcPct val="20000"/>
+              </a:spcBef>
+              <a:buFont typeface="Arial" pitchFamily="34" charset="0"/>
+              <a:buChar char="»"/>
+              <a:defRPr sz="2000" kern="1200">
+                <a:solidFill>
+                  <a:schemeClr val="tx1"/>
+                </a:solidFill>
+                <a:latin typeface="+mn-lt"/>
+                <a:ea typeface="+mn-ea"/>
+                <a:cs typeface="+mn-cs"/>
+              </a:defRPr>
+            </a:lvl5pPr>
+            <a:lvl6pPr marL="2514600" indent="-228600" algn="l" defTabSz="914400" rtl="0" eaLnBrk="1" latinLnBrk="0" hangingPunct="1">
+              <a:spcBef>
+                <a:spcPct val="20000"/>
+              </a:spcBef>
+              <a:buFont typeface="Arial" pitchFamily="34" charset="0"/>
+              <a:buChar char="•"/>
+              <a:defRPr sz="2000" kern="1200">
+                <a:solidFill>
+                  <a:schemeClr val="tx1"/>
+                </a:solidFill>
+                <a:latin typeface="+mn-lt"/>
+                <a:ea typeface="+mn-ea"/>
+                <a:cs typeface="+mn-cs"/>
+              </a:defRPr>
+            </a:lvl6pPr>
+            <a:lvl7pPr marL="2971800" indent="-228600" algn="l" defTabSz="914400" rtl="0" eaLnBrk="1" latinLnBrk="0" hangingPunct="1">
+              <a:spcBef>
+                <a:spcPct val="20000"/>
+              </a:spcBef>
+              <a:buFont typeface="Arial" pitchFamily="34" charset="0"/>
+              <a:buChar char="•"/>
+              <a:defRPr sz="2000" kern="1200">
+                <a:solidFill>
+                  <a:schemeClr val="tx1"/>
+                </a:solidFill>
+                <a:latin typeface="+mn-lt"/>
+                <a:ea typeface="+mn-ea"/>
+                <a:cs typeface="+mn-cs"/>
+              </a:defRPr>
+            </a:lvl7pPr>
+            <a:lvl8pPr marL="3429000" indent="-228600" algn="l" defTabSz="914400" rtl="0" eaLnBrk="1" latinLnBrk="0" hangingPunct="1">
+              <a:spcBef>
+                <a:spcPct val="20000"/>
+              </a:spcBef>
+              <a:buFont typeface="Arial" pitchFamily="34" charset="0"/>
+              <a:buChar char="•"/>
+              <a:defRPr sz="2000" kern="1200">
+                <a:solidFill>
+                  <a:schemeClr val="tx1"/>
+                </a:solidFill>
+                <a:latin typeface="+mn-lt"/>
+                <a:ea typeface="+mn-ea"/>
+                <a:cs typeface="+mn-cs"/>
+              </a:defRPr>
+            </a:lvl8pPr>
+            <a:lvl9pPr marL="3886200" indent="-228600" algn="l" defTabSz="914400" rtl="0" eaLnBrk="1" latinLnBrk="0" hangingPunct="1">
+              <a:spcBef>
+                <a:spcPct val="20000"/>
+              </a:spcBef>
+              <a:buFont typeface="Arial" pitchFamily="34" charset="0"/>
+              <a:buChar char="•"/>
+              <a:defRPr sz="2000" kern="1200">
+                <a:solidFill>
+                  <a:schemeClr val="tx1"/>
+                </a:solidFill>
+                <a:latin typeface="+mn-lt"/>
+                <a:ea typeface="+mn-ea"/>
+                <a:cs typeface="+mn-cs"/>
+              </a:defRPr>
+            </a:lvl9pPr>
+          </a:lstStyle>
+          <a:p>
+            <a:pPr marL="0" indent="0">
+              <a:buNone/>
+            </a:pPr>
+            <a:r>
+              <a:rPr lang="en-US" sz="2000" b="1" smtClean="0">
+                <a:solidFill>
+                  <a:schemeClr val="bg2">
+                    <a:lumMod val="90000"/>
+                  </a:schemeClr>
+                </a:solidFill>
+                <a:latin typeface="Source Code Pro" pitchFamily="49" charset="0"/>
+              </a:rPr>
+              <a:t>→ git help </a:t>
+            </a:r>
+            <a:r>
+              <a:rPr lang="en-US" sz="2000" b="1" i="1" smtClean="0">
+                <a:solidFill>
+                  <a:schemeClr val="bg2">
+                    <a:lumMod val="90000"/>
+                  </a:schemeClr>
+                </a:solidFill>
+                <a:latin typeface="Source Code Pro" pitchFamily="49" charset="0"/>
+              </a:rPr>
+              <a:t>[command]</a:t>
+            </a:r>
+            <a:endParaRPr lang="en-US" sz="1200" i="1" smtClean="0">
+              <a:solidFill>
+                <a:srgbClr val="53777A"/>
+              </a:solidFill>
             </a:endParaRPr>
           </a:p>
         </p:txBody>
@@ -20343,25 +20243,16 @@
     </p:spTree>
     <p:extLst>
       <p:ext uri="{BB962C8B-B14F-4D97-AF65-F5344CB8AC3E}">
-        <p14:creationId xmlns:p14="http://schemas.microsoft.com/office/powerpoint/2010/main" val="2150830942"/>
+        <p14:creationId xmlns:p14="http://schemas.microsoft.com/office/powerpoint/2010/main" val="1974573419"/>
       </p:ext>
     </p:extLst>
   </p:cSld>
   <p:clrMapOvr>
     <a:masterClrMapping/>
   </p:clrMapOvr>
-  <mc:AlternateContent xmlns:mc="http://schemas.openxmlformats.org/markup-compatibility/2006" xmlns:p14="http://schemas.microsoft.com/office/powerpoint/2010/main">
-    <mc:Choice Requires="p14">
-      <p:transition p14:dur="150">
-        <p14:flash/>
-      </p:transition>
-    </mc:Choice>
-    <mc:Fallback xmlns="">
-      <p:transition>
-        <p:fade/>
-      </p:transition>
-    </mc:Fallback>
-  </mc:AlternateContent>
+  <p:transition>
+    <p:fade/>
+  </p:transition>
   <p:timing>
     <p:tnLst>
       <p:par>
@@ -20372,7 +20263,7 @@
 </p:sld>
 </file>
 
-<file path=ppt/slides/slide45.xml><?xml version="1.0" encoding="utf-8"?>
+<file path=ppt/slides/slide44.xml><?xml version="1.0" encoding="utf-8"?>
 <p:sld xmlns:a="http://schemas.openxmlformats.org/drawingml/2006/main" xmlns:r="http://schemas.openxmlformats.org/officeDocument/2006/relationships" xmlns:p="http://schemas.openxmlformats.org/presentationml/2006/main">
   <p:cSld>
     <p:bg>
